--- a/presentation/presentation_ship_deck_manuela.pptx
+++ b/presentation/presentation_ship_deck_manuela.pptx
@@ -5,11 +5,13 @@
     <p:sldMasterId id="2147483660" r:id="rId1"/>
   </p:sldMasterIdLst>
   <p:notesMasterIdLst>
-    <p:notesMasterId r:id="rId4"/>
+    <p:notesMasterId r:id="rId6"/>
   </p:notesMasterIdLst>
   <p:sldIdLst>
     <p:sldId id="283" r:id="rId2"/>
     <p:sldId id="273" r:id="rId3"/>
+    <p:sldId id="284" r:id="rId4"/>
+    <p:sldId id="285" r:id="rId5"/>
   </p:sldIdLst>
   <p:sldSz cx="9144000" cy="6858000" type="screen4x3"/>
   <p:notesSz cx="6858000" cy="9144000"/>
@@ -505,7 +507,2167 @@
           <a:bodyPr/>
           <a:lstStyle/>
           <a:p>
-            <a:endParaRPr lang="en-GB" dirty="0"/>
+            <a:r>
+              <a:rPr lang="de-CH" sz="1200" kern="1200" dirty="0" smtClean="0">
+                <a:solidFill>
+                  <a:schemeClr val="tx1"/>
+                </a:solidFill>
+                <a:effectLst/>
+                <a:latin typeface="+mn-lt"/>
+                <a:ea typeface="+mn-ea"/>
+                <a:cs typeface="+mn-cs"/>
+              </a:rPr>
+              <a:t> </a:t>
+            </a:r>
+            <a:endParaRPr lang="en-GB" sz="1200" kern="1200" dirty="0" smtClean="0">
+              <a:solidFill>
+                <a:schemeClr val="tx1"/>
+              </a:solidFill>
+              <a:effectLst/>
+              <a:latin typeface="+mn-lt"/>
+              <a:ea typeface="+mn-ea"/>
+              <a:cs typeface="+mn-cs"/>
+            </a:endParaRPr>
+          </a:p>
+          <a:p>
+            <a:r>
+              <a:rPr lang="de-CH" sz="1200" kern="1200" dirty="0" smtClean="0">
+                <a:solidFill>
+                  <a:schemeClr val="tx1"/>
+                </a:solidFill>
+                <a:effectLst/>
+                <a:latin typeface="+mn-lt"/>
+                <a:ea typeface="+mn-ea"/>
+                <a:cs typeface="+mn-cs"/>
+              </a:rPr>
+              <a:t>In </a:t>
+            </a:r>
+            <a:r>
+              <a:rPr lang="de-CH" sz="1200" kern="1200" dirty="0" err="1" smtClean="0">
+                <a:solidFill>
+                  <a:schemeClr val="tx1"/>
+                </a:solidFill>
+                <a:effectLst/>
+                <a:latin typeface="+mn-lt"/>
+                <a:ea typeface="+mn-ea"/>
+                <a:cs typeface="+mn-cs"/>
+              </a:rPr>
+              <a:t>our</a:t>
+            </a:r>
+            <a:r>
+              <a:rPr lang="de-CH" sz="1200" kern="1200" dirty="0" smtClean="0">
+                <a:solidFill>
+                  <a:schemeClr val="tx1"/>
+                </a:solidFill>
+                <a:effectLst/>
+                <a:latin typeface="+mn-lt"/>
+                <a:ea typeface="+mn-ea"/>
+                <a:cs typeface="+mn-cs"/>
+              </a:rPr>
+              <a:t> </a:t>
+            </a:r>
+            <a:r>
+              <a:rPr lang="de-CH" sz="1200" kern="1200" dirty="0" err="1" smtClean="0">
+                <a:solidFill>
+                  <a:schemeClr val="tx1"/>
+                </a:solidFill>
+                <a:effectLst/>
+                <a:latin typeface="+mn-lt"/>
+                <a:ea typeface="+mn-ea"/>
+                <a:cs typeface="+mn-cs"/>
+              </a:rPr>
+              <a:t>simulation</a:t>
+            </a:r>
+            <a:r>
+              <a:rPr lang="de-CH" sz="1200" kern="1200" dirty="0" smtClean="0">
+                <a:solidFill>
+                  <a:schemeClr val="tx1"/>
+                </a:solidFill>
+                <a:effectLst/>
+                <a:latin typeface="+mn-lt"/>
+                <a:ea typeface="+mn-ea"/>
+                <a:cs typeface="+mn-cs"/>
+              </a:rPr>
+              <a:t>, </a:t>
+            </a:r>
+            <a:r>
+              <a:rPr lang="de-CH" sz="1200" kern="1200" dirty="0" err="1" smtClean="0">
+                <a:solidFill>
+                  <a:schemeClr val="tx1"/>
+                </a:solidFill>
+                <a:effectLst/>
+                <a:latin typeface="+mn-lt"/>
+                <a:ea typeface="+mn-ea"/>
+                <a:cs typeface="+mn-cs"/>
+              </a:rPr>
+              <a:t>we</a:t>
+            </a:r>
+            <a:r>
+              <a:rPr lang="de-CH" sz="1200" kern="1200" dirty="0" smtClean="0">
+                <a:solidFill>
+                  <a:schemeClr val="tx1"/>
+                </a:solidFill>
+                <a:effectLst/>
+                <a:latin typeface="+mn-lt"/>
+                <a:ea typeface="+mn-ea"/>
+                <a:cs typeface="+mn-cs"/>
+              </a:rPr>
+              <a:t> </a:t>
+            </a:r>
+            <a:r>
+              <a:rPr lang="de-CH" sz="1200" kern="1200" dirty="0" err="1" smtClean="0">
+                <a:solidFill>
+                  <a:schemeClr val="tx1"/>
+                </a:solidFill>
+                <a:effectLst/>
+                <a:latin typeface="+mn-lt"/>
+                <a:ea typeface="+mn-ea"/>
+                <a:cs typeface="+mn-cs"/>
+              </a:rPr>
+              <a:t>have</a:t>
+            </a:r>
+            <a:r>
+              <a:rPr lang="de-CH" sz="1200" kern="1200" dirty="0" smtClean="0">
+                <a:solidFill>
+                  <a:schemeClr val="tx1"/>
+                </a:solidFill>
+                <a:effectLst/>
+                <a:latin typeface="+mn-lt"/>
+                <a:ea typeface="+mn-ea"/>
+                <a:cs typeface="+mn-cs"/>
+              </a:rPr>
+              <a:t> a </a:t>
+            </a:r>
+            <a:r>
+              <a:rPr lang="de-CH" sz="1200" kern="1200" dirty="0" err="1" smtClean="0">
+                <a:solidFill>
+                  <a:schemeClr val="tx1"/>
+                </a:solidFill>
+                <a:effectLst/>
+                <a:latin typeface="+mn-lt"/>
+                <a:ea typeface="+mn-ea"/>
+                <a:cs typeface="+mn-cs"/>
+              </a:rPr>
+              <a:t>coninuous</a:t>
+            </a:r>
+            <a:r>
+              <a:rPr lang="de-CH" sz="1200" kern="1200" dirty="0" smtClean="0">
+                <a:solidFill>
+                  <a:schemeClr val="tx1"/>
+                </a:solidFill>
+                <a:effectLst/>
+                <a:latin typeface="+mn-lt"/>
+                <a:ea typeface="+mn-ea"/>
+                <a:cs typeface="+mn-cs"/>
+              </a:rPr>
+              <a:t>- </a:t>
+            </a:r>
+            <a:r>
+              <a:rPr lang="de-CH" sz="1200" kern="1200" dirty="0" err="1" smtClean="0">
+                <a:solidFill>
+                  <a:schemeClr val="tx1"/>
+                </a:solidFill>
+                <a:effectLst/>
+                <a:latin typeface="+mn-lt"/>
+                <a:ea typeface="+mn-ea"/>
+                <a:cs typeface="+mn-cs"/>
+              </a:rPr>
+              <a:t>space</a:t>
+            </a:r>
+            <a:r>
+              <a:rPr lang="de-CH" sz="1200" kern="1200" dirty="0" smtClean="0">
+                <a:solidFill>
+                  <a:schemeClr val="tx1"/>
+                </a:solidFill>
+                <a:effectLst/>
+                <a:latin typeface="+mn-lt"/>
+                <a:ea typeface="+mn-ea"/>
+                <a:cs typeface="+mn-cs"/>
+              </a:rPr>
+              <a:t> </a:t>
+            </a:r>
+            <a:r>
+              <a:rPr lang="de-CH" sz="1200" kern="1200" dirty="0" err="1" smtClean="0">
+                <a:solidFill>
+                  <a:schemeClr val="tx1"/>
+                </a:solidFill>
+                <a:effectLst/>
+                <a:latin typeface="+mn-lt"/>
+                <a:ea typeface="+mn-ea"/>
+                <a:cs typeface="+mn-cs"/>
+              </a:rPr>
+              <a:t>mode</a:t>
+            </a:r>
+            <a:r>
+              <a:rPr lang="de-CH" sz="1200" kern="1200" dirty="0" smtClean="0">
+                <a:solidFill>
+                  <a:schemeClr val="tx1"/>
+                </a:solidFill>
+                <a:effectLst/>
+                <a:latin typeface="+mn-lt"/>
+                <a:ea typeface="+mn-ea"/>
+                <a:cs typeface="+mn-cs"/>
+              </a:rPr>
+              <a:t>. The </a:t>
+            </a:r>
+            <a:r>
+              <a:rPr lang="de-CH" sz="1200" kern="1200" dirty="0" err="1" smtClean="0">
+                <a:solidFill>
+                  <a:schemeClr val="tx1"/>
+                </a:solidFill>
+                <a:effectLst/>
+                <a:latin typeface="+mn-lt"/>
+                <a:ea typeface="+mn-ea"/>
+                <a:cs typeface="+mn-cs"/>
+              </a:rPr>
+              <a:t>corner</a:t>
+            </a:r>
+            <a:r>
+              <a:rPr lang="de-CH" sz="1200" kern="1200" dirty="0" smtClean="0">
+                <a:solidFill>
+                  <a:schemeClr val="tx1"/>
+                </a:solidFill>
+                <a:effectLst/>
+                <a:latin typeface="+mn-lt"/>
+                <a:ea typeface="+mn-ea"/>
+                <a:cs typeface="+mn-cs"/>
+              </a:rPr>
+              <a:t> </a:t>
+            </a:r>
+            <a:r>
+              <a:rPr lang="de-CH" sz="1200" kern="1200" dirty="0" err="1" smtClean="0">
+                <a:solidFill>
+                  <a:schemeClr val="tx1"/>
+                </a:solidFill>
+                <a:effectLst/>
+                <a:latin typeface="+mn-lt"/>
+                <a:ea typeface="+mn-ea"/>
+                <a:cs typeface="+mn-cs"/>
+              </a:rPr>
+              <a:t>stone</a:t>
+            </a:r>
+            <a:r>
+              <a:rPr lang="de-CH" sz="1200" kern="1200" dirty="0" smtClean="0">
+                <a:solidFill>
+                  <a:schemeClr val="tx1"/>
+                </a:solidFill>
+                <a:effectLst/>
+                <a:latin typeface="+mn-lt"/>
+                <a:ea typeface="+mn-ea"/>
+                <a:cs typeface="+mn-cs"/>
+              </a:rPr>
+              <a:t> in </a:t>
+            </a:r>
+            <a:r>
+              <a:rPr lang="de-CH" sz="1200" kern="1200" dirty="0" err="1" smtClean="0">
+                <a:solidFill>
+                  <a:schemeClr val="tx1"/>
+                </a:solidFill>
+                <a:effectLst/>
+                <a:latin typeface="+mn-lt"/>
+                <a:ea typeface="+mn-ea"/>
+                <a:cs typeface="+mn-cs"/>
+              </a:rPr>
+              <a:t>this</a:t>
+            </a:r>
+            <a:r>
+              <a:rPr lang="de-CH" sz="1200" kern="1200" dirty="0" smtClean="0">
+                <a:solidFill>
+                  <a:schemeClr val="tx1"/>
+                </a:solidFill>
+                <a:effectLst/>
+                <a:latin typeface="+mn-lt"/>
+                <a:ea typeface="+mn-ea"/>
+                <a:cs typeface="+mn-cs"/>
+              </a:rPr>
+              <a:t> </a:t>
+            </a:r>
+            <a:r>
+              <a:rPr lang="de-CH" sz="1200" kern="1200" dirty="0" err="1" smtClean="0">
+                <a:solidFill>
+                  <a:schemeClr val="tx1"/>
+                </a:solidFill>
+                <a:effectLst/>
+                <a:latin typeface="+mn-lt"/>
+                <a:ea typeface="+mn-ea"/>
+                <a:cs typeface="+mn-cs"/>
+              </a:rPr>
+              <a:t>concept</a:t>
+            </a:r>
+            <a:r>
+              <a:rPr lang="de-CH" sz="1200" kern="1200" dirty="0" smtClean="0">
+                <a:solidFill>
+                  <a:schemeClr val="tx1"/>
+                </a:solidFill>
+                <a:effectLst/>
+                <a:latin typeface="+mn-lt"/>
+                <a:ea typeface="+mn-ea"/>
+                <a:cs typeface="+mn-cs"/>
+              </a:rPr>
+              <a:t> </a:t>
+            </a:r>
+            <a:r>
+              <a:rPr lang="de-CH" sz="1200" kern="1200" dirty="0" err="1" smtClean="0">
+                <a:solidFill>
+                  <a:schemeClr val="tx1"/>
+                </a:solidFill>
+                <a:effectLst/>
+                <a:latin typeface="+mn-lt"/>
+                <a:ea typeface="+mn-ea"/>
+                <a:cs typeface="+mn-cs"/>
+              </a:rPr>
+              <a:t>is</a:t>
+            </a:r>
+            <a:r>
+              <a:rPr lang="de-CH" sz="1200" kern="1200" dirty="0" smtClean="0">
+                <a:solidFill>
+                  <a:schemeClr val="tx1"/>
+                </a:solidFill>
+                <a:effectLst/>
+                <a:latin typeface="+mn-lt"/>
+                <a:ea typeface="+mn-ea"/>
+                <a:cs typeface="+mn-cs"/>
+              </a:rPr>
+              <a:t> </a:t>
+            </a:r>
+            <a:r>
+              <a:rPr lang="de-CH" sz="1200" kern="1200" dirty="0" err="1" smtClean="0">
+                <a:solidFill>
+                  <a:schemeClr val="tx1"/>
+                </a:solidFill>
+                <a:effectLst/>
+                <a:latin typeface="+mn-lt"/>
+                <a:ea typeface="+mn-ea"/>
+                <a:cs typeface="+mn-cs"/>
+              </a:rPr>
+              <a:t>newton</a:t>
+            </a:r>
+            <a:r>
+              <a:rPr lang="de-CH" sz="1200" kern="1200" dirty="0" smtClean="0">
+                <a:solidFill>
+                  <a:schemeClr val="tx1"/>
+                </a:solidFill>
+                <a:effectLst/>
+                <a:latin typeface="+mn-lt"/>
+                <a:ea typeface="+mn-ea"/>
+                <a:cs typeface="+mn-cs"/>
+              </a:rPr>
+              <a:t>‘ </a:t>
+            </a:r>
+            <a:r>
+              <a:rPr lang="de-CH" sz="1200" kern="1200" dirty="0" err="1" smtClean="0">
+                <a:solidFill>
+                  <a:schemeClr val="tx1"/>
+                </a:solidFill>
+                <a:effectLst/>
+                <a:latin typeface="+mn-lt"/>
+                <a:ea typeface="+mn-ea"/>
+                <a:cs typeface="+mn-cs"/>
+              </a:rPr>
+              <a:t>law</a:t>
+            </a:r>
+            <a:r>
+              <a:rPr lang="de-CH" sz="1200" kern="1200" dirty="0" smtClean="0">
+                <a:solidFill>
+                  <a:schemeClr val="tx1"/>
+                </a:solidFill>
+                <a:effectLst/>
+                <a:latin typeface="+mn-lt"/>
+                <a:ea typeface="+mn-ea"/>
+                <a:cs typeface="+mn-cs"/>
+              </a:rPr>
+              <a:t> in </a:t>
+            </a:r>
+            <a:r>
+              <a:rPr lang="de-CH" sz="1200" kern="1200" dirty="0" err="1" smtClean="0">
+                <a:solidFill>
+                  <a:schemeClr val="tx1"/>
+                </a:solidFill>
+                <a:effectLst/>
+                <a:latin typeface="+mn-lt"/>
+                <a:ea typeface="+mn-ea"/>
+                <a:cs typeface="+mn-cs"/>
+              </a:rPr>
+              <a:t>which</a:t>
+            </a:r>
+            <a:r>
+              <a:rPr lang="de-CH" sz="1200" kern="1200" dirty="0" smtClean="0">
+                <a:solidFill>
+                  <a:schemeClr val="tx1"/>
+                </a:solidFill>
+                <a:effectLst/>
+                <a:latin typeface="+mn-lt"/>
+                <a:ea typeface="+mn-ea"/>
+                <a:cs typeface="+mn-cs"/>
+              </a:rPr>
+              <a:t> </a:t>
+            </a:r>
+            <a:r>
+              <a:rPr lang="de-CH" sz="1200" kern="1200" dirty="0" err="1" smtClean="0">
+                <a:solidFill>
+                  <a:schemeClr val="tx1"/>
+                </a:solidFill>
+                <a:effectLst/>
+                <a:latin typeface="+mn-lt"/>
+                <a:ea typeface="+mn-ea"/>
+                <a:cs typeface="+mn-cs"/>
+              </a:rPr>
+              <a:t>we</a:t>
+            </a:r>
+            <a:r>
+              <a:rPr lang="de-CH" sz="1200" kern="1200" dirty="0" smtClean="0">
+                <a:solidFill>
+                  <a:schemeClr val="tx1"/>
+                </a:solidFill>
+                <a:effectLst/>
+                <a:latin typeface="+mn-lt"/>
+                <a:ea typeface="+mn-ea"/>
+                <a:cs typeface="+mn-cs"/>
+              </a:rPr>
+              <a:t> </a:t>
+            </a:r>
+            <a:r>
+              <a:rPr lang="de-CH" sz="1200" kern="1200" dirty="0" err="1" smtClean="0">
+                <a:solidFill>
+                  <a:schemeClr val="tx1"/>
+                </a:solidFill>
+                <a:effectLst/>
+                <a:latin typeface="+mn-lt"/>
+                <a:ea typeface="+mn-ea"/>
+                <a:cs typeface="+mn-cs"/>
+              </a:rPr>
+              <a:t>calculate</a:t>
+            </a:r>
+            <a:r>
+              <a:rPr lang="de-CH" sz="1200" kern="1200" dirty="0" smtClean="0">
+                <a:solidFill>
+                  <a:schemeClr val="tx1"/>
+                </a:solidFill>
+                <a:effectLst/>
+                <a:latin typeface="+mn-lt"/>
+                <a:ea typeface="+mn-ea"/>
+                <a:cs typeface="+mn-cs"/>
+              </a:rPr>
+              <a:t> </a:t>
+            </a:r>
+            <a:r>
+              <a:rPr lang="de-CH" sz="1200" kern="1200" dirty="0" err="1" smtClean="0">
+                <a:solidFill>
+                  <a:schemeClr val="tx1"/>
+                </a:solidFill>
+                <a:effectLst/>
+                <a:latin typeface="+mn-lt"/>
+                <a:ea typeface="+mn-ea"/>
+                <a:cs typeface="+mn-cs"/>
+              </a:rPr>
+              <a:t>the</a:t>
+            </a:r>
+            <a:r>
+              <a:rPr lang="de-CH" sz="1200" kern="1200" dirty="0" smtClean="0">
+                <a:solidFill>
+                  <a:schemeClr val="tx1"/>
+                </a:solidFill>
+                <a:effectLst/>
+                <a:latin typeface="+mn-lt"/>
+                <a:ea typeface="+mn-ea"/>
+                <a:cs typeface="+mn-cs"/>
+              </a:rPr>
+              <a:t> </a:t>
+            </a:r>
+            <a:r>
+              <a:rPr lang="de-CH" sz="1200" kern="1200" dirty="0" err="1" smtClean="0">
+                <a:solidFill>
+                  <a:schemeClr val="tx1"/>
+                </a:solidFill>
+                <a:effectLst/>
+                <a:latin typeface="+mn-lt"/>
+                <a:ea typeface="+mn-ea"/>
+                <a:cs typeface="+mn-cs"/>
+              </a:rPr>
+              <a:t>velocity</a:t>
+            </a:r>
+            <a:r>
+              <a:rPr lang="de-CH" sz="1200" kern="1200" dirty="0" smtClean="0">
+                <a:solidFill>
+                  <a:schemeClr val="tx1"/>
+                </a:solidFill>
+                <a:effectLst/>
+                <a:latin typeface="+mn-lt"/>
+                <a:ea typeface="+mn-ea"/>
+                <a:cs typeface="+mn-cs"/>
+              </a:rPr>
+              <a:t> </a:t>
+            </a:r>
+            <a:r>
+              <a:rPr lang="de-CH" sz="1200" kern="1200" dirty="0" err="1" smtClean="0">
+                <a:solidFill>
+                  <a:schemeClr val="tx1"/>
+                </a:solidFill>
+                <a:effectLst/>
+                <a:latin typeface="+mn-lt"/>
+                <a:ea typeface="+mn-ea"/>
+                <a:cs typeface="+mn-cs"/>
+              </a:rPr>
+              <a:t>of</a:t>
+            </a:r>
+            <a:r>
+              <a:rPr lang="de-CH" sz="1200" kern="1200" dirty="0" smtClean="0">
+                <a:solidFill>
+                  <a:schemeClr val="tx1"/>
+                </a:solidFill>
+                <a:effectLst/>
+                <a:latin typeface="+mn-lt"/>
+                <a:ea typeface="+mn-ea"/>
+                <a:cs typeface="+mn-cs"/>
+              </a:rPr>
+              <a:t> a </a:t>
+            </a:r>
+            <a:r>
+              <a:rPr lang="de-CH" sz="1200" kern="1200" dirty="0" err="1" smtClean="0">
+                <a:solidFill>
+                  <a:schemeClr val="tx1"/>
+                </a:solidFill>
+                <a:effectLst/>
+                <a:latin typeface="+mn-lt"/>
+                <a:ea typeface="+mn-ea"/>
+                <a:cs typeface="+mn-cs"/>
+              </a:rPr>
+              <a:t>particle</a:t>
+            </a:r>
+            <a:r>
+              <a:rPr lang="de-CH" sz="1200" kern="1200" dirty="0" smtClean="0">
+                <a:solidFill>
+                  <a:schemeClr val="tx1"/>
+                </a:solidFill>
+                <a:effectLst/>
+                <a:latin typeface="+mn-lt"/>
+                <a:ea typeface="+mn-ea"/>
+                <a:cs typeface="+mn-cs"/>
+              </a:rPr>
+              <a:t> </a:t>
+            </a:r>
+            <a:r>
+              <a:rPr lang="de-CH" sz="1200" kern="1200" dirty="0" err="1" smtClean="0">
+                <a:solidFill>
+                  <a:schemeClr val="tx1"/>
+                </a:solidFill>
+                <a:effectLst/>
+                <a:latin typeface="+mn-lt"/>
+                <a:ea typeface="+mn-ea"/>
+                <a:cs typeface="+mn-cs"/>
+              </a:rPr>
+              <a:t>with</a:t>
+            </a:r>
+            <a:r>
+              <a:rPr lang="de-CH" sz="1200" kern="1200" dirty="0" smtClean="0">
+                <a:solidFill>
+                  <a:schemeClr val="tx1"/>
+                </a:solidFill>
+                <a:effectLst/>
+                <a:latin typeface="+mn-lt"/>
+                <a:ea typeface="+mn-ea"/>
+                <a:cs typeface="+mn-cs"/>
+              </a:rPr>
+              <a:t> mass m, out </a:t>
+            </a:r>
+            <a:r>
+              <a:rPr lang="de-CH" sz="1200" kern="1200" dirty="0" err="1" smtClean="0">
+                <a:solidFill>
+                  <a:schemeClr val="tx1"/>
+                </a:solidFill>
+                <a:effectLst/>
+                <a:latin typeface="+mn-lt"/>
+                <a:ea typeface="+mn-ea"/>
+                <a:cs typeface="+mn-cs"/>
+              </a:rPr>
+              <a:t>of</a:t>
+            </a:r>
+            <a:r>
+              <a:rPr lang="de-CH" sz="1200" kern="1200" dirty="0" smtClean="0">
+                <a:solidFill>
+                  <a:schemeClr val="tx1"/>
+                </a:solidFill>
+                <a:effectLst/>
+                <a:latin typeface="+mn-lt"/>
+                <a:ea typeface="+mn-ea"/>
+                <a:cs typeface="+mn-cs"/>
+              </a:rPr>
+              <a:t> </a:t>
+            </a:r>
+            <a:r>
+              <a:rPr lang="de-CH" sz="1200" kern="1200" dirty="0" err="1" smtClean="0">
+                <a:solidFill>
+                  <a:schemeClr val="tx1"/>
+                </a:solidFill>
+                <a:effectLst/>
+                <a:latin typeface="+mn-lt"/>
+                <a:ea typeface="+mn-ea"/>
+                <a:cs typeface="+mn-cs"/>
+              </a:rPr>
+              <a:t>the</a:t>
+            </a:r>
+            <a:r>
+              <a:rPr lang="de-CH" sz="1200" kern="1200" dirty="0" smtClean="0">
+                <a:solidFill>
+                  <a:schemeClr val="tx1"/>
+                </a:solidFill>
+                <a:effectLst/>
+                <a:latin typeface="+mn-lt"/>
+                <a:ea typeface="+mn-ea"/>
+                <a:cs typeface="+mn-cs"/>
+              </a:rPr>
+              <a:t> </a:t>
+            </a:r>
+            <a:r>
+              <a:rPr lang="de-CH" sz="1200" kern="1200" dirty="0" err="1" smtClean="0">
+                <a:solidFill>
+                  <a:schemeClr val="tx1"/>
+                </a:solidFill>
+                <a:effectLst/>
+                <a:latin typeface="+mn-lt"/>
+                <a:ea typeface="+mn-ea"/>
+                <a:cs typeface="+mn-cs"/>
+              </a:rPr>
+              <a:t>forces</a:t>
+            </a:r>
+            <a:r>
+              <a:rPr lang="de-CH" sz="1200" kern="1200" dirty="0" smtClean="0">
+                <a:solidFill>
+                  <a:schemeClr val="tx1"/>
+                </a:solidFill>
+                <a:effectLst/>
+                <a:latin typeface="+mn-lt"/>
+                <a:ea typeface="+mn-ea"/>
+                <a:cs typeface="+mn-cs"/>
+              </a:rPr>
+              <a:t> </a:t>
+            </a:r>
+            <a:r>
+              <a:rPr lang="de-CH" sz="1200" kern="1200" dirty="0" err="1" smtClean="0">
+                <a:solidFill>
+                  <a:schemeClr val="tx1"/>
+                </a:solidFill>
+                <a:effectLst/>
+                <a:latin typeface="+mn-lt"/>
+                <a:ea typeface="+mn-ea"/>
+                <a:cs typeface="+mn-cs"/>
+              </a:rPr>
+              <a:t>acting</a:t>
+            </a:r>
+            <a:r>
+              <a:rPr lang="de-CH" sz="1200" kern="1200" dirty="0" smtClean="0">
+                <a:solidFill>
+                  <a:schemeClr val="tx1"/>
+                </a:solidFill>
+                <a:effectLst/>
+                <a:latin typeface="+mn-lt"/>
+                <a:ea typeface="+mn-ea"/>
+                <a:cs typeface="+mn-cs"/>
+              </a:rPr>
+              <a:t> on </a:t>
+            </a:r>
+            <a:r>
+              <a:rPr lang="de-CH" sz="1200" kern="1200" dirty="0" err="1" smtClean="0">
+                <a:solidFill>
+                  <a:schemeClr val="tx1"/>
+                </a:solidFill>
+                <a:effectLst/>
+                <a:latin typeface="+mn-lt"/>
+                <a:ea typeface="+mn-ea"/>
+                <a:cs typeface="+mn-cs"/>
+              </a:rPr>
+              <a:t>that</a:t>
+            </a:r>
+            <a:r>
+              <a:rPr lang="de-CH" sz="1200" kern="1200" dirty="0" smtClean="0">
+                <a:solidFill>
+                  <a:schemeClr val="tx1"/>
+                </a:solidFill>
+                <a:effectLst/>
+                <a:latin typeface="+mn-lt"/>
+                <a:ea typeface="+mn-ea"/>
+                <a:cs typeface="+mn-cs"/>
+              </a:rPr>
+              <a:t> </a:t>
+            </a:r>
+            <a:r>
+              <a:rPr lang="de-CH" sz="1200" kern="1200" dirty="0" err="1" smtClean="0">
+                <a:solidFill>
+                  <a:schemeClr val="tx1"/>
+                </a:solidFill>
+                <a:effectLst/>
+                <a:latin typeface="+mn-lt"/>
+                <a:ea typeface="+mn-ea"/>
+                <a:cs typeface="+mn-cs"/>
+              </a:rPr>
+              <a:t>particle</a:t>
+            </a:r>
+            <a:r>
+              <a:rPr lang="de-CH" sz="1200" kern="1200" dirty="0" smtClean="0">
+                <a:solidFill>
+                  <a:schemeClr val="tx1"/>
+                </a:solidFill>
+                <a:effectLst/>
+                <a:latin typeface="+mn-lt"/>
+                <a:ea typeface="+mn-ea"/>
+                <a:cs typeface="+mn-cs"/>
+              </a:rPr>
+              <a:t>. </a:t>
+            </a:r>
+            <a:endParaRPr lang="en-GB" sz="1200" kern="1200" dirty="0" smtClean="0">
+              <a:solidFill>
+                <a:schemeClr val="tx1"/>
+              </a:solidFill>
+              <a:effectLst/>
+              <a:latin typeface="+mn-lt"/>
+              <a:ea typeface="+mn-ea"/>
+              <a:cs typeface="+mn-cs"/>
+            </a:endParaRPr>
+          </a:p>
+          <a:p>
+            <a:r>
+              <a:rPr lang="de-CH" sz="1200" kern="1200" dirty="0" smtClean="0">
+                <a:solidFill>
+                  <a:schemeClr val="tx1"/>
+                </a:solidFill>
+                <a:effectLst/>
+                <a:latin typeface="+mn-lt"/>
+                <a:ea typeface="+mn-ea"/>
+                <a:cs typeface="+mn-cs"/>
+              </a:rPr>
+              <a:t>I will </a:t>
+            </a:r>
+            <a:r>
+              <a:rPr lang="de-CH" sz="1200" kern="1200" dirty="0" err="1" smtClean="0">
+                <a:solidFill>
+                  <a:schemeClr val="tx1"/>
+                </a:solidFill>
+                <a:effectLst/>
+                <a:latin typeface="+mn-lt"/>
+                <a:ea typeface="+mn-ea"/>
+                <a:cs typeface="+mn-cs"/>
+              </a:rPr>
+              <a:t>now</a:t>
+            </a:r>
+            <a:r>
+              <a:rPr lang="de-CH" sz="1200" kern="1200" dirty="0" smtClean="0">
+                <a:solidFill>
+                  <a:schemeClr val="tx1"/>
+                </a:solidFill>
+                <a:effectLst/>
+                <a:latin typeface="+mn-lt"/>
+                <a:ea typeface="+mn-ea"/>
+                <a:cs typeface="+mn-cs"/>
+              </a:rPr>
+              <a:t> just </a:t>
+            </a:r>
+            <a:r>
+              <a:rPr lang="de-CH" sz="1200" kern="1200" dirty="0" err="1" smtClean="0">
+                <a:solidFill>
+                  <a:schemeClr val="tx1"/>
+                </a:solidFill>
+                <a:effectLst/>
+                <a:latin typeface="+mn-lt"/>
+                <a:ea typeface="+mn-ea"/>
+                <a:cs typeface="+mn-cs"/>
+              </a:rPr>
+              <a:t>briefly</a:t>
+            </a:r>
+            <a:r>
+              <a:rPr lang="de-CH" sz="1200" kern="1200" dirty="0" smtClean="0">
+                <a:solidFill>
+                  <a:schemeClr val="tx1"/>
+                </a:solidFill>
+                <a:effectLst/>
+                <a:latin typeface="+mn-lt"/>
+                <a:ea typeface="+mn-ea"/>
+                <a:cs typeface="+mn-cs"/>
+              </a:rPr>
+              <a:t> </a:t>
+            </a:r>
+            <a:r>
+              <a:rPr lang="de-CH" sz="1200" kern="1200" dirty="0" err="1" smtClean="0">
+                <a:solidFill>
+                  <a:schemeClr val="tx1"/>
+                </a:solidFill>
+                <a:effectLst/>
+                <a:latin typeface="+mn-lt"/>
+                <a:ea typeface="+mn-ea"/>
+                <a:cs typeface="+mn-cs"/>
+              </a:rPr>
+              <a:t>introduce</a:t>
+            </a:r>
+            <a:r>
+              <a:rPr lang="de-CH" sz="1200" kern="1200" dirty="0" smtClean="0">
+                <a:solidFill>
+                  <a:schemeClr val="tx1"/>
+                </a:solidFill>
+                <a:effectLst/>
+                <a:latin typeface="+mn-lt"/>
+                <a:ea typeface="+mn-ea"/>
+                <a:cs typeface="+mn-cs"/>
+              </a:rPr>
+              <a:t> </a:t>
+            </a:r>
+            <a:r>
+              <a:rPr lang="de-CH" sz="1200" kern="1200" dirty="0" err="1" smtClean="0">
+                <a:solidFill>
+                  <a:schemeClr val="tx1"/>
+                </a:solidFill>
+                <a:effectLst/>
+                <a:latin typeface="+mn-lt"/>
+                <a:ea typeface="+mn-ea"/>
+                <a:cs typeface="+mn-cs"/>
+              </a:rPr>
+              <a:t>the</a:t>
+            </a:r>
+            <a:r>
+              <a:rPr lang="de-CH" sz="1200" kern="1200" dirty="0" smtClean="0">
+                <a:solidFill>
+                  <a:schemeClr val="tx1"/>
+                </a:solidFill>
+                <a:effectLst/>
+                <a:latin typeface="+mn-lt"/>
+                <a:ea typeface="+mn-ea"/>
+                <a:cs typeface="+mn-cs"/>
+              </a:rPr>
+              <a:t> </a:t>
+            </a:r>
+            <a:r>
+              <a:rPr lang="de-CH" sz="1200" kern="1200" dirty="0" err="1" smtClean="0">
+                <a:solidFill>
+                  <a:schemeClr val="tx1"/>
+                </a:solidFill>
+                <a:effectLst/>
+                <a:latin typeface="+mn-lt"/>
+                <a:ea typeface="+mn-ea"/>
+                <a:cs typeface="+mn-cs"/>
+              </a:rPr>
+              <a:t>forces</a:t>
+            </a:r>
+            <a:r>
+              <a:rPr lang="de-CH" sz="1200" kern="1200" dirty="0" smtClean="0">
+                <a:solidFill>
+                  <a:schemeClr val="tx1"/>
+                </a:solidFill>
+                <a:effectLst/>
+                <a:latin typeface="+mn-lt"/>
+                <a:ea typeface="+mn-ea"/>
+                <a:cs typeface="+mn-cs"/>
+              </a:rPr>
+              <a:t> </a:t>
+            </a:r>
+            <a:r>
+              <a:rPr lang="de-CH" sz="1200" kern="1200" dirty="0" err="1" smtClean="0">
+                <a:solidFill>
+                  <a:schemeClr val="tx1"/>
+                </a:solidFill>
+                <a:effectLst/>
+                <a:latin typeface="+mn-lt"/>
+                <a:ea typeface="+mn-ea"/>
+                <a:cs typeface="+mn-cs"/>
+              </a:rPr>
+              <a:t>we</a:t>
+            </a:r>
+            <a:r>
+              <a:rPr lang="de-CH" sz="1200" kern="1200" dirty="0" smtClean="0">
+                <a:solidFill>
+                  <a:schemeClr val="tx1"/>
+                </a:solidFill>
+                <a:effectLst/>
+                <a:latin typeface="+mn-lt"/>
+                <a:ea typeface="+mn-ea"/>
+                <a:cs typeface="+mn-cs"/>
+              </a:rPr>
+              <a:t> </a:t>
+            </a:r>
+            <a:r>
+              <a:rPr lang="de-CH" sz="1200" kern="1200" dirty="0" err="1" smtClean="0">
+                <a:solidFill>
+                  <a:schemeClr val="tx1"/>
+                </a:solidFill>
+                <a:effectLst/>
+                <a:latin typeface="+mn-lt"/>
+                <a:ea typeface="+mn-ea"/>
+                <a:cs typeface="+mn-cs"/>
+              </a:rPr>
+              <a:t>consider</a:t>
+            </a:r>
+            <a:r>
+              <a:rPr lang="de-CH" dirty="0"/>
+              <a:t> </a:t>
+            </a:r>
+            <a:r>
+              <a:rPr lang="de-CH" dirty="0" smtClean="0"/>
+              <a:t>in </a:t>
+            </a:r>
+            <a:r>
+              <a:rPr lang="de-CH" dirty="0" err="1" smtClean="0"/>
+              <a:t>our</a:t>
+            </a:r>
+            <a:r>
+              <a:rPr lang="de-CH" dirty="0" smtClean="0"/>
+              <a:t> </a:t>
+            </a:r>
+            <a:r>
+              <a:rPr lang="de-CH" dirty="0" err="1" smtClean="0"/>
+              <a:t>simulation</a:t>
+            </a:r>
+            <a:r>
+              <a:rPr lang="de-CH" dirty="0" smtClean="0"/>
+              <a:t>.</a:t>
+            </a:r>
+          </a:p>
+          <a:p>
+            <a:endParaRPr lang="en-GB" sz="1200" kern="1200" dirty="0" smtClean="0">
+              <a:solidFill>
+                <a:schemeClr val="tx1"/>
+              </a:solidFill>
+              <a:effectLst/>
+              <a:latin typeface="+mn-lt"/>
+              <a:ea typeface="+mn-ea"/>
+              <a:cs typeface="+mn-cs"/>
+            </a:endParaRPr>
+          </a:p>
+          <a:p>
+            <a:r>
+              <a:rPr lang="de-CH" sz="1200" kern="1200" dirty="0" smtClean="0">
+                <a:solidFill>
+                  <a:schemeClr val="tx1"/>
+                </a:solidFill>
+                <a:effectLst/>
+                <a:latin typeface="+mn-lt"/>
+                <a:ea typeface="+mn-ea"/>
+                <a:cs typeface="+mn-cs"/>
+                <a:sym typeface="Wingdings"/>
+              </a:rPr>
+              <a:t></a:t>
+            </a:r>
+            <a:r>
+              <a:rPr lang="de-CH" sz="1200" kern="1200" dirty="0" err="1" smtClean="0">
+                <a:solidFill>
+                  <a:schemeClr val="tx1"/>
+                </a:solidFill>
+                <a:effectLst/>
+                <a:latin typeface="+mn-lt"/>
+                <a:ea typeface="+mn-ea"/>
+                <a:cs typeface="+mn-cs"/>
+              </a:rPr>
+              <a:t>fd</a:t>
+            </a:r>
+            <a:r>
+              <a:rPr lang="de-CH" sz="1200" kern="1200" dirty="0" smtClean="0">
+                <a:solidFill>
+                  <a:schemeClr val="tx1"/>
+                </a:solidFill>
+                <a:effectLst/>
+                <a:latin typeface="+mn-lt"/>
+                <a:ea typeface="+mn-ea"/>
+                <a:cs typeface="+mn-cs"/>
+              </a:rPr>
+              <a:t> : </a:t>
+            </a:r>
+            <a:r>
+              <a:rPr lang="de-CH" sz="1200" kern="1200" dirty="0" err="1" smtClean="0">
+                <a:solidFill>
+                  <a:schemeClr val="tx1"/>
+                </a:solidFill>
+                <a:effectLst/>
+                <a:latin typeface="+mn-lt"/>
+                <a:ea typeface="+mn-ea"/>
+                <a:cs typeface="+mn-cs"/>
+              </a:rPr>
+              <a:t>since</a:t>
+            </a:r>
+            <a:r>
+              <a:rPr lang="de-CH" sz="1200" kern="1200" dirty="0" smtClean="0">
+                <a:solidFill>
+                  <a:schemeClr val="tx1"/>
+                </a:solidFill>
+                <a:effectLst/>
+                <a:latin typeface="+mn-lt"/>
+                <a:ea typeface="+mn-ea"/>
+                <a:cs typeface="+mn-cs"/>
+              </a:rPr>
+              <a:t> an </a:t>
+            </a:r>
+            <a:r>
+              <a:rPr lang="de-CH" sz="1200" kern="1200" dirty="0" err="1" smtClean="0">
+                <a:solidFill>
+                  <a:schemeClr val="tx1"/>
+                </a:solidFill>
+                <a:effectLst/>
+                <a:latin typeface="+mn-lt"/>
+                <a:ea typeface="+mn-ea"/>
+                <a:cs typeface="+mn-cs"/>
+              </a:rPr>
+              <a:t>agents</a:t>
+            </a:r>
+            <a:r>
+              <a:rPr lang="de-CH" sz="1200" kern="1200" dirty="0" smtClean="0">
+                <a:solidFill>
+                  <a:schemeClr val="tx1"/>
+                </a:solidFill>
+                <a:effectLst/>
+                <a:latin typeface="+mn-lt"/>
+                <a:ea typeface="+mn-ea"/>
+                <a:cs typeface="+mn-cs"/>
+              </a:rPr>
+              <a:t> </a:t>
+            </a:r>
+            <a:r>
+              <a:rPr lang="de-CH" sz="1200" kern="1200" dirty="0" err="1" smtClean="0">
+                <a:solidFill>
+                  <a:schemeClr val="tx1"/>
+                </a:solidFill>
+                <a:effectLst/>
+                <a:latin typeface="+mn-lt"/>
+                <a:ea typeface="+mn-ea"/>
+                <a:cs typeface="+mn-cs"/>
+              </a:rPr>
+              <a:t>wants</a:t>
+            </a:r>
+            <a:r>
+              <a:rPr lang="de-CH" sz="1200" kern="1200" dirty="0" smtClean="0">
+                <a:solidFill>
+                  <a:schemeClr val="tx1"/>
+                </a:solidFill>
+                <a:effectLst/>
+                <a:latin typeface="+mn-lt"/>
+                <a:ea typeface="+mn-ea"/>
+                <a:cs typeface="+mn-cs"/>
+              </a:rPr>
+              <a:t> </a:t>
+            </a:r>
+            <a:r>
+              <a:rPr lang="de-CH" sz="1200" kern="1200" dirty="0" err="1" smtClean="0">
+                <a:solidFill>
+                  <a:schemeClr val="tx1"/>
+                </a:solidFill>
+                <a:effectLst/>
+                <a:latin typeface="+mn-lt"/>
+                <a:ea typeface="+mn-ea"/>
+                <a:cs typeface="+mn-cs"/>
+              </a:rPr>
+              <a:t>to</a:t>
+            </a:r>
+            <a:r>
+              <a:rPr lang="de-CH" sz="1200" kern="1200" dirty="0" smtClean="0">
+                <a:solidFill>
+                  <a:schemeClr val="tx1"/>
+                </a:solidFill>
+                <a:effectLst/>
+                <a:latin typeface="+mn-lt"/>
+                <a:ea typeface="+mn-ea"/>
+                <a:cs typeface="+mn-cs"/>
+              </a:rPr>
+              <a:t> </a:t>
+            </a:r>
+            <a:r>
+              <a:rPr lang="de-CH" sz="1200" kern="1200" dirty="0" err="1" smtClean="0">
+                <a:solidFill>
+                  <a:schemeClr val="tx1"/>
+                </a:solidFill>
+                <a:effectLst/>
+                <a:latin typeface="+mn-lt"/>
+                <a:ea typeface="+mn-ea"/>
+                <a:cs typeface="+mn-cs"/>
+              </a:rPr>
+              <a:t>move</a:t>
+            </a:r>
+            <a:r>
+              <a:rPr lang="de-CH" sz="1200" kern="1200" dirty="0" smtClean="0">
+                <a:solidFill>
+                  <a:schemeClr val="tx1"/>
+                </a:solidFill>
+                <a:effectLst/>
+                <a:latin typeface="+mn-lt"/>
+                <a:ea typeface="+mn-ea"/>
+                <a:cs typeface="+mn-cs"/>
+              </a:rPr>
+              <a:t> </a:t>
+            </a:r>
+            <a:r>
+              <a:rPr lang="de-CH" sz="1200" kern="1200" dirty="0" err="1" smtClean="0">
+                <a:solidFill>
+                  <a:schemeClr val="tx1"/>
+                </a:solidFill>
+                <a:effectLst/>
+                <a:latin typeface="+mn-lt"/>
+                <a:ea typeface="+mn-ea"/>
+                <a:cs typeface="+mn-cs"/>
+              </a:rPr>
+              <a:t>with</a:t>
+            </a:r>
+            <a:r>
+              <a:rPr lang="de-CH" sz="1200" kern="1200" dirty="0" smtClean="0">
+                <a:solidFill>
+                  <a:schemeClr val="tx1"/>
+                </a:solidFill>
+                <a:effectLst/>
+                <a:latin typeface="+mn-lt"/>
+                <a:ea typeface="+mn-ea"/>
+                <a:cs typeface="+mn-cs"/>
+              </a:rPr>
+              <a:t> a </a:t>
+            </a:r>
+            <a:r>
+              <a:rPr lang="de-CH" sz="1200" kern="1200" dirty="0" err="1" smtClean="0">
+                <a:solidFill>
+                  <a:schemeClr val="tx1"/>
+                </a:solidFill>
+                <a:effectLst/>
+                <a:latin typeface="+mn-lt"/>
+                <a:ea typeface="+mn-ea"/>
+                <a:cs typeface="+mn-cs"/>
+              </a:rPr>
+              <a:t>desired</a:t>
+            </a:r>
+            <a:r>
+              <a:rPr lang="de-CH" sz="1200" kern="1200" dirty="0" smtClean="0">
+                <a:solidFill>
+                  <a:schemeClr val="tx1"/>
+                </a:solidFill>
+                <a:effectLst/>
+                <a:latin typeface="+mn-lt"/>
+                <a:ea typeface="+mn-ea"/>
+                <a:cs typeface="+mn-cs"/>
+              </a:rPr>
+              <a:t> </a:t>
+            </a:r>
+            <a:r>
+              <a:rPr lang="de-CH" sz="1200" kern="1200" dirty="0" err="1" smtClean="0">
+                <a:solidFill>
+                  <a:schemeClr val="tx1"/>
+                </a:solidFill>
+                <a:effectLst/>
+                <a:latin typeface="+mn-lt"/>
+                <a:ea typeface="+mn-ea"/>
+                <a:cs typeface="+mn-cs"/>
+              </a:rPr>
+              <a:t>speed</a:t>
+            </a:r>
+            <a:r>
+              <a:rPr lang="de-CH" sz="1200" kern="1200" dirty="0" smtClean="0">
+                <a:solidFill>
+                  <a:schemeClr val="tx1"/>
+                </a:solidFill>
+                <a:effectLst/>
+                <a:latin typeface="+mn-lt"/>
+                <a:ea typeface="+mn-ea"/>
+                <a:cs typeface="+mn-cs"/>
+              </a:rPr>
+              <a:t> vi,0 </a:t>
+            </a:r>
+            <a:r>
+              <a:rPr lang="de-CH" sz="1200" kern="1200" dirty="0" err="1" smtClean="0">
+                <a:solidFill>
+                  <a:schemeClr val="tx1"/>
+                </a:solidFill>
+                <a:effectLst/>
+                <a:latin typeface="+mn-lt"/>
+                <a:ea typeface="+mn-ea"/>
+                <a:cs typeface="+mn-cs"/>
+              </a:rPr>
+              <a:t>into</a:t>
+            </a:r>
+            <a:r>
+              <a:rPr lang="de-CH" sz="1200" kern="1200" dirty="0" smtClean="0">
+                <a:solidFill>
+                  <a:schemeClr val="tx1"/>
+                </a:solidFill>
+                <a:effectLst/>
+                <a:latin typeface="+mn-lt"/>
+                <a:ea typeface="+mn-ea"/>
+                <a:cs typeface="+mn-cs"/>
+              </a:rPr>
+              <a:t> a </a:t>
+            </a:r>
+            <a:r>
+              <a:rPr lang="de-CH" sz="1200" kern="1200" dirty="0" err="1" smtClean="0">
+                <a:solidFill>
+                  <a:schemeClr val="tx1"/>
+                </a:solidFill>
+                <a:effectLst/>
+                <a:latin typeface="+mn-lt"/>
+                <a:ea typeface="+mn-ea"/>
+                <a:cs typeface="+mn-cs"/>
+              </a:rPr>
+              <a:t>desired</a:t>
+            </a:r>
+            <a:r>
+              <a:rPr lang="de-CH" sz="1200" kern="1200" dirty="0" smtClean="0">
+                <a:solidFill>
+                  <a:schemeClr val="tx1"/>
+                </a:solidFill>
+                <a:effectLst/>
+                <a:latin typeface="+mn-lt"/>
+                <a:ea typeface="+mn-ea"/>
+                <a:cs typeface="+mn-cs"/>
+              </a:rPr>
+              <a:t> </a:t>
+            </a:r>
+            <a:r>
+              <a:rPr lang="de-CH" sz="1200" kern="1200" dirty="0" err="1" smtClean="0">
+                <a:solidFill>
+                  <a:schemeClr val="tx1"/>
+                </a:solidFill>
+                <a:effectLst/>
+                <a:latin typeface="+mn-lt"/>
+                <a:ea typeface="+mn-ea"/>
+                <a:cs typeface="+mn-cs"/>
+              </a:rPr>
+              <a:t>direction</a:t>
+            </a:r>
+            <a:r>
+              <a:rPr lang="de-CH" sz="1200" kern="1200" dirty="0" smtClean="0">
+                <a:solidFill>
+                  <a:schemeClr val="tx1"/>
+                </a:solidFill>
+                <a:effectLst/>
+                <a:latin typeface="+mn-lt"/>
+                <a:ea typeface="+mn-ea"/>
+                <a:cs typeface="+mn-cs"/>
+              </a:rPr>
+              <a:t> ei,0, a </a:t>
+            </a:r>
+            <a:r>
+              <a:rPr lang="de-CH" sz="1200" kern="1200" dirty="0" err="1" smtClean="0">
+                <a:solidFill>
+                  <a:schemeClr val="tx1"/>
+                </a:solidFill>
+                <a:effectLst/>
+                <a:latin typeface="+mn-lt"/>
+                <a:ea typeface="+mn-ea"/>
+                <a:cs typeface="+mn-cs"/>
+              </a:rPr>
+              <a:t>force</a:t>
+            </a:r>
+            <a:r>
+              <a:rPr lang="de-CH" sz="1200" kern="1200" dirty="0" smtClean="0">
+                <a:solidFill>
+                  <a:schemeClr val="tx1"/>
+                </a:solidFill>
+                <a:effectLst/>
+                <a:latin typeface="+mn-lt"/>
+                <a:ea typeface="+mn-ea"/>
+                <a:cs typeface="+mn-cs"/>
+              </a:rPr>
+              <a:t> </a:t>
+            </a:r>
+            <a:r>
+              <a:rPr lang="de-CH" sz="1200" kern="1200" dirty="0" err="1" smtClean="0">
+                <a:solidFill>
+                  <a:schemeClr val="tx1"/>
+                </a:solidFill>
+                <a:effectLst/>
+                <a:latin typeface="+mn-lt"/>
+                <a:ea typeface="+mn-ea"/>
+                <a:cs typeface="+mn-cs"/>
+              </a:rPr>
+              <a:t>fd</a:t>
+            </a:r>
+            <a:r>
+              <a:rPr lang="de-CH" sz="1200" kern="1200" dirty="0" smtClean="0">
+                <a:solidFill>
+                  <a:schemeClr val="tx1"/>
+                </a:solidFill>
+                <a:effectLst/>
+                <a:latin typeface="+mn-lt"/>
+                <a:ea typeface="+mn-ea"/>
+                <a:cs typeface="+mn-cs"/>
+              </a:rPr>
+              <a:t> </a:t>
+            </a:r>
+            <a:r>
+              <a:rPr lang="de-CH" sz="1200" kern="1200" dirty="0" err="1" smtClean="0">
+                <a:solidFill>
+                  <a:schemeClr val="tx1"/>
+                </a:solidFill>
+                <a:effectLst/>
+                <a:latin typeface="+mn-lt"/>
+                <a:ea typeface="+mn-ea"/>
+                <a:cs typeface="+mn-cs"/>
+              </a:rPr>
+              <a:t>is</a:t>
+            </a:r>
+            <a:r>
+              <a:rPr lang="de-CH" sz="1200" kern="1200" dirty="0" smtClean="0">
+                <a:solidFill>
+                  <a:schemeClr val="tx1"/>
+                </a:solidFill>
+                <a:effectLst/>
+                <a:latin typeface="+mn-lt"/>
+                <a:ea typeface="+mn-ea"/>
+                <a:cs typeface="+mn-cs"/>
+              </a:rPr>
+              <a:t> </a:t>
+            </a:r>
+            <a:r>
+              <a:rPr lang="de-CH" sz="1200" kern="1200" dirty="0" err="1" smtClean="0">
+                <a:solidFill>
+                  <a:schemeClr val="tx1"/>
+                </a:solidFill>
+                <a:effectLst/>
+                <a:latin typeface="+mn-lt"/>
+                <a:ea typeface="+mn-ea"/>
+                <a:cs typeface="+mn-cs"/>
+              </a:rPr>
+              <a:t>acting</a:t>
+            </a:r>
+            <a:r>
+              <a:rPr lang="de-CH" sz="1200" kern="1200" dirty="0" smtClean="0">
+                <a:solidFill>
+                  <a:schemeClr val="tx1"/>
+                </a:solidFill>
+                <a:effectLst/>
+                <a:latin typeface="+mn-lt"/>
+                <a:ea typeface="+mn-ea"/>
+                <a:cs typeface="+mn-cs"/>
+              </a:rPr>
+              <a:t> on </a:t>
+            </a:r>
+            <a:r>
+              <a:rPr lang="de-CH" sz="1200" kern="1200" dirty="0" err="1" smtClean="0">
+                <a:solidFill>
+                  <a:schemeClr val="tx1"/>
+                </a:solidFill>
+                <a:effectLst/>
+                <a:latin typeface="+mn-lt"/>
+                <a:ea typeface="+mn-ea"/>
+                <a:cs typeface="+mn-cs"/>
+              </a:rPr>
+              <a:t>him</a:t>
+            </a:r>
+            <a:endParaRPr lang="de-CH" sz="1200" kern="1200" dirty="0" smtClean="0">
+              <a:solidFill>
+                <a:schemeClr val="tx1"/>
+              </a:solidFill>
+              <a:effectLst/>
+              <a:latin typeface="+mn-lt"/>
+              <a:ea typeface="+mn-ea"/>
+              <a:cs typeface="+mn-cs"/>
+            </a:endParaRPr>
+          </a:p>
+          <a:p>
+            <a:endParaRPr lang="de-CH" dirty="0"/>
+          </a:p>
+          <a:p>
+            <a:r>
+              <a:rPr lang="de-CH" sz="1200" kern="1200" dirty="0" err="1" smtClean="0">
+                <a:solidFill>
+                  <a:schemeClr val="tx1"/>
+                </a:solidFill>
+                <a:effectLst/>
+                <a:latin typeface="+mn-lt"/>
+                <a:ea typeface="+mn-ea"/>
+                <a:cs typeface="+mn-cs"/>
+              </a:rPr>
+              <a:t>each</a:t>
+            </a:r>
+            <a:r>
+              <a:rPr lang="de-CH" sz="1200" kern="1200" dirty="0" smtClean="0">
+                <a:solidFill>
+                  <a:schemeClr val="tx1"/>
+                </a:solidFill>
+                <a:effectLst/>
+                <a:latin typeface="+mn-lt"/>
+                <a:ea typeface="+mn-ea"/>
+                <a:cs typeface="+mn-cs"/>
+              </a:rPr>
+              <a:t> </a:t>
+            </a:r>
+            <a:r>
+              <a:rPr lang="de-CH" sz="1200" kern="1200" dirty="0" err="1" smtClean="0">
+                <a:solidFill>
+                  <a:schemeClr val="tx1"/>
+                </a:solidFill>
+                <a:effectLst/>
+                <a:latin typeface="+mn-lt"/>
+                <a:ea typeface="+mn-ea"/>
+                <a:cs typeface="+mn-cs"/>
+              </a:rPr>
+              <a:t>particle</a:t>
+            </a:r>
+            <a:r>
+              <a:rPr lang="de-CH" sz="1200" kern="1200" dirty="0" smtClean="0">
+                <a:solidFill>
+                  <a:schemeClr val="tx1"/>
+                </a:solidFill>
+                <a:effectLst/>
+                <a:latin typeface="+mn-lt"/>
+                <a:ea typeface="+mn-ea"/>
+                <a:cs typeface="+mn-cs"/>
+              </a:rPr>
+              <a:t> </a:t>
+            </a:r>
+            <a:r>
+              <a:rPr lang="de-CH" sz="1200" kern="1200" dirty="0" err="1" smtClean="0">
+                <a:solidFill>
+                  <a:schemeClr val="tx1"/>
+                </a:solidFill>
+                <a:effectLst/>
+                <a:latin typeface="+mn-lt"/>
+                <a:ea typeface="+mn-ea"/>
+                <a:cs typeface="+mn-cs"/>
+              </a:rPr>
+              <a:t>has</a:t>
+            </a:r>
+            <a:r>
+              <a:rPr lang="de-CH" sz="1200" kern="1200" dirty="0" smtClean="0">
+                <a:solidFill>
+                  <a:schemeClr val="tx1"/>
+                </a:solidFill>
+                <a:effectLst/>
+                <a:latin typeface="+mn-lt"/>
+                <a:ea typeface="+mn-ea"/>
+                <a:cs typeface="+mn-cs"/>
+              </a:rPr>
+              <a:t> a </a:t>
+            </a:r>
+            <a:r>
+              <a:rPr lang="de-CH" sz="1200" kern="1200" dirty="0" err="1" smtClean="0">
+                <a:solidFill>
+                  <a:schemeClr val="tx1"/>
+                </a:solidFill>
+                <a:effectLst/>
+                <a:latin typeface="+mn-lt"/>
+                <a:ea typeface="+mn-ea"/>
+                <a:cs typeface="+mn-cs"/>
+              </a:rPr>
+              <a:t>cutoff</a:t>
+            </a:r>
+            <a:r>
+              <a:rPr lang="de-CH" sz="1200" kern="1200" dirty="0" smtClean="0">
+                <a:solidFill>
+                  <a:schemeClr val="tx1"/>
+                </a:solidFill>
+                <a:effectLst/>
+                <a:latin typeface="+mn-lt"/>
+                <a:ea typeface="+mn-ea"/>
+                <a:cs typeface="+mn-cs"/>
+              </a:rPr>
+              <a:t> –</a:t>
+            </a:r>
+            <a:r>
+              <a:rPr lang="de-CH" sz="1200" kern="1200" dirty="0" err="1" smtClean="0">
+                <a:solidFill>
+                  <a:schemeClr val="tx1"/>
+                </a:solidFill>
+                <a:effectLst/>
+                <a:latin typeface="+mn-lt"/>
+                <a:ea typeface="+mn-ea"/>
+                <a:cs typeface="+mn-cs"/>
+              </a:rPr>
+              <a:t>area</a:t>
+            </a:r>
+            <a:r>
+              <a:rPr lang="de-CH" dirty="0" smtClean="0"/>
+              <a:t>. </a:t>
+            </a:r>
+            <a:r>
+              <a:rPr lang="de-CH" dirty="0" err="1" smtClean="0"/>
+              <a:t>only</a:t>
+            </a:r>
+            <a:r>
+              <a:rPr lang="de-CH" dirty="0" smtClean="0"/>
+              <a:t>  </a:t>
+            </a:r>
+            <a:r>
+              <a:rPr lang="de-CH" dirty="0" err="1" smtClean="0"/>
+              <a:t>the</a:t>
+            </a:r>
+            <a:r>
+              <a:rPr lang="de-CH" dirty="0" smtClean="0"/>
+              <a:t> </a:t>
+            </a:r>
+            <a:r>
+              <a:rPr lang="de-CH" dirty="0" err="1" smtClean="0"/>
+              <a:t>walls</a:t>
+            </a:r>
+            <a:r>
+              <a:rPr lang="de-CH" dirty="0" smtClean="0"/>
+              <a:t> </a:t>
+            </a:r>
+            <a:r>
+              <a:rPr lang="de-CH" dirty="0" err="1" smtClean="0"/>
+              <a:t>and</a:t>
+            </a:r>
+            <a:r>
+              <a:rPr lang="de-CH" dirty="0" smtClean="0"/>
+              <a:t> </a:t>
+            </a:r>
+            <a:r>
+              <a:rPr lang="de-CH" dirty="0" err="1" smtClean="0"/>
+              <a:t>agents</a:t>
+            </a:r>
+            <a:r>
+              <a:rPr lang="de-CH" dirty="0" smtClean="0"/>
+              <a:t> </a:t>
+            </a:r>
+            <a:r>
+              <a:rPr lang="de-CH" dirty="0" err="1" smtClean="0"/>
+              <a:t>within</a:t>
+            </a:r>
+            <a:r>
+              <a:rPr lang="de-CH" dirty="0" smtClean="0"/>
+              <a:t>  </a:t>
+            </a:r>
+            <a:r>
+              <a:rPr lang="de-CH" dirty="0" err="1" smtClean="0"/>
+              <a:t>this</a:t>
+            </a:r>
+            <a:r>
+              <a:rPr lang="de-CH" dirty="0" smtClean="0"/>
+              <a:t> </a:t>
+            </a:r>
+            <a:r>
+              <a:rPr lang="de-CH" dirty="0" err="1" smtClean="0"/>
+              <a:t>area</a:t>
+            </a:r>
+            <a:r>
+              <a:rPr lang="de-CH" dirty="0" smtClean="0"/>
+              <a:t> </a:t>
+            </a:r>
+            <a:r>
+              <a:rPr lang="de-CH" dirty="0" err="1" smtClean="0"/>
+              <a:t>can</a:t>
+            </a:r>
+            <a:r>
+              <a:rPr lang="de-CH" dirty="0" smtClean="0"/>
+              <a:t>  </a:t>
+            </a:r>
+            <a:r>
+              <a:rPr lang="de-CH" dirty="0" err="1" smtClean="0"/>
+              <a:t>interact</a:t>
+            </a:r>
+            <a:r>
+              <a:rPr lang="de-CH" dirty="0" smtClean="0"/>
+              <a:t> </a:t>
+            </a:r>
+            <a:r>
+              <a:rPr lang="de-CH" dirty="0" err="1" smtClean="0"/>
+              <a:t>with</a:t>
+            </a:r>
+            <a:r>
+              <a:rPr lang="de-CH" dirty="0" smtClean="0"/>
+              <a:t> </a:t>
+            </a:r>
+            <a:r>
+              <a:rPr lang="de-CH" dirty="0" err="1" smtClean="0"/>
+              <a:t>this</a:t>
+            </a:r>
+            <a:r>
+              <a:rPr lang="de-CH" dirty="0" smtClean="0"/>
+              <a:t> </a:t>
+            </a:r>
+            <a:r>
+              <a:rPr lang="de-CH" dirty="0" err="1" smtClean="0"/>
+              <a:t>agent</a:t>
+            </a:r>
+            <a:r>
+              <a:rPr lang="de-CH" dirty="0" smtClean="0"/>
+              <a:t>.</a:t>
+            </a:r>
+          </a:p>
+          <a:p>
+            <a:r>
+              <a:rPr lang="de-CH" sz="1200" kern="1200" dirty="0" smtClean="0">
+                <a:solidFill>
+                  <a:schemeClr val="tx1"/>
+                </a:solidFill>
+                <a:effectLst/>
+                <a:latin typeface="+mn-lt"/>
+                <a:ea typeface="+mn-ea"/>
+                <a:cs typeface="+mn-cs"/>
+              </a:rPr>
+              <a:t>so in </a:t>
+            </a:r>
+            <a:r>
+              <a:rPr lang="de-CH" sz="1200" kern="1200" dirty="0" err="1" smtClean="0">
+                <a:solidFill>
+                  <a:schemeClr val="tx1"/>
+                </a:solidFill>
+                <a:effectLst/>
+                <a:latin typeface="+mn-lt"/>
+                <a:ea typeface="+mn-ea"/>
+                <a:cs typeface="+mn-cs"/>
+              </a:rPr>
+              <a:t>addition</a:t>
+            </a:r>
+            <a:r>
+              <a:rPr lang="de-CH" sz="1200" kern="1200" baseline="0" dirty="0" smtClean="0">
+                <a:solidFill>
+                  <a:schemeClr val="tx1"/>
+                </a:solidFill>
+                <a:effectLst/>
+                <a:latin typeface="+mn-lt"/>
+                <a:ea typeface="+mn-ea"/>
+                <a:cs typeface="+mn-cs"/>
+              </a:rPr>
+              <a:t> </a:t>
+            </a:r>
+            <a:r>
+              <a:rPr lang="de-CH" sz="1200" kern="1200" baseline="0" dirty="0" err="1" smtClean="0">
+                <a:solidFill>
+                  <a:schemeClr val="tx1"/>
+                </a:solidFill>
+                <a:effectLst/>
+                <a:latin typeface="+mn-lt"/>
+                <a:ea typeface="+mn-ea"/>
+                <a:cs typeface="+mn-cs"/>
+              </a:rPr>
+              <a:t>to</a:t>
+            </a:r>
+            <a:r>
+              <a:rPr lang="de-CH" sz="1200" kern="1200" baseline="0" dirty="0" smtClean="0">
+                <a:solidFill>
+                  <a:schemeClr val="tx1"/>
+                </a:solidFill>
+                <a:effectLst/>
+                <a:latin typeface="+mn-lt"/>
+                <a:ea typeface="+mn-ea"/>
+                <a:cs typeface="+mn-cs"/>
+              </a:rPr>
+              <a:t> </a:t>
+            </a:r>
+            <a:r>
+              <a:rPr lang="de-CH" sz="1200" kern="1200" baseline="0" dirty="0" err="1" smtClean="0">
+                <a:solidFill>
+                  <a:schemeClr val="tx1"/>
+                </a:solidFill>
+                <a:effectLst/>
+                <a:latin typeface="+mn-lt"/>
+                <a:ea typeface="+mn-ea"/>
+                <a:cs typeface="+mn-cs"/>
+              </a:rPr>
+              <a:t>fd</a:t>
+            </a:r>
+            <a:r>
+              <a:rPr lang="de-CH" sz="1200" kern="1200" baseline="0" dirty="0" smtClean="0">
+                <a:solidFill>
+                  <a:schemeClr val="tx1"/>
+                </a:solidFill>
+                <a:effectLst/>
+                <a:latin typeface="+mn-lt"/>
+                <a:ea typeface="+mn-ea"/>
+                <a:cs typeface="+mn-cs"/>
+              </a:rPr>
+              <a:t> </a:t>
+            </a:r>
+            <a:r>
+              <a:rPr lang="de-CH" sz="1200" kern="1200" baseline="0" dirty="0" err="1" smtClean="0">
+                <a:solidFill>
+                  <a:schemeClr val="tx1"/>
+                </a:solidFill>
+                <a:effectLst/>
+                <a:latin typeface="+mn-lt"/>
+                <a:ea typeface="+mn-ea"/>
+                <a:cs typeface="+mn-cs"/>
+              </a:rPr>
+              <a:t>we</a:t>
+            </a:r>
+            <a:r>
+              <a:rPr lang="de-CH" sz="1200" kern="1200" baseline="0" dirty="0" smtClean="0">
+                <a:solidFill>
+                  <a:schemeClr val="tx1"/>
+                </a:solidFill>
+                <a:effectLst/>
+                <a:latin typeface="+mn-lt"/>
+                <a:ea typeface="+mn-ea"/>
+                <a:cs typeface="+mn-cs"/>
+              </a:rPr>
+              <a:t> </a:t>
+            </a:r>
+            <a:r>
+              <a:rPr lang="de-CH" sz="1200" kern="1200" baseline="0" dirty="0" err="1" smtClean="0">
+                <a:solidFill>
+                  <a:schemeClr val="tx1"/>
+                </a:solidFill>
+                <a:effectLst/>
+                <a:latin typeface="+mn-lt"/>
+                <a:ea typeface="+mn-ea"/>
+                <a:cs typeface="+mn-cs"/>
+              </a:rPr>
+              <a:t>have</a:t>
+            </a:r>
+            <a:r>
+              <a:rPr lang="de-CH" sz="1200" kern="1200" baseline="0" dirty="0" smtClean="0">
+                <a:solidFill>
+                  <a:schemeClr val="tx1"/>
+                </a:solidFill>
+                <a:effectLst/>
+                <a:latin typeface="+mn-lt"/>
+                <a:ea typeface="+mn-ea"/>
+                <a:cs typeface="+mn-cs"/>
+              </a:rPr>
+              <a:t> </a:t>
+            </a:r>
+            <a:r>
+              <a:rPr lang="de-CH" sz="1200" kern="1200" baseline="0" dirty="0" err="1" smtClean="0">
+                <a:solidFill>
+                  <a:schemeClr val="tx1"/>
+                </a:solidFill>
+                <a:effectLst/>
+                <a:latin typeface="+mn-lt"/>
+                <a:ea typeface="+mn-ea"/>
+                <a:cs typeface="+mn-cs"/>
+              </a:rPr>
+              <a:t>interaction</a:t>
+            </a:r>
+            <a:r>
+              <a:rPr lang="de-CH" sz="1200" kern="1200" baseline="0" dirty="0" smtClean="0">
+                <a:solidFill>
+                  <a:schemeClr val="tx1"/>
+                </a:solidFill>
+                <a:effectLst/>
+                <a:latin typeface="+mn-lt"/>
+                <a:ea typeface="+mn-ea"/>
+                <a:cs typeface="+mn-cs"/>
+              </a:rPr>
+              <a:t> </a:t>
+            </a:r>
+            <a:r>
+              <a:rPr lang="de-CH" sz="1200" kern="1200" baseline="0" dirty="0" err="1" smtClean="0">
+                <a:solidFill>
+                  <a:schemeClr val="tx1"/>
+                </a:solidFill>
+                <a:effectLst/>
+                <a:latin typeface="+mn-lt"/>
+                <a:ea typeface="+mn-ea"/>
+                <a:cs typeface="+mn-cs"/>
+              </a:rPr>
+              <a:t>forces</a:t>
+            </a:r>
+            <a:r>
+              <a:rPr lang="de-CH" sz="1200" kern="1200" baseline="0" dirty="0" smtClean="0">
+                <a:solidFill>
+                  <a:schemeClr val="tx1"/>
+                </a:solidFill>
+                <a:effectLst/>
+                <a:latin typeface="+mn-lt"/>
+                <a:ea typeface="+mn-ea"/>
+                <a:cs typeface="+mn-cs"/>
+              </a:rPr>
+              <a:t>:</a:t>
+            </a:r>
+            <a:endParaRPr lang="en-GB" sz="1200" kern="1200" dirty="0" smtClean="0">
+              <a:solidFill>
+                <a:schemeClr val="tx1"/>
+              </a:solidFill>
+              <a:effectLst/>
+              <a:latin typeface="+mn-lt"/>
+              <a:ea typeface="+mn-ea"/>
+              <a:cs typeface="+mn-cs"/>
+            </a:endParaRPr>
+          </a:p>
+          <a:p>
+            <a:r>
+              <a:rPr lang="de-CH" sz="1200" kern="1200" dirty="0" smtClean="0">
+                <a:solidFill>
+                  <a:schemeClr val="tx1"/>
+                </a:solidFill>
+                <a:effectLst/>
+                <a:latin typeface="+mn-lt"/>
+                <a:ea typeface="+mn-ea"/>
+                <a:cs typeface="+mn-cs"/>
+                <a:sym typeface="Wingdings"/>
+              </a:rPr>
+              <a:t></a:t>
+            </a:r>
+            <a:r>
+              <a:rPr lang="de-CH" sz="1200" kern="1200" dirty="0" err="1" smtClean="0">
+                <a:solidFill>
+                  <a:schemeClr val="tx1"/>
+                </a:solidFill>
+                <a:effectLst/>
+                <a:latin typeface="+mn-lt"/>
+                <a:ea typeface="+mn-ea"/>
+                <a:cs typeface="+mn-cs"/>
+              </a:rPr>
+              <a:t>walls</a:t>
+            </a:r>
+            <a:r>
+              <a:rPr lang="de-CH" sz="1200" kern="1200" dirty="0" smtClean="0">
+                <a:solidFill>
+                  <a:schemeClr val="tx1"/>
+                </a:solidFill>
+                <a:effectLst/>
+                <a:latin typeface="+mn-lt"/>
+                <a:ea typeface="+mn-ea"/>
+                <a:cs typeface="+mn-cs"/>
+              </a:rPr>
+              <a:t> </a:t>
+            </a:r>
+            <a:r>
+              <a:rPr lang="de-CH" sz="1200" kern="1200" dirty="0" err="1" smtClean="0">
+                <a:solidFill>
+                  <a:schemeClr val="tx1"/>
+                </a:solidFill>
+                <a:effectLst/>
+                <a:latin typeface="+mn-lt"/>
+                <a:ea typeface="+mn-ea"/>
+                <a:cs typeface="+mn-cs"/>
+              </a:rPr>
+              <a:t>that</a:t>
+            </a:r>
+            <a:r>
+              <a:rPr lang="de-CH" sz="1200" kern="1200" dirty="0" smtClean="0">
+                <a:solidFill>
+                  <a:schemeClr val="tx1"/>
+                </a:solidFill>
+                <a:effectLst/>
+                <a:latin typeface="+mn-lt"/>
+                <a:ea typeface="+mn-ea"/>
+                <a:cs typeface="+mn-cs"/>
+              </a:rPr>
+              <a:t> </a:t>
+            </a:r>
+            <a:r>
+              <a:rPr lang="de-CH" sz="1200" kern="1200" dirty="0" err="1" smtClean="0">
+                <a:solidFill>
+                  <a:schemeClr val="tx1"/>
+                </a:solidFill>
+                <a:effectLst/>
+                <a:latin typeface="+mn-lt"/>
+                <a:ea typeface="+mn-ea"/>
+                <a:cs typeface="+mn-cs"/>
+              </a:rPr>
+              <a:t>respond</a:t>
+            </a:r>
+            <a:r>
+              <a:rPr lang="de-CH" sz="1200" kern="1200" dirty="0" smtClean="0">
+                <a:solidFill>
+                  <a:schemeClr val="tx1"/>
+                </a:solidFill>
+                <a:effectLst/>
+                <a:latin typeface="+mn-lt"/>
+                <a:ea typeface="+mn-ea"/>
+                <a:cs typeface="+mn-cs"/>
+              </a:rPr>
+              <a:t> </a:t>
+            </a:r>
+            <a:r>
+              <a:rPr lang="de-CH" sz="1200" kern="1200" dirty="0" err="1" smtClean="0">
+                <a:solidFill>
+                  <a:schemeClr val="tx1"/>
+                </a:solidFill>
+                <a:effectLst/>
+                <a:latin typeface="+mn-lt"/>
+                <a:ea typeface="+mn-ea"/>
+                <a:cs typeface="+mn-cs"/>
+              </a:rPr>
+              <a:t>to</a:t>
+            </a:r>
+            <a:r>
+              <a:rPr lang="de-CH" sz="1200" kern="1200" dirty="0" smtClean="0">
+                <a:solidFill>
+                  <a:schemeClr val="tx1"/>
+                </a:solidFill>
+                <a:effectLst/>
+                <a:latin typeface="+mn-lt"/>
+                <a:ea typeface="+mn-ea"/>
+                <a:cs typeface="+mn-cs"/>
+              </a:rPr>
+              <a:t> </a:t>
+            </a:r>
+            <a:r>
+              <a:rPr lang="de-CH" sz="1200" kern="1200" dirty="0" err="1" smtClean="0">
+                <a:solidFill>
+                  <a:schemeClr val="tx1"/>
+                </a:solidFill>
+                <a:effectLst/>
+                <a:latin typeface="+mn-lt"/>
+                <a:ea typeface="+mn-ea"/>
+                <a:cs typeface="+mn-cs"/>
+              </a:rPr>
+              <a:t>approching</a:t>
+            </a:r>
+            <a:r>
+              <a:rPr lang="de-CH" sz="1200" kern="1200" dirty="0" smtClean="0">
+                <a:solidFill>
+                  <a:schemeClr val="tx1"/>
+                </a:solidFill>
+                <a:effectLst/>
+                <a:latin typeface="+mn-lt"/>
+                <a:ea typeface="+mn-ea"/>
+                <a:cs typeface="+mn-cs"/>
+              </a:rPr>
+              <a:t> </a:t>
+            </a:r>
+            <a:r>
+              <a:rPr lang="de-CH" sz="1200" kern="1200" dirty="0" err="1" smtClean="0">
+                <a:solidFill>
+                  <a:schemeClr val="tx1"/>
+                </a:solidFill>
+                <a:effectLst/>
+                <a:latin typeface="+mn-lt"/>
+                <a:ea typeface="+mn-ea"/>
+                <a:cs typeface="+mn-cs"/>
+              </a:rPr>
+              <a:t>agents</a:t>
+            </a:r>
+            <a:r>
+              <a:rPr lang="de-CH" sz="1200" kern="1200" dirty="0" smtClean="0">
+                <a:solidFill>
+                  <a:schemeClr val="tx1"/>
+                </a:solidFill>
+                <a:effectLst/>
+                <a:latin typeface="+mn-lt"/>
+                <a:ea typeface="+mn-ea"/>
+                <a:cs typeface="+mn-cs"/>
+              </a:rPr>
+              <a:t> </a:t>
+            </a:r>
+            <a:r>
+              <a:rPr lang="de-CH" sz="1200" kern="1200" dirty="0" err="1" smtClean="0">
+                <a:solidFill>
+                  <a:schemeClr val="tx1"/>
+                </a:solidFill>
+                <a:effectLst/>
+                <a:latin typeface="+mn-lt"/>
+                <a:ea typeface="+mn-ea"/>
+                <a:cs typeface="+mn-cs"/>
+              </a:rPr>
+              <a:t>with</a:t>
+            </a:r>
+            <a:r>
+              <a:rPr lang="de-CH" sz="1200" kern="1200" dirty="0" smtClean="0">
+                <a:solidFill>
+                  <a:schemeClr val="tx1"/>
+                </a:solidFill>
+                <a:effectLst/>
+                <a:latin typeface="+mn-lt"/>
+                <a:ea typeface="+mn-ea"/>
+                <a:cs typeface="+mn-cs"/>
+              </a:rPr>
+              <a:t> a </a:t>
+            </a:r>
+            <a:r>
+              <a:rPr lang="de-CH" sz="1200" kern="1200" dirty="0" err="1" smtClean="0">
+                <a:solidFill>
+                  <a:schemeClr val="tx1"/>
+                </a:solidFill>
+                <a:effectLst/>
+                <a:latin typeface="+mn-lt"/>
+                <a:ea typeface="+mn-ea"/>
+                <a:cs typeface="+mn-cs"/>
+              </a:rPr>
+              <a:t>force</a:t>
+            </a:r>
+            <a:r>
+              <a:rPr lang="de-CH" sz="1200" kern="1200" dirty="0" smtClean="0">
+                <a:solidFill>
+                  <a:schemeClr val="tx1"/>
+                </a:solidFill>
+                <a:effectLst/>
+                <a:latin typeface="+mn-lt"/>
+                <a:ea typeface="+mn-ea"/>
+                <a:cs typeface="+mn-cs"/>
+              </a:rPr>
+              <a:t> </a:t>
+            </a:r>
+            <a:r>
+              <a:rPr lang="de-CH" sz="1200" kern="1200" dirty="0" err="1" smtClean="0">
+                <a:solidFill>
+                  <a:schemeClr val="tx1"/>
+                </a:solidFill>
+                <a:effectLst/>
+                <a:latin typeface="+mn-lt"/>
+                <a:ea typeface="+mn-ea"/>
+                <a:cs typeface="+mn-cs"/>
+              </a:rPr>
+              <a:t>fw</a:t>
+            </a:r>
+            <a:endParaRPr lang="en-GB" sz="1200" kern="1200" dirty="0" smtClean="0">
+              <a:solidFill>
+                <a:schemeClr val="tx1"/>
+              </a:solidFill>
+              <a:effectLst/>
+              <a:latin typeface="+mn-lt"/>
+              <a:ea typeface="+mn-ea"/>
+              <a:cs typeface="+mn-cs"/>
+            </a:endParaRPr>
+          </a:p>
+          <a:p>
+            <a:r>
+              <a:rPr lang="de-CH" sz="1200" kern="1200" dirty="0" smtClean="0">
+                <a:solidFill>
+                  <a:schemeClr val="tx1"/>
+                </a:solidFill>
+                <a:effectLst/>
+                <a:latin typeface="+mn-lt"/>
+                <a:ea typeface="+mn-ea"/>
+                <a:cs typeface="+mn-cs"/>
+                <a:sym typeface="Wingdings"/>
+              </a:rPr>
+              <a:t></a:t>
+            </a:r>
+            <a:r>
+              <a:rPr lang="de-CH" sz="1200" kern="1200" dirty="0" err="1" smtClean="0">
+                <a:solidFill>
+                  <a:schemeClr val="tx1"/>
+                </a:solidFill>
+                <a:effectLst/>
+                <a:latin typeface="+mn-lt"/>
+                <a:ea typeface="+mn-ea"/>
+                <a:cs typeface="+mn-cs"/>
+              </a:rPr>
+              <a:t>and</a:t>
+            </a:r>
+            <a:r>
+              <a:rPr lang="de-CH" sz="1200" kern="1200" dirty="0" smtClean="0">
+                <a:solidFill>
+                  <a:schemeClr val="tx1"/>
+                </a:solidFill>
+                <a:effectLst/>
+                <a:latin typeface="+mn-lt"/>
+                <a:ea typeface="+mn-ea"/>
+                <a:cs typeface="+mn-cs"/>
+              </a:rPr>
+              <a:t> </a:t>
+            </a:r>
+            <a:r>
+              <a:rPr lang="de-CH" sz="1200" kern="1200" dirty="0" err="1" smtClean="0">
+                <a:solidFill>
+                  <a:schemeClr val="tx1"/>
+                </a:solidFill>
+                <a:effectLst/>
+                <a:latin typeface="+mn-lt"/>
+                <a:ea typeface="+mn-ea"/>
+                <a:cs typeface="+mn-cs"/>
+              </a:rPr>
+              <a:t>of</a:t>
+            </a:r>
+            <a:r>
+              <a:rPr lang="de-CH" sz="1200" kern="1200" baseline="0" dirty="0" smtClean="0">
+                <a:solidFill>
+                  <a:schemeClr val="tx1"/>
+                </a:solidFill>
+                <a:effectLst/>
+                <a:latin typeface="+mn-lt"/>
+                <a:ea typeface="+mn-ea"/>
+                <a:cs typeface="+mn-cs"/>
+              </a:rPr>
+              <a:t> </a:t>
+            </a:r>
+            <a:r>
+              <a:rPr lang="de-CH" sz="1200" kern="1200" baseline="0" dirty="0" err="1" smtClean="0">
+                <a:solidFill>
+                  <a:schemeClr val="tx1"/>
+                </a:solidFill>
+                <a:effectLst/>
+                <a:latin typeface="+mn-lt"/>
+                <a:ea typeface="+mn-ea"/>
+                <a:cs typeface="+mn-cs"/>
+              </a:rPr>
+              <a:t>course</a:t>
+            </a:r>
+            <a:r>
+              <a:rPr lang="de-CH" sz="1200" kern="1200" baseline="0" dirty="0" smtClean="0">
+                <a:solidFill>
+                  <a:schemeClr val="tx1"/>
+                </a:solidFill>
+                <a:effectLst/>
+                <a:latin typeface="+mn-lt"/>
+                <a:ea typeface="+mn-ea"/>
+                <a:cs typeface="+mn-cs"/>
+              </a:rPr>
+              <a:t> </a:t>
+            </a:r>
+            <a:r>
+              <a:rPr lang="de-CH" sz="1200" kern="1200" baseline="0" dirty="0" err="1" smtClean="0">
+                <a:solidFill>
+                  <a:schemeClr val="tx1"/>
+                </a:solidFill>
+                <a:effectLst/>
+                <a:latin typeface="+mn-lt"/>
+                <a:ea typeface="+mn-ea"/>
+                <a:cs typeface="+mn-cs"/>
+              </a:rPr>
+              <a:t>interaction</a:t>
+            </a:r>
+            <a:r>
+              <a:rPr lang="de-CH" sz="1200" kern="1200" baseline="0" dirty="0" smtClean="0">
+                <a:solidFill>
+                  <a:schemeClr val="tx1"/>
+                </a:solidFill>
+                <a:effectLst/>
+                <a:latin typeface="+mn-lt"/>
+                <a:ea typeface="+mn-ea"/>
+                <a:cs typeface="+mn-cs"/>
+              </a:rPr>
+              <a:t> </a:t>
+            </a:r>
+            <a:r>
+              <a:rPr lang="de-CH" sz="1200" kern="1200" baseline="0" dirty="0" err="1" smtClean="0">
+                <a:solidFill>
+                  <a:schemeClr val="tx1"/>
+                </a:solidFill>
+                <a:effectLst/>
+                <a:latin typeface="+mn-lt"/>
+                <a:ea typeface="+mn-ea"/>
+                <a:cs typeface="+mn-cs"/>
+              </a:rPr>
+              <a:t>with</a:t>
+            </a:r>
+            <a:r>
+              <a:rPr lang="de-CH" sz="1200" kern="1200" baseline="0" dirty="0" smtClean="0">
+                <a:solidFill>
+                  <a:schemeClr val="tx1"/>
+                </a:solidFill>
+                <a:effectLst/>
+                <a:latin typeface="+mn-lt"/>
+                <a:ea typeface="+mn-ea"/>
+                <a:cs typeface="+mn-cs"/>
+              </a:rPr>
+              <a:t> </a:t>
+            </a:r>
+            <a:r>
+              <a:rPr lang="de-CH" sz="1200" kern="1200" baseline="0" dirty="0" err="1" smtClean="0">
+                <a:solidFill>
+                  <a:schemeClr val="tx1"/>
+                </a:solidFill>
+                <a:effectLst/>
+                <a:latin typeface="+mn-lt"/>
+                <a:ea typeface="+mn-ea"/>
+                <a:cs typeface="+mn-cs"/>
+              </a:rPr>
+              <a:t>other</a:t>
+            </a:r>
+            <a:r>
+              <a:rPr lang="de-CH" sz="1200" kern="1200" baseline="0" dirty="0" smtClean="0">
+                <a:solidFill>
+                  <a:schemeClr val="tx1"/>
+                </a:solidFill>
+                <a:effectLst/>
+                <a:latin typeface="+mn-lt"/>
+                <a:ea typeface="+mn-ea"/>
+                <a:cs typeface="+mn-cs"/>
+              </a:rPr>
+              <a:t> </a:t>
+            </a:r>
+            <a:r>
+              <a:rPr lang="de-CH" sz="1200" kern="1200" baseline="0" dirty="0" err="1" smtClean="0">
+                <a:solidFill>
+                  <a:schemeClr val="tx1"/>
+                </a:solidFill>
+                <a:effectLst/>
+                <a:latin typeface="+mn-lt"/>
+                <a:ea typeface="+mn-ea"/>
+                <a:cs typeface="+mn-cs"/>
+              </a:rPr>
+              <a:t>agents</a:t>
+            </a:r>
+            <a:endParaRPr lang="en-GB" sz="1200" kern="1200" dirty="0">
+              <a:solidFill>
+                <a:schemeClr val="tx1"/>
+              </a:solidFill>
+              <a:effectLst/>
+              <a:latin typeface="+mn-lt"/>
+              <a:ea typeface="+mn-ea"/>
+              <a:cs typeface="+mn-cs"/>
+            </a:endParaRPr>
           </a:p>
         </p:txBody>
       </p:sp>
@@ -536,6 +2698,3123 @@
     <p:extLst>
       <p:ext uri="{BB962C8B-B14F-4D97-AF65-F5344CB8AC3E}">
         <p14:creationId xmlns:p14="http://schemas.microsoft.com/office/powerpoint/2010/main" val="2770071126"/>
+      </p:ext>
+    </p:extLst>
+  </p:cSld>
+  <p:clrMapOvr>
+    <a:masterClrMapping/>
+  </p:clrMapOvr>
+</p:notes>
+</file>
+
+<file path=ppt/notesSlides/notesSlide2.xml><?xml version="1.0" encoding="utf-8"?>
+<p:notes xmlns:a="http://schemas.openxmlformats.org/drawingml/2006/main" xmlns:r="http://schemas.openxmlformats.org/officeDocument/2006/relationships" xmlns:p="http://schemas.openxmlformats.org/presentationml/2006/main">
+  <p:cSld>
+    <p:spTree>
+      <p:nvGrpSpPr>
+        <p:cNvPr id="1" name=""/>
+        <p:cNvGrpSpPr/>
+        <p:nvPr/>
+      </p:nvGrpSpPr>
+      <p:grpSpPr>
+        <a:xfrm>
+          <a:off x="0" y="0"/>
+          <a:ext cx="0" cy="0"/>
+          <a:chOff x="0" y="0"/>
+          <a:chExt cx="0" cy="0"/>
+        </a:xfrm>
+      </p:grpSpPr>
+      <p:sp>
+        <p:nvSpPr>
+          <p:cNvPr id="2" name="Folienbildplatzhalter 1"/>
+          <p:cNvSpPr>
+            <a:spLocks noGrp="1" noRot="1" noChangeAspect="1"/>
+          </p:cNvSpPr>
+          <p:nvPr>
+            <p:ph type="sldImg"/>
+          </p:nvPr>
+        </p:nvSpPr>
+        <p:spPr/>
+      </p:sp>
+      <p:sp>
+        <p:nvSpPr>
+          <p:cNvPr id="3" name="Notizenplatzhalter 2"/>
+          <p:cNvSpPr>
+            <a:spLocks noGrp="1"/>
+          </p:cNvSpPr>
+          <p:nvPr>
+            <p:ph type="body" idx="1"/>
+          </p:nvPr>
+        </p:nvSpPr>
+        <p:spPr/>
+        <p:txBody>
+          <a:bodyPr/>
+          <a:lstStyle/>
+          <a:p>
+            <a:r>
+              <a:rPr lang="de-CH" dirty="0" smtClean="0"/>
+              <a:t>The</a:t>
+            </a:r>
+            <a:r>
+              <a:rPr lang="de-CH" baseline="0" dirty="0" smtClean="0"/>
+              <a:t> </a:t>
+            </a:r>
+            <a:r>
+              <a:rPr lang="de-CH" baseline="0" dirty="0" err="1" smtClean="0"/>
+              <a:t>implementation</a:t>
+            </a:r>
+            <a:r>
+              <a:rPr lang="de-CH" baseline="0" dirty="0" smtClean="0"/>
+              <a:t> </a:t>
+            </a:r>
+            <a:r>
+              <a:rPr lang="de-CH" baseline="0" dirty="0" err="1" smtClean="0"/>
+              <a:t>of</a:t>
+            </a:r>
+            <a:r>
+              <a:rPr lang="de-CH" baseline="0" dirty="0" smtClean="0"/>
+              <a:t> </a:t>
+            </a:r>
+            <a:r>
+              <a:rPr lang="de-CH" baseline="0" dirty="0" err="1" smtClean="0"/>
+              <a:t>our</a:t>
+            </a:r>
+            <a:r>
+              <a:rPr lang="de-CH" baseline="0" dirty="0" smtClean="0"/>
+              <a:t> </a:t>
+            </a:r>
+            <a:r>
+              <a:rPr lang="de-CH" baseline="0" dirty="0" err="1" smtClean="0"/>
+              <a:t>simulation</a:t>
+            </a:r>
+            <a:r>
+              <a:rPr lang="de-CH" baseline="0" dirty="0" smtClean="0"/>
+              <a:t> </a:t>
+            </a:r>
+            <a:r>
+              <a:rPr lang="de-CH" baseline="0" dirty="0" err="1" smtClean="0"/>
+              <a:t>is</a:t>
+            </a:r>
+            <a:r>
+              <a:rPr lang="de-CH" baseline="0" dirty="0" smtClean="0"/>
+              <a:t> </a:t>
+            </a:r>
+            <a:r>
+              <a:rPr lang="de-CH" baseline="0" dirty="0" err="1" smtClean="0"/>
+              <a:t>based</a:t>
+            </a:r>
+            <a:r>
+              <a:rPr lang="de-CH" baseline="0" dirty="0" smtClean="0"/>
+              <a:t> on </a:t>
+            </a:r>
+            <a:r>
+              <a:rPr lang="de-CH" baseline="0" dirty="0" err="1" smtClean="0"/>
+              <a:t>the</a:t>
+            </a:r>
+            <a:r>
+              <a:rPr lang="de-CH" baseline="0" dirty="0" smtClean="0"/>
+              <a:t> </a:t>
+            </a:r>
+            <a:r>
+              <a:rPr lang="de-CH" baseline="0" dirty="0" err="1" smtClean="0"/>
+              <a:t>work</a:t>
+            </a:r>
+            <a:r>
+              <a:rPr lang="de-CH" baseline="0" dirty="0" smtClean="0"/>
+              <a:t> </a:t>
+            </a:r>
+            <a:r>
+              <a:rPr lang="de-CH" baseline="0" dirty="0" err="1" smtClean="0"/>
+              <a:t>of</a:t>
+            </a:r>
+            <a:r>
+              <a:rPr lang="de-CH" baseline="0" dirty="0" smtClean="0"/>
+              <a:t> a </a:t>
+            </a:r>
+            <a:r>
+              <a:rPr lang="de-CH" baseline="0" dirty="0" err="1" smtClean="0"/>
+              <a:t>previous</a:t>
+            </a:r>
+            <a:r>
+              <a:rPr lang="de-CH" baseline="0" dirty="0" smtClean="0"/>
+              <a:t> </a:t>
+            </a:r>
+            <a:r>
+              <a:rPr lang="de-CH" baseline="0" dirty="0" err="1" smtClean="0"/>
+              <a:t>project</a:t>
+            </a:r>
+            <a:r>
+              <a:rPr lang="de-CH" baseline="0" dirty="0" smtClean="0"/>
+              <a:t>.  </a:t>
+            </a:r>
+            <a:r>
+              <a:rPr lang="de-CH" baseline="0" dirty="0" err="1" smtClean="0"/>
+              <a:t>Means</a:t>
+            </a:r>
+            <a:r>
+              <a:rPr lang="de-CH" baseline="0" dirty="0" smtClean="0"/>
+              <a:t> </a:t>
+            </a:r>
+            <a:r>
+              <a:rPr lang="de-CH" baseline="0" dirty="0" err="1" smtClean="0"/>
+              <a:t>that</a:t>
+            </a:r>
+            <a:r>
+              <a:rPr lang="de-CH" baseline="0" dirty="0" smtClean="0"/>
+              <a:t> </a:t>
+            </a:r>
+            <a:r>
+              <a:rPr lang="de-CH" baseline="0" dirty="0" err="1" smtClean="0"/>
+              <a:t>we</a:t>
+            </a:r>
+            <a:r>
+              <a:rPr lang="de-CH" baseline="0" dirty="0" smtClean="0"/>
+              <a:t> </a:t>
+            </a:r>
+            <a:r>
+              <a:rPr lang="de-CH" baseline="0" dirty="0" err="1" smtClean="0"/>
+              <a:t>already</a:t>
+            </a:r>
+            <a:r>
+              <a:rPr lang="de-CH" baseline="0" dirty="0" smtClean="0"/>
+              <a:t> </a:t>
+            </a:r>
+            <a:r>
+              <a:rPr lang="de-CH" baseline="0" dirty="0" err="1" smtClean="0"/>
+              <a:t>had</a:t>
+            </a:r>
+            <a:r>
+              <a:rPr lang="de-CH" baseline="0" dirty="0" smtClean="0"/>
+              <a:t> </a:t>
+            </a:r>
+            <a:r>
+              <a:rPr lang="de-CH" baseline="0" dirty="0" err="1" smtClean="0"/>
+              <a:t>the</a:t>
+            </a:r>
+            <a:r>
+              <a:rPr lang="de-CH" baseline="0" dirty="0" smtClean="0"/>
+              <a:t> </a:t>
+            </a:r>
+            <a:r>
+              <a:rPr lang="de-CH" baseline="0" dirty="0" err="1" smtClean="0"/>
+              <a:t>basic</a:t>
+            </a:r>
+            <a:r>
+              <a:rPr lang="de-CH" baseline="0" dirty="0" smtClean="0"/>
+              <a:t> </a:t>
+            </a:r>
+            <a:r>
+              <a:rPr lang="de-CH" baseline="0" dirty="0" err="1" smtClean="0"/>
+              <a:t>code</a:t>
+            </a:r>
+            <a:r>
+              <a:rPr lang="de-CH" baseline="0" dirty="0" smtClean="0"/>
+              <a:t> </a:t>
+            </a:r>
+            <a:r>
+              <a:rPr lang="de-CH" baseline="0" dirty="0" err="1" smtClean="0"/>
+              <a:t>to</a:t>
+            </a:r>
+            <a:r>
+              <a:rPr lang="de-CH" baseline="0" dirty="0" smtClean="0"/>
+              <a:t> </a:t>
+            </a:r>
+            <a:r>
+              <a:rPr lang="de-CH" baseline="0" dirty="0" err="1" smtClean="0"/>
+              <a:t>run</a:t>
+            </a:r>
+            <a:r>
+              <a:rPr lang="de-CH" baseline="0" dirty="0" smtClean="0"/>
+              <a:t> </a:t>
+            </a:r>
+            <a:r>
+              <a:rPr lang="de-CH" baseline="0" dirty="0" err="1" smtClean="0"/>
+              <a:t>the</a:t>
+            </a:r>
+            <a:r>
+              <a:rPr lang="de-CH" baseline="0" dirty="0" smtClean="0"/>
+              <a:t> </a:t>
+            </a:r>
+            <a:r>
+              <a:rPr lang="de-CH" baseline="0" dirty="0" err="1" smtClean="0"/>
+              <a:t>simulation</a:t>
+            </a:r>
+            <a:r>
+              <a:rPr lang="de-CH" baseline="0" dirty="0" smtClean="0"/>
+              <a:t>. </a:t>
+            </a:r>
+          </a:p>
+          <a:p>
+            <a:r>
+              <a:rPr lang="de-CH" baseline="0" dirty="0" err="1" smtClean="0"/>
+              <a:t>Nevertheless</a:t>
+            </a:r>
+            <a:r>
+              <a:rPr lang="de-CH" baseline="0" dirty="0" smtClean="0"/>
+              <a:t> </a:t>
+            </a:r>
+            <a:r>
+              <a:rPr lang="de-CH" baseline="0" dirty="0" err="1" smtClean="0"/>
+              <a:t>we</a:t>
+            </a:r>
+            <a:r>
+              <a:rPr lang="de-CH" baseline="0" dirty="0" smtClean="0"/>
+              <a:t> </a:t>
+            </a:r>
+            <a:r>
+              <a:rPr lang="de-CH" baseline="0" dirty="0" err="1" smtClean="0"/>
+              <a:t>spent</a:t>
+            </a:r>
+            <a:r>
+              <a:rPr lang="de-CH" baseline="0" dirty="0" smtClean="0"/>
+              <a:t> a </a:t>
+            </a:r>
+            <a:r>
+              <a:rPr lang="de-CH" baseline="0" dirty="0" err="1" smtClean="0"/>
+              <a:t>lot</a:t>
+            </a:r>
+            <a:r>
+              <a:rPr lang="de-CH" baseline="0" dirty="0" smtClean="0"/>
+              <a:t> </a:t>
+            </a:r>
+            <a:r>
+              <a:rPr lang="de-CH" baseline="0" dirty="0" err="1" smtClean="0"/>
+              <a:t>of</a:t>
+            </a:r>
+            <a:r>
+              <a:rPr lang="de-CH" baseline="0" dirty="0" smtClean="0"/>
+              <a:t> time </a:t>
+            </a:r>
+            <a:r>
+              <a:rPr lang="de-CH" baseline="0" dirty="0" err="1" smtClean="0"/>
+              <a:t>understanding</a:t>
+            </a:r>
+            <a:r>
+              <a:rPr lang="de-CH" baseline="0" dirty="0" smtClean="0"/>
+              <a:t> </a:t>
+            </a:r>
+            <a:r>
+              <a:rPr lang="de-CH" baseline="0" dirty="0" err="1" smtClean="0"/>
+              <a:t>and</a:t>
+            </a:r>
+            <a:r>
+              <a:rPr lang="de-CH" baseline="0" dirty="0" smtClean="0"/>
+              <a:t> </a:t>
+            </a:r>
+            <a:r>
+              <a:rPr lang="de-CH" baseline="0" dirty="0" err="1" smtClean="0"/>
+              <a:t>modifying</a:t>
+            </a:r>
+            <a:r>
+              <a:rPr lang="de-CH" baseline="0" dirty="0" smtClean="0"/>
+              <a:t> </a:t>
+            </a:r>
+            <a:r>
+              <a:rPr lang="de-CH" baseline="0" dirty="0" err="1" smtClean="0"/>
+              <a:t>the</a:t>
+            </a:r>
+            <a:r>
+              <a:rPr lang="de-CH" baseline="0" dirty="0" smtClean="0"/>
+              <a:t> </a:t>
+            </a:r>
+            <a:r>
+              <a:rPr lang="de-CH" baseline="0" dirty="0" err="1" smtClean="0"/>
+              <a:t>code</a:t>
+            </a:r>
+            <a:r>
+              <a:rPr lang="de-CH" baseline="0" dirty="0" smtClean="0"/>
+              <a:t> </a:t>
+            </a:r>
+            <a:r>
+              <a:rPr lang="de-CH" baseline="0" dirty="0" err="1" smtClean="0"/>
+              <a:t>to</a:t>
+            </a:r>
+            <a:r>
+              <a:rPr lang="de-CH" baseline="0" dirty="0" smtClean="0"/>
+              <a:t> </a:t>
+            </a:r>
+            <a:r>
+              <a:rPr lang="de-CH" baseline="0" dirty="0" err="1" smtClean="0"/>
+              <a:t>make</a:t>
+            </a:r>
+            <a:r>
+              <a:rPr lang="de-CH" baseline="0" dirty="0" smtClean="0"/>
+              <a:t> </a:t>
+            </a:r>
+            <a:r>
+              <a:rPr lang="de-CH" baseline="0" dirty="0" err="1" smtClean="0"/>
+              <a:t>it</a:t>
+            </a:r>
+            <a:r>
+              <a:rPr lang="de-CH" baseline="0" dirty="0" smtClean="0"/>
+              <a:t> fit </a:t>
+            </a:r>
+            <a:r>
+              <a:rPr lang="de-CH" baseline="0" dirty="0" err="1" smtClean="0"/>
+              <a:t>for</a:t>
+            </a:r>
+            <a:r>
+              <a:rPr lang="de-CH" baseline="0" dirty="0" smtClean="0"/>
+              <a:t> </a:t>
+            </a:r>
+            <a:r>
+              <a:rPr lang="de-CH" baseline="0" dirty="0" err="1" smtClean="0"/>
+              <a:t>our</a:t>
+            </a:r>
+            <a:r>
+              <a:rPr lang="de-CH" baseline="0" dirty="0" smtClean="0"/>
+              <a:t> </a:t>
+            </a:r>
+            <a:r>
+              <a:rPr lang="de-CH" baseline="0" dirty="0" err="1" smtClean="0"/>
+              <a:t>purposes</a:t>
+            </a:r>
+            <a:r>
+              <a:rPr lang="de-CH" baseline="0" dirty="0" smtClean="0"/>
+              <a:t>.</a:t>
+            </a:r>
+          </a:p>
+          <a:p>
+            <a:endParaRPr lang="de-CH" baseline="0" dirty="0" smtClean="0"/>
+          </a:p>
+          <a:p>
+            <a:r>
+              <a:rPr lang="de-CH" baseline="0" dirty="0" smtClean="0"/>
+              <a:t>I will </a:t>
+            </a:r>
+            <a:r>
+              <a:rPr lang="de-CH" baseline="0" dirty="0" err="1" smtClean="0"/>
+              <a:t>give</a:t>
+            </a:r>
+            <a:r>
+              <a:rPr lang="de-CH" baseline="0" dirty="0" smtClean="0"/>
+              <a:t> </a:t>
+            </a:r>
+            <a:r>
+              <a:rPr lang="de-CH" baseline="0" dirty="0" err="1" smtClean="0"/>
+              <a:t>you</a:t>
+            </a:r>
+            <a:r>
+              <a:rPr lang="de-CH" baseline="0" dirty="0" smtClean="0"/>
+              <a:t> a </a:t>
+            </a:r>
+            <a:r>
+              <a:rPr lang="de-CH" baseline="0" dirty="0" err="1" smtClean="0"/>
+              <a:t>short</a:t>
+            </a:r>
+            <a:r>
+              <a:rPr lang="de-CH" baseline="0" dirty="0" smtClean="0"/>
+              <a:t> </a:t>
+            </a:r>
+            <a:r>
+              <a:rPr lang="de-CH" baseline="0" dirty="0" err="1" smtClean="0"/>
+              <a:t>view</a:t>
+            </a:r>
+            <a:r>
+              <a:rPr lang="de-CH" baseline="0" dirty="0" smtClean="0"/>
+              <a:t> </a:t>
+            </a:r>
+            <a:r>
+              <a:rPr lang="de-CH" baseline="0" dirty="0" err="1" smtClean="0"/>
+              <a:t>into</a:t>
+            </a:r>
+            <a:r>
+              <a:rPr lang="de-CH" baseline="0" dirty="0" smtClean="0"/>
+              <a:t> </a:t>
+            </a:r>
+            <a:r>
+              <a:rPr lang="de-CH" baseline="0" dirty="0" err="1" smtClean="0"/>
+              <a:t>our</a:t>
+            </a:r>
+            <a:r>
+              <a:rPr lang="de-CH" baseline="0" dirty="0" smtClean="0"/>
+              <a:t> </a:t>
+            </a:r>
+            <a:r>
+              <a:rPr lang="de-CH" baseline="0" dirty="0" err="1" smtClean="0"/>
+              <a:t>modifications</a:t>
+            </a:r>
+            <a:r>
+              <a:rPr lang="de-CH" baseline="0" dirty="0" smtClean="0"/>
+              <a:t> </a:t>
+            </a:r>
+            <a:r>
+              <a:rPr lang="de-CH" baseline="0" dirty="0" err="1" smtClean="0"/>
+              <a:t>and</a:t>
+            </a:r>
+            <a:r>
+              <a:rPr lang="de-CH" baseline="0" dirty="0" smtClean="0"/>
+              <a:t> also </a:t>
+            </a:r>
+            <a:r>
+              <a:rPr lang="de-CH" baseline="0" dirty="0" err="1" smtClean="0"/>
+              <a:t>mention</a:t>
+            </a:r>
+            <a:r>
+              <a:rPr lang="de-CH" baseline="0" dirty="0" smtClean="0"/>
+              <a:t> </a:t>
+            </a:r>
+            <a:r>
+              <a:rPr lang="de-CH" baseline="0" dirty="0" err="1" smtClean="0"/>
+              <a:t>some</a:t>
+            </a:r>
+            <a:r>
+              <a:rPr lang="de-CH" baseline="0" dirty="0" smtClean="0"/>
+              <a:t> </a:t>
+            </a:r>
+            <a:r>
+              <a:rPr lang="de-CH" baseline="0" dirty="0" err="1" smtClean="0"/>
+              <a:t>difficulties</a:t>
+            </a:r>
+            <a:r>
+              <a:rPr lang="de-CH" baseline="0" dirty="0" smtClean="0"/>
+              <a:t> </a:t>
+            </a:r>
+            <a:r>
+              <a:rPr lang="de-CH" baseline="0" dirty="0" err="1" smtClean="0"/>
+              <a:t>we</a:t>
+            </a:r>
+            <a:r>
+              <a:rPr lang="de-CH" baseline="0" dirty="0" smtClean="0"/>
+              <a:t> </a:t>
+            </a:r>
+            <a:r>
+              <a:rPr lang="de-CH" baseline="0" dirty="0" err="1" smtClean="0"/>
+              <a:t>had</a:t>
+            </a:r>
+            <a:r>
+              <a:rPr lang="de-CH" baseline="0" dirty="0" smtClean="0"/>
+              <a:t> </a:t>
+            </a:r>
+            <a:r>
+              <a:rPr lang="de-CH" baseline="0" dirty="0" err="1" smtClean="0"/>
+              <a:t>with</a:t>
+            </a:r>
+            <a:r>
+              <a:rPr lang="de-CH" baseline="0" dirty="0" smtClean="0"/>
+              <a:t> </a:t>
+            </a:r>
+            <a:r>
+              <a:rPr lang="de-CH" baseline="0" dirty="0" err="1" smtClean="0"/>
+              <a:t>the</a:t>
+            </a:r>
+            <a:r>
+              <a:rPr lang="de-CH" baseline="0" dirty="0" smtClean="0"/>
+              <a:t> </a:t>
+            </a:r>
+            <a:r>
+              <a:rPr lang="de-CH" baseline="0" dirty="0" err="1" smtClean="0"/>
+              <a:t>hugh</a:t>
+            </a:r>
+            <a:r>
+              <a:rPr lang="de-CH" baseline="0" dirty="0" smtClean="0"/>
+              <a:t> </a:t>
+            </a:r>
+            <a:r>
+              <a:rPr lang="de-CH" baseline="0" dirty="0" err="1" smtClean="0"/>
+              <a:t>numbers</a:t>
+            </a:r>
+            <a:r>
+              <a:rPr lang="de-CH" baseline="0" dirty="0" smtClean="0"/>
+              <a:t> </a:t>
+            </a:r>
+            <a:r>
+              <a:rPr lang="de-CH" baseline="0" dirty="0" err="1" smtClean="0"/>
+              <a:t>of</a:t>
+            </a:r>
+            <a:r>
+              <a:rPr lang="de-CH" baseline="0" dirty="0" smtClean="0"/>
+              <a:t> </a:t>
+            </a:r>
+            <a:r>
+              <a:rPr lang="de-CH" baseline="0" dirty="0" err="1" smtClean="0"/>
+              <a:t>agents</a:t>
+            </a:r>
+            <a:r>
+              <a:rPr lang="de-CH" baseline="0" dirty="0" smtClean="0"/>
+              <a:t> </a:t>
+            </a:r>
+            <a:r>
+              <a:rPr lang="de-CH" baseline="0" dirty="0" err="1" smtClean="0"/>
+              <a:t>ond</a:t>
+            </a:r>
+            <a:r>
+              <a:rPr lang="de-CH" baseline="0" dirty="0" smtClean="0"/>
+              <a:t> </a:t>
+            </a:r>
+            <a:r>
+              <a:rPr lang="de-CH" baseline="0" dirty="0" err="1" smtClean="0"/>
+              <a:t>pixels</a:t>
+            </a:r>
+            <a:r>
+              <a:rPr lang="de-CH" baseline="0" dirty="0" smtClean="0"/>
+              <a:t> </a:t>
+            </a:r>
+            <a:r>
+              <a:rPr lang="de-CH" baseline="0" dirty="0" err="1" smtClean="0"/>
+              <a:t>we</a:t>
+            </a:r>
+            <a:r>
+              <a:rPr lang="de-CH" baseline="0" dirty="0" smtClean="0"/>
+              <a:t> </a:t>
+            </a:r>
+            <a:r>
+              <a:rPr lang="de-CH" baseline="0" dirty="0" err="1" smtClean="0"/>
+              <a:t>were</a:t>
+            </a:r>
+            <a:r>
+              <a:rPr lang="de-CH" baseline="0" dirty="0" smtClean="0"/>
+              <a:t> </a:t>
+            </a:r>
+            <a:r>
+              <a:rPr lang="de-CH" baseline="0" dirty="0" err="1" smtClean="0"/>
+              <a:t>workign</a:t>
+            </a:r>
+            <a:r>
+              <a:rPr lang="de-CH" baseline="0" dirty="0" smtClean="0"/>
+              <a:t> </a:t>
+            </a:r>
+            <a:r>
+              <a:rPr lang="de-CH" baseline="0" dirty="0" err="1" smtClean="0"/>
+              <a:t>with</a:t>
+            </a:r>
+            <a:r>
+              <a:rPr lang="de-CH" baseline="0" dirty="0" smtClean="0"/>
+              <a:t>.</a:t>
+            </a:r>
+          </a:p>
+          <a:p>
+            <a:endParaRPr lang="de-CH" baseline="0" dirty="0" smtClean="0"/>
+          </a:p>
+          <a:p>
+            <a:endParaRPr lang="en-GB" dirty="0"/>
+          </a:p>
+        </p:txBody>
+      </p:sp>
+      <p:sp>
+        <p:nvSpPr>
+          <p:cNvPr id="4" name="Foliennummernplatzhalter 3"/>
+          <p:cNvSpPr>
+            <a:spLocks noGrp="1"/>
+          </p:cNvSpPr>
+          <p:nvPr>
+            <p:ph type="sldNum" sz="quarter" idx="10"/>
+          </p:nvPr>
+        </p:nvSpPr>
+        <p:spPr/>
+        <p:txBody>
+          <a:bodyPr/>
+          <a:lstStyle/>
+          <a:p>
+            <a:fld id="{A8D55AEB-4C5B-4848-860D-E778DA222F2E}" type="slidenum">
+              <a:rPr lang="en-GB" smtClean="0"/>
+              <a:t>2</a:t>
+            </a:fld>
+            <a:endParaRPr lang="en-GB"/>
+          </a:p>
+        </p:txBody>
+      </p:sp>
+    </p:spTree>
+    <p:extLst>
+      <p:ext uri="{BB962C8B-B14F-4D97-AF65-F5344CB8AC3E}">
+        <p14:creationId xmlns:p14="http://schemas.microsoft.com/office/powerpoint/2010/main" val="2665985661"/>
+      </p:ext>
+    </p:extLst>
+  </p:cSld>
+  <p:clrMapOvr>
+    <a:masterClrMapping/>
+  </p:clrMapOvr>
+</p:notes>
+</file>
+
+<file path=ppt/notesSlides/notesSlide3.xml><?xml version="1.0" encoding="utf-8"?>
+<p:notes xmlns:a="http://schemas.openxmlformats.org/drawingml/2006/main" xmlns:r="http://schemas.openxmlformats.org/officeDocument/2006/relationships" xmlns:p="http://schemas.openxmlformats.org/presentationml/2006/main">
+  <p:cSld>
+    <p:spTree>
+      <p:nvGrpSpPr>
+        <p:cNvPr id="1" name=""/>
+        <p:cNvGrpSpPr/>
+        <p:nvPr/>
+      </p:nvGrpSpPr>
+      <p:grpSpPr>
+        <a:xfrm>
+          <a:off x="0" y="0"/>
+          <a:ext cx="0" cy="0"/>
+          <a:chOff x="0" y="0"/>
+          <a:chExt cx="0" cy="0"/>
+        </a:xfrm>
+      </p:grpSpPr>
+      <p:sp>
+        <p:nvSpPr>
+          <p:cNvPr id="2" name="Folienbildplatzhalter 1"/>
+          <p:cNvSpPr>
+            <a:spLocks noGrp="1" noRot="1" noChangeAspect="1"/>
+          </p:cNvSpPr>
+          <p:nvPr>
+            <p:ph type="sldImg"/>
+          </p:nvPr>
+        </p:nvSpPr>
+        <p:spPr/>
+      </p:sp>
+      <p:sp>
+        <p:nvSpPr>
+          <p:cNvPr id="3" name="Notizenplatzhalter 2"/>
+          <p:cNvSpPr>
+            <a:spLocks noGrp="1"/>
+          </p:cNvSpPr>
+          <p:nvPr>
+            <p:ph type="body" idx="1"/>
+          </p:nvPr>
+        </p:nvSpPr>
+        <p:spPr/>
+        <p:txBody>
+          <a:bodyPr/>
+          <a:lstStyle/>
+          <a:p>
+            <a:r>
+              <a:rPr lang="de-CH" dirty="0" err="1" smtClean="0"/>
+              <a:t>the</a:t>
+            </a:r>
+            <a:r>
+              <a:rPr lang="de-CH" baseline="0" dirty="0" smtClean="0"/>
+              <a:t> </a:t>
+            </a:r>
+            <a:r>
+              <a:rPr lang="de-CH" baseline="0" dirty="0" err="1" smtClean="0"/>
+              <a:t>biggest</a:t>
+            </a:r>
+            <a:r>
+              <a:rPr lang="de-CH" baseline="0" dirty="0" smtClean="0"/>
+              <a:t> </a:t>
+            </a:r>
+            <a:r>
+              <a:rPr lang="de-CH" baseline="0" dirty="0" err="1" smtClean="0"/>
+              <a:t>extension</a:t>
+            </a:r>
+            <a:r>
+              <a:rPr lang="de-CH" baseline="0" dirty="0" smtClean="0"/>
+              <a:t> </a:t>
+            </a:r>
+            <a:r>
+              <a:rPr lang="de-CH" baseline="0" dirty="0" err="1" smtClean="0"/>
+              <a:t>we</a:t>
+            </a:r>
+            <a:r>
+              <a:rPr lang="de-CH" baseline="0" dirty="0" smtClean="0"/>
+              <a:t> </a:t>
+            </a:r>
+            <a:r>
+              <a:rPr lang="de-CH" baseline="0" dirty="0" err="1" smtClean="0"/>
+              <a:t>made</a:t>
+            </a:r>
+            <a:r>
+              <a:rPr lang="de-CH" baseline="0" dirty="0" smtClean="0"/>
+              <a:t> in </a:t>
+            </a:r>
+            <a:r>
+              <a:rPr lang="de-CH" baseline="0" dirty="0" err="1" smtClean="0"/>
+              <a:t>the</a:t>
+            </a:r>
+            <a:r>
+              <a:rPr lang="de-CH" baseline="0" dirty="0" smtClean="0"/>
+              <a:t> </a:t>
+            </a:r>
+            <a:r>
+              <a:rPr lang="de-CH" baseline="0" dirty="0" err="1" smtClean="0"/>
+              <a:t>code</a:t>
+            </a:r>
+            <a:r>
+              <a:rPr lang="de-CH" baseline="0" dirty="0" smtClean="0"/>
+              <a:t> was </a:t>
+            </a:r>
+            <a:r>
+              <a:rPr lang="de-CH" baseline="0" dirty="0" err="1" smtClean="0"/>
+              <a:t>about</a:t>
+            </a:r>
+            <a:r>
+              <a:rPr lang="de-CH" baseline="0" dirty="0" smtClean="0"/>
+              <a:t> </a:t>
+            </a:r>
+            <a:r>
+              <a:rPr lang="de-CH" baseline="0" dirty="0" err="1" smtClean="0"/>
+              <a:t>the</a:t>
+            </a:r>
+            <a:r>
+              <a:rPr lang="de-CH" baseline="0" dirty="0" smtClean="0"/>
+              <a:t> </a:t>
+            </a:r>
+            <a:r>
+              <a:rPr lang="de-CH" baseline="0" dirty="0" err="1" smtClean="0"/>
+              <a:t>exits</a:t>
+            </a:r>
+            <a:r>
+              <a:rPr lang="de-CH" baseline="0" dirty="0" smtClean="0"/>
+              <a:t>.</a:t>
+            </a:r>
+          </a:p>
+          <a:p>
+            <a:endParaRPr lang="de-CH" baseline="0" dirty="0" smtClean="0"/>
+          </a:p>
+          <a:p>
+            <a:r>
+              <a:rPr lang="de-CH" baseline="0" dirty="0" err="1" smtClean="0"/>
+              <a:t>we</a:t>
+            </a:r>
+            <a:r>
+              <a:rPr lang="de-CH" baseline="0" dirty="0" smtClean="0"/>
+              <a:t> </a:t>
+            </a:r>
+            <a:r>
+              <a:rPr lang="de-CH" baseline="0" dirty="0" err="1" smtClean="0"/>
+              <a:t>needed</a:t>
+            </a:r>
+            <a:r>
+              <a:rPr lang="de-CH" baseline="0" dirty="0" smtClean="0"/>
+              <a:t> </a:t>
+            </a:r>
+            <a:r>
+              <a:rPr lang="de-CH" baseline="0" dirty="0" err="1" smtClean="0"/>
+              <a:t>some</a:t>
+            </a:r>
+            <a:r>
+              <a:rPr lang="de-CH" baseline="0" dirty="0" smtClean="0"/>
+              <a:t> </a:t>
+            </a:r>
+            <a:r>
+              <a:rPr lang="de-CH" baseline="0" dirty="0" err="1" smtClean="0"/>
+              <a:t>more</a:t>
+            </a:r>
+            <a:r>
+              <a:rPr lang="de-CH" baseline="0" dirty="0" smtClean="0"/>
+              <a:t> </a:t>
+            </a:r>
+            <a:r>
+              <a:rPr lang="de-CH" baseline="0" dirty="0" err="1" smtClean="0"/>
+              <a:t>applications</a:t>
+            </a:r>
+            <a:r>
+              <a:rPr lang="de-CH" baseline="0" dirty="0" smtClean="0"/>
+              <a:t> </a:t>
+            </a:r>
+            <a:r>
+              <a:rPr lang="de-CH" baseline="0" dirty="0" err="1" smtClean="0"/>
+              <a:t>for</a:t>
+            </a:r>
+            <a:r>
+              <a:rPr lang="de-CH" baseline="0" dirty="0" smtClean="0"/>
+              <a:t> </a:t>
+            </a:r>
+            <a:r>
+              <a:rPr lang="de-CH" baseline="0" dirty="0" err="1" smtClean="0"/>
+              <a:t>our</a:t>
+            </a:r>
+            <a:r>
+              <a:rPr lang="de-CH" baseline="0" dirty="0" smtClean="0"/>
+              <a:t> </a:t>
+            </a:r>
+            <a:r>
+              <a:rPr lang="de-CH" baseline="0" dirty="0" err="1" smtClean="0"/>
+              <a:t>model</a:t>
+            </a:r>
+            <a:endParaRPr lang="de-CH" baseline="0" dirty="0" smtClean="0"/>
+          </a:p>
+          <a:p>
+            <a:r>
+              <a:rPr lang="de-CH" baseline="0" dirty="0" smtClean="0"/>
+              <a:t> </a:t>
+            </a:r>
+          </a:p>
+          <a:p>
+            <a:r>
+              <a:rPr lang="de-CH" baseline="0" dirty="0" err="1" smtClean="0"/>
+              <a:t>first</a:t>
+            </a:r>
+            <a:r>
+              <a:rPr lang="de-CH" baseline="0" dirty="0" smtClean="0"/>
+              <a:t>:</a:t>
+            </a:r>
+          </a:p>
+          <a:p>
+            <a:r>
+              <a:rPr lang="de-CH" baseline="0" dirty="0" smtClean="0">
+                <a:sym typeface="Wingdings" pitchFamily="2" charset="2"/>
+              </a:rPr>
+              <a:t></a:t>
+            </a:r>
+            <a:r>
+              <a:rPr lang="de-CH" baseline="0" dirty="0" smtClean="0"/>
+              <a:t> </a:t>
+            </a:r>
+            <a:r>
+              <a:rPr lang="de-CH" baseline="0" dirty="0" err="1" smtClean="0"/>
+              <a:t>the</a:t>
+            </a:r>
+            <a:r>
+              <a:rPr lang="de-CH" baseline="0" dirty="0" smtClean="0"/>
+              <a:t> </a:t>
+            </a:r>
+            <a:r>
+              <a:rPr lang="de-CH" baseline="0" dirty="0" err="1" smtClean="0"/>
+              <a:t>exits</a:t>
+            </a:r>
+            <a:r>
+              <a:rPr lang="de-CH" baseline="0" dirty="0" smtClean="0"/>
+              <a:t> </a:t>
+            </a:r>
+            <a:r>
+              <a:rPr lang="de-CH" baseline="0" dirty="0" err="1" smtClean="0"/>
+              <a:t>can</a:t>
+            </a:r>
+            <a:r>
+              <a:rPr lang="de-CH" baseline="0" dirty="0" smtClean="0"/>
+              <a:t> </a:t>
+            </a:r>
+            <a:r>
+              <a:rPr lang="de-CH" baseline="0" dirty="0" err="1" smtClean="0"/>
+              <a:t>now</a:t>
+            </a:r>
+            <a:r>
+              <a:rPr lang="de-CH" baseline="0" dirty="0" smtClean="0"/>
+              <a:t> </a:t>
+            </a:r>
+            <a:r>
+              <a:rPr lang="de-CH" baseline="0" dirty="0" err="1" smtClean="0"/>
+              <a:t>be</a:t>
+            </a:r>
+            <a:r>
+              <a:rPr lang="de-CH" baseline="0" dirty="0" smtClean="0"/>
+              <a:t> </a:t>
+            </a:r>
+            <a:r>
+              <a:rPr lang="de-CH" baseline="0" dirty="0" err="1" smtClean="0"/>
+              <a:t>arranged</a:t>
+            </a:r>
+            <a:r>
+              <a:rPr lang="de-CH" baseline="0" dirty="0" smtClean="0"/>
+              <a:t> on </a:t>
+            </a:r>
+            <a:r>
+              <a:rPr lang="de-CH" baseline="0" dirty="0" err="1" smtClean="0"/>
+              <a:t>any</a:t>
+            </a:r>
+            <a:r>
+              <a:rPr lang="de-CH" baseline="0" dirty="0" smtClean="0"/>
+              <a:t> </a:t>
+            </a:r>
+            <a:r>
+              <a:rPr lang="de-CH" baseline="0" dirty="0" err="1" smtClean="0"/>
+              <a:t>floor</a:t>
+            </a:r>
+            <a:r>
+              <a:rPr lang="de-CH" baseline="0" dirty="0" smtClean="0"/>
+              <a:t> </a:t>
+            </a:r>
+            <a:r>
+              <a:rPr lang="de-CH" baseline="0" dirty="0" err="1" smtClean="0"/>
+              <a:t>as</a:t>
+            </a:r>
+            <a:r>
+              <a:rPr lang="de-CH" baseline="0" dirty="0" smtClean="0"/>
+              <a:t> </a:t>
+            </a:r>
+            <a:r>
+              <a:rPr lang="de-CH" baseline="0" dirty="0" err="1" smtClean="0"/>
+              <a:t>long</a:t>
+            </a:r>
+            <a:r>
+              <a:rPr lang="de-CH" baseline="0" dirty="0" smtClean="0"/>
+              <a:t> </a:t>
+            </a:r>
+            <a:r>
+              <a:rPr lang="de-CH" baseline="0" dirty="0" err="1" smtClean="0"/>
+              <a:t>as</a:t>
+            </a:r>
+            <a:r>
+              <a:rPr lang="de-CH" baseline="0" dirty="0" smtClean="0"/>
+              <a:t> </a:t>
+            </a:r>
+            <a:r>
+              <a:rPr lang="de-CH" baseline="0" dirty="0" err="1" smtClean="0"/>
+              <a:t>it</a:t>
+            </a:r>
+            <a:r>
+              <a:rPr lang="de-CH" baseline="0" dirty="0" smtClean="0"/>
+              <a:t> </a:t>
+            </a:r>
+            <a:r>
+              <a:rPr lang="de-CH" baseline="0" dirty="0" err="1" smtClean="0"/>
+              <a:t>is</a:t>
+            </a:r>
+            <a:r>
+              <a:rPr lang="de-CH" baseline="0" dirty="0" smtClean="0"/>
+              <a:t> </a:t>
+            </a:r>
+            <a:r>
+              <a:rPr lang="de-CH" baseline="0" dirty="0" err="1" smtClean="0"/>
+              <a:t>only</a:t>
+            </a:r>
+            <a:r>
+              <a:rPr lang="de-CH" baseline="0" dirty="0" smtClean="0"/>
+              <a:t> </a:t>
+            </a:r>
+            <a:r>
+              <a:rPr lang="de-CH" baseline="0" dirty="0" err="1" smtClean="0"/>
+              <a:t>one</a:t>
+            </a:r>
+            <a:r>
+              <a:rPr lang="de-CH" baseline="0" dirty="0" smtClean="0"/>
+              <a:t> </a:t>
+            </a:r>
+            <a:r>
+              <a:rPr lang="de-CH" baseline="0" dirty="0" err="1" smtClean="0"/>
+              <a:t>floor</a:t>
+            </a:r>
+            <a:endParaRPr lang="de-CH" baseline="0" dirty="0" smtClean="0"/>
+          </a:p>
+          <a:p>
+            <a:r>
+              <a:rPr lang="de-CH" baseline="0" dirty="0" err="1" smtClean="0"/>
+              <a:t>then</a:t>
+            </a:r>
+            <a:r>
+              <a:rPr lang="de-CH" baseline="0" dirty="0" smtClean="0"/>
+              <a:t>:</a:t>
+            </a:r>
+          </a:p>
+          <a:p>
+            <a:r>
+              <a:rPr lang="de-CH" baseline="0" dirty="0" smtClean="0">
+                <a:sym typeface="Wingdings" pitchFamily="2" charset="2"/>
+              </a:rPr>
+              <a:t></a:t>
+            </a:r>
+            <a:r>
+              <a:rPr lang="de-CH" baseline="0" dirty="0" err="1" smtClean="0">
+                <a:sym typeface="Wingdings" pitchFamily="2" charset="2"/>
+              </a:rPr>
+              <a:t>we</a:t>
+            </a:r>
+            <a:r>
+              <a:rPr lang="de-CH" baseline="0" dirty="0" smtClean="0">
+                <a:sym typeface="Wingdings" pitchFamily="2" charset="2"/>
+              </a:rPr>
+              <a:t> </a:t>
+            </a:r>
+            <a:r>
+              <a:rPr lang="de-CH" baseline="0" dirty="0" err="1" smtClean="0">
+                <a:sym typeface="Wingdings" pitchFamily="2" charset="2"/>
+              </a:rPr>
+              <a:t>can</a:t>
+            </a:r>
+            <a:r>
+              <a:rPr lang="de-CH" baseline="0" dirty="0" smtClean="0">
+                <a:sym typeface="Wingdings" pitchFamily="2" charset="2"/>
+              </a:rPr>
+              <a:t> </a:t>
+            </a:r>
+            <a:r>
+              <a:rPr lang="de-CH" baseline="0" dirty="0" err="1" smtClean="0">
+                <a:sym typeface="Wingdings" pitchFamily="2" charset="2"/>
+              </a:rPr>
+              <a:t>have</a:t>
+            </a:r>
+            <a:r>
+              <a:rPr lang="de-CH" baseline="0" dirty="0" smtClean="0">
+                <a:sym typeface="Wingdings" pitchFamily="2" charset="2"/>
+              </a:rPr>
+              <a:t> multiple </a:t>
+            </a:r>
+            <a:r>
+              <a:rPr lang="de-CH" baseline="0" dirty="0" err="1" smtClean="0">
+                <a:sym typeface="Wingdings" pitchFamily="2" charset="2"/>
+              </a:rPr>
+              <a:t>exits</a:t>
+            </a:r>
+            <a:r>
+              <a:rPr lang="de-CH" baseline="0" dirty="0" smtClean="0">
+                <a:sym typeface="Wingdings" pitchFamily="2" charset="2"/>
+              </a:rPr>
+              <a:t> </a:t>
+            </a:r>
+            <a:r>
+              <a:rPr lang="de-CH" baseline="0" dirty="0" err="1" smtClean="0">
+                <a:sym typeface="Wingdings" pitchFamily="2" charset="2"/>
+              </a:rPr>
+              <a:t>and</a:t>
+            </a:r>
+            <a:r>
+              <a:rPr lang="de-CH" baseline="0" dirty="0" smtClean="0">
+                <a:sym typeface="Wingdings" pitchFamily="2" charset="2"/>
+              </a:rPr>
+              <a:t> </a:t>
+            </a:r>
+            <a:r>
+              <a:rPr lang="de-CH" baseline="0" dirty="0" err="1" smtClean="0">
+                <a:sym typeface="Wingdings" pitchFamily="2" charset="2"/>
+              </a:rPr>
+              <a:t>to</a:t>
+            </a:r>
+            <a:r>
+              <a:rPr lang="de-CH" baseline="0" dirty="0" smtClean="0">
+                <a:sym typeface="Wingdings" pitchFamily="2" charset="2"/>
+              </a:rPr>
+              <a:t> </a:t>
+            </a:r>
+            <a:r>
+              <a:rPr lang="de-CH" baseline="0" dirty="0" err="1" smtClean="0">
+                <a:sym typeface="Wingdings" pitchFamily="2" charset="2"/>
+              </a:rPr>
+              <a:t>make</a:t>
+            </a:r>
+            <a:r>
+              <a:rPr lang="de-CH" baseline="0" dirty="0" smtClean="0">
+                <a:sym typeface="Wingdings" pitchFamily="2" charset="2"/>
+              </a:rPr>
+              <a:t> a </a:t>
+            </a:r>
+            <a:r>
+              <a:rPr lang="de-CH" baseline="0" dirty="0" err="1" smtClean="0">
+                <a:sym typeface="Wingdings" pitchFamily="2" charset="2"/>
+              </a:rPr>
+              <a:t>specific</a:t>
+            </a:r>
+            <a:r>
+              <a:rPr lang="de-CH" baseline="0" dirty="0" smtClean="0">
+                <a:sym typeface="Wingdings" pitchFamily="2" charset="2"/>
+              </a:rPr>
+              <a:t>  </a:t>
+            </a:r>
+            <a:r>
+              <a:rPr lang="de-CH" baseline="0" dirty="0" err="1" smtClean="0">
+                <a:sym typeface="Wingdings" pitchFamily="2" charset="2"/>
+              </a:rPr>
+              <a:t>access</a:t>
+            </a:r>
+            <a:r>
+              <a:rPr lang="de-CH" baseline="0" dirty="0" smtClean="0">
+                <a:sym typeface="Wingdings" pitchFamily="2" charset="2"/>
+              </a:rPr>
+              <a:t> </a:t>
+            </a:r>
+            <a:r>
+              <a:rPr lang="de-CH" baseline="0" dirty="0" err="1" smtClean="0">
+                <a:sym typeface="Wingdings" pitchFamily="2" charset="2"/>
+              </a:rPr>
+              <a:t>possible</a:t>
+            </a:r>
+            <a:r>
+              <a:rPr lang="de-CH" baseline="0" dirty="0" smtClean="0">
+                <a:sym typeface="Wingdings" pitchFamily="2" charset="2"/>
+              </a:rPr>
+              <a:t>, </a:t>
+            </a:r>
+            <a:r>
+              <a:rPr lang="de-CH" baseline="0" dirty="0" err="1" smtClean="0">
+                <a:sym typeface="Wingdings" pitchFamily="2" charset="2"/>
+              </a:rPr>
+              <a:t>we</a:t>
+            </a:r>
+            <a:r>
+              <a:rPr lang="de-CH" baseline="0" dirty="0" smtClean="0">
+                <a:sym typeface="Wingdings" pitchFamily="2" charset="2"/>
+              </a:rPr>
+              <a:t> </a:t>
+            </a:r>
+            <a:r>
+              <a:rPr lang="de-CH" baseline="0" dirty="0" err="1" smtClean="0">
+                <a:sym typeface="Wingdings" pitchFamily="2" charset="2"/>
+              </a:rPr>
+              <a:t>gave</a:t>
+            </a:r>
+            <a:r>
+              <a:rPr lang="de-CH" baseline="0" dirty="0" smtClean="0">
+                <a:sym typeface="Wingdings" pitchFamily="2" charset="2"/>
+              </a:rPr>
+              <a:t> </a:t>
+            </a:r>
+            <a:r>
+              <a:rPr lang="de-CH" baseline="0" dirty="0" err="1" smtClean="0">
+                <a:sym typeface="Wingdings" pitchFamily="2" charset="2"/>
+              </a:rPr>
+              <a:t>each</a:t>
+            </a:r>
+            <a:r>
+              <a:rPr lang="de-CH" baseline="0" dirty="0" smtClean="0">
+                <a:sym typeface="Wingdings" pitchFamily="2" charset="2"/>
+              </a:rPr>
+              <a:t> </a:t>
+            </a:r>
+            <a:r>
+              <a:rPr lang="de-CH" baseline="0" dirty="0" err="1" smtClean="0">
+                <a:sym typeface="Wingdings" pitchFamily="2" charset="2"/>
+              </a:rPr>
+              <a:t>exit</a:t>
+            </a:r>
+            <a:r>
+              <a:rPr lang="de-CH" baseline="0" dirty="0" smtClean="0">
+                <a:sym typeface="Wingdings" pitchFamily="2" charset="2"/>
+              </a:rPr>
+              <a:t> a </a:t>
+            </a:r>
+            <a:r>
+              <a:rPr lang="de-CH" baseline="0" dirty="0" err="1" smtClean="0">
+                <a:sym typeface="Wingdings" pitchFamily="2" charset="2"/>
+              </a:rPr>
+              <a:t>number</a:t>
+            </a:r>
+            <a:endParaRPr lang="de-CH" baseline="0" dirty="0" smtClean="0">
+              <a:sym typeface="Wingdings" pitchFamily="2" charset="2"/>
+            </a:endParaRPr>
+          </a:p>
+          <a:p>
+            <a:r>
+              <a:rPr lang="de-CH" baseline="0" dirty="0" err="1" smtClean="0">
+                <a:sym typeface="Wingdings" pitchFamily="2" charset="2"/>
+              </a:rPr>
+              <a:t>and</a:t>
+            </a:r>
+            <a:r>
+              <a:rPr lang="de-CH" baseline="0" dirty="0" smtClean="0">
+                <a:sym typeface="Wingdings" pitchFamily="2" charset="2"/>
+              </a:rPr>
+              <a:t> </a:t>
+            </a:r>
+            <a:r>
+              <a:rPr lang="de-CH" baseline="0" dirty="0" err="1" smtClean="0">
+                <a:sym typeface="Wingdings" pitchFamily="2" charset="2"/>
+              </a:rPr>
+              <a:t>finally</a:t>
+            </a:r>
+            <a:r>
+              <a:rPr lang="de-CH" baseline="0" dirty="0" smtClean="0">
+                <a:sym typeface="Wingdings" pitchFamily="2" charset="2"/>
+              </a:rPr>
+              <a:t>:</a:t>
+            </a:r>
+          </a:p>
+          <a:p>
+            <a:pPr marL="171450" indent="-171450">
+              <a:buFont typeface="Wingdings"/>
+              <a:buChar char="à"/>
+            </a:pPr>
+            <a:r>
+              <a:rPr lang="de-CH" baseline="0" dirty="0" err="1" smtClean="0">
+                <a:sym typeface="Wingdings" pitchFamily="2" charset="2"/>
+              </a:rPr>
+              <a:t>it</a:t>
+            </a:r>
+            <a:r>
+              <a:rPr lang="de-CH" baseline="0" dirty="0" smtClean="0">
+                <a:sym typeface="Wingdings" pitchFamily="2" charset="2"/>
+              </a:rPr>
+              <a:t> </a:t>
+            </a:r>
+            <a:r>
+              <a:rPr lang="de-CH" baseline="0" dirty="0" err="1" smtClean="0">
+                <a:sym typeface="Wingdings" pitchFamily="2" charset="2"/>
+              </a:rPr>
+              <a:t>is</a:t>
+            </a:r>
+            <a:r>
+              <a:rPr lang="de-CH" baseline="0" dirty="0" smtClean="0">
+                <a:sym typeface="Wingdings" pitchFamily="2" charset="2"/>
+              </a:rPr>
+              <a:t> </a:t>
+            </a:r>
+            <a:r>
+              <a:rPr lang="de-CH" baseline="0" dirty="0" err="1" smtClean="0">
+                <a:sym typeface="Wingdings" pitchFamily="2" charset="2"/>
+              </a:rPr>
+              <a:t>now</a:t>
+            </a:r>
+            <a:r>
+              <a:rPr lang="de-CH" baseline="0" dirty="0" smtClean="0">
+                <a:sym typeface="Wingdings" pitchFamily="2" charset="2"/>
+              </a:rPr>
+              <a:t> </a:t>
+            </a:r>
+            <a:r>
+              <a:rPr lang="de-CH" baseline="0" dirty="0" err="1" smtClean="0">
+                <a:sym typeface="Wingdings" pitchFamily="2" charset="2"/>
+              </a:rPr>
+              <a:t>possible</a:t>
+            </a:r>
+            <a:r>
+              <a:rPr lang="de-CH" baseline="0" dirty="0" smtClean="0">
+                <a:sym typeface="Wingdings" pitchFamily="2" charset="2"/>
+              </a:rPr>
+              <a:t> </a:t>
+            </a:r>
+            <a:r>
+              <a:rPr lang="de-CH" baseline="0" dirty="0" err="1" smtClean="0">
+                <a:sym typeface="Wingdings" pitchFamily="2" charset="2"/>
+              </a:rPr>
+              <a:t>to</a:t>
+            </a:r>
+            <a:r>
+              <a:rPr lang="de-CH" baseline="0" dirty="0" smtClean="0">
+                <a:sym typeface="Wingdings" pitchFamily="2" charset="2"/>
+              </a:rPr>
+              <a:t> </a:t>
+            </a:r>
+            <a:r>
+              <a:rPr lang="de-CH" baseline="0" dirty="0" err="1" smtClean="0">
+                <a:sym typeface="Wingdings" pitchFamily="2" charset="2"/>
+              </a:rPr>
+              <a:t>close</a:t>
+            </a:r>
+            <a:r>
+              <a:rPr lang="de-CH" baseline="0" dirty="0" smtClean="0">
+                <a:sym typeface="Wingdings" pitchFamily="2" charset="2"/>
+              </a:rPr>
+              <a:t> </a:t>
+            </a:r>
+            <a:r>
+              <a:rPr lang="de-CH" baseline="0" dirty="0" err="1" smtClean="0">
+                <a:sym typeface="Wingdings" pitchFamily="2" charset="2"/>
+              </a:rPr>
+              <a:t>exits</a:t>
+            </a:r>
+            <a:r>
+              <a:rPr lang="de-CH" baseline="0" dirty="0" smtClean="0">
+                <a:sym typeface="Wingdings" pitchFamily="2" charset="2"/>
+              </a:rPr>
+              <a:t> </a:t>
+            </a:r>
+            <a:r>
+              <a:rPr lang="de-CH" baseline="0" dirty="0" err="1" smtClean="0">
+                <a:sym typeface="Wingdings" pitchFamily="2" charset="2"/>
+              </a:rPr>
+              <a:t>during</a:t>
+            </a:r>
+            <a:r>
+              <a:rPr lang="de-CH" baseline="0" dirty="0" smtClean="0">
+                <a:sym typeface="Wingdings" pitchFamily="2" charset="2"/>
+              </a:rPr>
+              <a:t> </a:t>
+            </a:r>
+            <a:r>
+              <a:rPr lang="de-CH" baseline="0" dirty="0" err="1" smtClean="0">
+                <a:sym typeface="Wingdings" pitchFamily="2" charset="2"/>
+              </a:rPr>
+              <a:t>the</a:t>
+            </a:r>
+            <a:r>
+              <a:rPr lang="de-CH" baseline="0" dirty="0" smtClean="0">
+                <a:sym typeface="Wingdings" pitchFamily="2" charset="2"/>
+              </a:rPr>
+              <a:t> </a:t>
+            </a:r>
+            <a:r>
+              <a:rPr lang="de-CH" baseline="0" dirty="0" err="1" smtClean="0">
+                <a:sym typeface="Wingdings" pitchFamily="2" charset="2"/>
+              </a:rPr>
+              <a:t>simulation</a:t>
+            </a:r>
+            <a:r>
+              <a:rPr lang="de-CH" baseline="0" dirty="0" smtClean="0">
+                <a:sym typeface="Wingdings" pitchFamily="2" charset="2"/>
+              </a:rPr>
+              <a:t> </a:t>
+            </a:r>
+            <a:r>
+              <a:rPr lang="de-CH" baseline="0" dirty="0" err="1" smtClean="0">
+                <a:sym typeface="Wingdings" pitchFamily="2" charset="2"/>
+              </a:rPr>
+              <a:t>by</a:t>
+            </a:r>
+            <a:r>
+              <a:rPr lang="de-CH" baseline="0" dirty="0" smtClean="0">
+                <a:sym typeface="Wingdings" pitchFamily="2" charset="2"/>
+              </a:rPr>
+              <a:t> </a:t>
+            </a:r>
+            <a:r>
+              <a:rPr lang="de-CH" baseline="0" dirty="0" err="1" smtClean="0">
+                <a:sym typeface="Wingdings" pitchFamily="2" charset="2"/>
+              </a:rPr>
+              <a:t>changing</a:t>
+            </a:r>
+            <a:r>
+              <a:rPr lang="de-CH" baseline="0" dirty="0" smtClean="0">
+                <a:sym typeface="Wingdings" pitchFamily="2" charset="2"/>
+              </a:rPr>
+              <a:t> </a:t>
+            </a:r>
+            <a:r>
+              <a:rPr lang="de-CH" baseline="0" dirty="0" err="1" smtClean="0">
+                <a:sym typeface="Wingdings" pitchFamily="2" charset="2"/>
+              </a:rPr>
+              <a:t>them</a:t>
+            </a:r>
+            <a:r>
+              <a:rPr lang="de-CH" baseline="0" dirty="0" smtClean="0">
+                <a:sym typeface="Wingdings" pitchFamily="2" charset="2"/>
+              </a:rPr>
+              <a:t> </a:t>
+            </a:r>
+            <a:r>
+              <a:rPr lang="de-CH" baseline="0" dirty="0" err="1" smtClean="0">
+                <a:sym typeface="Wingdings" pitchFamily="2" charset="2"/>
+              </a:rPr>
+              <a:t>into</a:t>
+            </a:r>
+            <a:r>
+              <a:rPr lang="de-CH" baseline="0" dirty="0" smtClean="0">
+                <a:sym typeface="Wingdings" pitchFamily="2" charset="2"/>
+              </a:rPr>
+              <a:t> </a:t>
+            </a:r>
+            <a:r>
+              <a:rPr lang="de-CH" baseline="0" dirty="0" err="1" smtClean="0">
+                <a:sym typeface="Wingdings" pitchFamily="2" charset="2"/>
+              </a:rPr>
+              <a:t>walls</a:t>
+            </a:r>
+            <a:r>
+              <a:rPr lang="de-CH" baseline="0" dirty="0" smtClean="0">
+                <a:sym typeface="Wingdings" pitchFamily="2" charset="2"/>
+              </a:rPr>
+              <a:t>. </a:t>
+            </a:r>
+          </a:p>
+          <a:p>
+            <a:pPr marL="0" indent="0">
+              <a:buFont typeface="Wingdings"/>
+              <a:buNone/>
+            </a:pPr>
+            <a:r>
+              <a:rPr lang="de-CH" baseline="0" dirty="0" err="1" smtClean="0">
+                <a:sym typeface="Wingdings" pitchFamily="2" charset="2"/>
+              </a:rPr>
+              <a:t>for</a:t>
+            </a:r>
+            <a:r>
+              <a:rPr lang="de-CH" baseline="0" dirty="0" smtClean="0">
+                <a:sym typeface="Wingdings" pitchFamily="2" charset="2"/>
+              </a:rPr>
+              <a:t> </a:t>
+            </a:r>
+            <a:r>
+              <a:rPr lang="de-CH" baseline="0" dirty="0" err="1" smtClean="0">
+                <a:sym typeface="Wingdings" pitchFamily="2" charset="2"/>
+              </a:rPr>
+              <a:t>our</a:t>
+            </a:r>
+            <a:r>
+              <a:rPr lang="de-CH" baseline="0" dirty="0" smtClean="0">
+                <a:sym typeface="Wingdings" pitchFamily="2" charset="2"/>
+              </a:rPr>
+              <a:t> </a:t>
+            </a:r>
+            <a:r>
+              <a:rPr lang="de-CH" baseline="0" dirty="0" err="1" smtClean="0">
+                <a:sym typeface="Wingdings" pitchFamily="2" charset="2"/>
+              </a:rPr>
+              <a:t>standard</a:t>
+            </a:r>
+            <a:r>
+              <a:rPr lang="de-CH" baseline="0" dirty="0" smtClean="0">
+                <a:sym typeface="Wingdings" pitchFamily="2" charset="2"/>
+              </a:rPr>
+              <a:t> </a:t>
+            </a:r>
+            <a:r>
+              <a:rPr lang="de-CH" baseline="0" dirty="0" err="1" smtClean="0">
+                <a:sym typeface="Wingdings" pitchFamily="2" charset="2"/>
+              </a:rPr>
+              <a:t>simulation</a:t>
+            </a:r>
+            <a:r>
+              <a:rPr lang="de-CH" baseline="0" dirty="0" smtClean="0">
+                <a:sym typeface="Wingdings" pitchFamily="2" charset="2"/>
+              </a:rPr>
+              <a:t>, </a:t>
+            </a:r>
+            <a:r>
+              <a:rPr lang="de-CH" baseline="0" dirty="0" err="1" smtClean="0">
+                <a:sym typeface="Wingdings" pitchFamily="2" charset="2"/>
+              </a:rPr>
+              <a:t>we</a:t>
+            </a:r>
+            <a:r>
+              <a:rPr lang="de-CH" baseline="0" dirty="0" smtClean="0">
+                <a:sym typeface="Wingdings" pitchFamily="2" charset="2"/>
+              </a:rPr>
+              <a:t> </a:t>
+            </a:r>
+            <a:r>
+              <a:rPr lang="de-CH" baseline="0" dirty="0" err="1" smtClean="0">
+                <a:sym typeface="Wingdings" pitchFamily="2" charset="2"/>
+              </a:rPr>
+              <a:t>let</a:t>
+            </a:r>
+            <a:r>
+              <a:rPr lang="de-CH" baseline="0" dirty="0" smtClean="0">
+                <a:sym typeface="Wingdings" pitchFamily="2" charset="2"/>
+              </a:rPr>
+              <a:t> </a:t>
+            </a:r>
+            <a:r>
+              <a:rPr lang="de-CH" baseline="0" dirty="0" err="1" smtClean="0">
+                <a:sym typeface="Wingdings" pitchFamily="2" charset="2"/>
+              </a:rPr>
+              <a:t>the</a:t>
+            </a:r>
+            <a:r>
+              <a:rPr lang="de-CH" baseline="0" dirty="0" smtClean="0">
+                <a:sym typeface="Wingdings" pitchFamily="2" charset="2"/>
+              </a:rPr>
+              <a:t> </a:t>
+            </a:r>
+            <a:r>
+              <a:rPr lang="de-CH" baseline="0" dirty="0" err="1" smtClean="0">
+                <a:sym typeface="Wingdings" pitchFamily="2" charset="2"/>
+              </a:rPr>
+              <a:t>exits</a:t>
+            </a:r>
+            <a:r>
+              <a:rPr lang="de-CH" baseline="0" dirty="0" smtClean="0">
+                <a:sym typeface="Wingdings" pitchFamily="2" charset="2"/>
+              </a:rPr>
+              <a:t> (</a:t>
+            </a:r>
+            <a:r>
+              <a:rPr lang="de-CH" baseline="0" dirty="0" err="1" smtClean="0">
+                <a:sym typeface="Wingdings" pitchFamily="2" charset="2"/>
+              </a:rPr>
+              <a:t>which</a:t>
+            </a:r>
+            <a:r>
+              <a:rPr lang="de-CH" baseline="0" dirty="0" smtClean="0">
+                <a:sym typeface="Wingdings" pitchFamily="2" charset="2"/>
+              </a:rPr>
+              <a:t> </a:t>
+            </a:r>
+            <a:r>
+              <a:rPr lang="de-CH" baseline="0" dirty="0" err="1" smtClean="0">
+                <a:sym typeface="Wingdings" pitchFamily="2" charset="2"/>
+              </a:rPr>
+              <a:t>represent</a:t>
+            </a:r>
+            <a:r>
+              <a:rPr lang="de-CH" baseline="0" dirty="0" smtClean="0">
+                <a:sym typeface="Wingdings" pitchFamily="2" charset="2"/>
+              </a:rPr>
+              <a:t> </a:t>
+            </a:r>
+            <a:r>
+              <a:rPr lang="de-CH" baseline="0" dirty="0" err="1" smtClean="0">
+                <a:sym typeface="Wingdings" pitchFamily="2" charset="2"/>
+              </a:rPr>
+              <a:t>the</a:t>
+            </a:r>
+            <a:r>
+              <a:rPr lang="de-CH" baseline="0" dirty="0" smtClean="0">
+                <a:sym typeface="Wingdings" pitchFamily="2" charset="2"/>
+              </a:rPr>
+              <a:t> </a:t>
+            </a:r>
+            <a:r>
+              <a:rPr lang="de-CH" baseline="0" dirty="0" err="1" smtClean="0">
+                <a:sym typeface="Wingdings" pitchFamily="2" charset="2"/>
+              </a:rPr>
+              <a:t>lifeboats</a:t>
+            </a:r>
+            <a:r>
+              <a:rPr lang="de-CH" baseline="0" dirty="0" smtClean="0">
+                <a:sym typeface="Wingdings" pitchFamily="2" charset="2"/>
+              </a:rPr>
+              <a:t>) </a:t>
+            </a:r>
+            <a:r>
+              <a:rPr lang="de-CH" baseline="0" dirty="0" err="1" smtClean="0">
+                <a:sym typeface="Wingdings" pitchFamily="2" charset="2"/>
+              </a:rPr>
+              <a:t>close</a:t>
+            </a:r>
+            <a:r>
+              <a:rPr lang="de-CH" baseline="0" dirty="0" smtClean="0">
+                <a:sym typeface="Wingdings" pitchFamily="2" charset="2"/>
+              </a:rPr>
+              <a:t>, </a:t>
+            </a:r>
+            <a:r>
+              <a:rPr lang="de-CH" baseline="0" dirty="0" err="1" smtClean="0">
+                <a:sym typeface="Wingdings" pitchFamily="2" charset="2"/>
+              </a:rPr>
+              <a:t>as</a:t>
+            </a:r>
+            <a:r>
+              <a:rPr lang="de-CH" baseline="0" dirty="0" smtClean="0">
+                <a:sym typeface="Wingdings" pitchFamily="2" charset="2"/>
+              </a:rPr>
+              <a:t> </a:t>
+            </a:r>
+            <a:r>
+              <a:rPr lang="de-CH" baseline="0" dirty="0" err="1" smtClean="0">
+                <a:sym typeface="Wingdings" pitchFamily="2" charset="2"/>
+              </a:rPr>
+              <a:t>soon</a:t>
+            </a:r>
+            <a:r>
+              <a:rPr lang="de-CH" baseline="0" dirty="0" smtClean="0">
+                <a:sym typeface="Wingdings" pitchFamily="2" charset="2"/>
+              </a:rPr>
+              <a:t> </a:t>
+            </a:r>
+            <a:r>
+              <a:rPr lang="de-CH" baseline="0" dirty="0" err="1" smtClean="0">
+                <a:sym typeface="Wingdings" pitchFamily="2" charset="2"/>
+              </a:rPr>
+              <a:t>as</a:t>
+            </a:r>
+            <a:r>
+              <a:rPr lang="de-CH" baseline="0" dirty="0" smtClean="0">
+                <a:sym typeface="Wingdings" pitchFamily="2" charset="2"/>
+              </a:rPr>
+              <a:t> </a:t>
+            </a:r>
+            <a:r>
+              <a:rPr lang="de-CH" baseline="0" dirty="0" err="1" smtClean="0">
+                <a:sym typeface="Wingdings" pitchFamily="2" charset="2"/>
+              </a:rPr>
+              <a:t>they</a:t>
+            </a:r>
+            <a:r>
+              <a:rPr lang="de-CH" baseline="0" dirty="0" smtClean="0">
+                <a:sym typeface="Wingdings" pitchFamily="2" charset="2"/>
+              </a:rPr>
+              <a:t> </a:t>
+            </a:r>
+            <a:r>
+              <a:rPr lang="de-CH" baseline="0" dirty="0" err="1" smtClean="0">
+                <a:sym typeface="Wingdings" pitchFamily="2" charset="2"/>
+              </a:rPr>
+              <a:t>are</a:t>
+            </a:r>
+            <a:r>
+              <a:rPr lang="de-CH" baseline="0" dirty="0" smtClean="0">
+                <a:sym typeface="Wingdings" pitchFamily="2" charset="2"/>
+              </a:rPr>
+              <a:t> </a:t>
+            </a:r>
+            <a:r>
+              <a:rPr lang="de-CH" baseline="0" dirty="0" err="1" smtClean="0">
+                <a:sym typeface="Wingdings" pitchFamily="2" charset="2"/>
+              </a:rPr>
+              <a:t>full</a:t>
+            </a:r>
+            <a:r>
+              <a:rPr lang="de-CH" baseline="0" dirty="0" smtClean="0">
+                <a:sym typeface="Wingdings" pitchFamily="2" charset="2"/>
+              </a:rPr>
+              <a:t>.</a:t>
+            </a:r>
+            <a:endParaRPr lang="de-CH" baseline="0" dirty="0" smtClean="0"/>
+          </a:p>
+          <a:p>
+            <a:endParaRPr lang="de-CH" baseline="0" dirty="0" smtClean="0"/>
+          </a:p>
+        </p:txBody>
+      </p:sp>
+      <p:sp>
+        <p:nvSpPr>
+          <p:cNvPr id="4" name="Foliennummernplatzhalter 3"/>
+          <p:cNvSpPr>
+            <a:spLocks noGrp="1"/>
+          </p:cNvSpPr>
+          <p:nvPr>
+            <p:ph type="sldNum" sz="quarter" idx="10"/>
+          </p:nvPr>
+        </p:nvSpPr>
+        <p:spPr/>
+        <p:txBody>
+          <a:bodyPr/>
+          <a:lstStyle/>
+          <a:p>
+            <a:fld id="{A8D55AEB-4C5B-4848-860D-E778DA222F2E}" type="slidenum">
+              <a:rPr lang="en-GB" smtClean="0"/>
+              <a:t>3</a:t>
+            </a:fld>
+            <a:endParaRPr lang="en-GB"/>
+          </a:p>
+        </p:txBody>
+      </p:sp>
+    </p:spTree>
+    <p:extLst>
+      <p:ext uri="{BB962C8B-B14F-4D97-AF65-F5344CB8AC3E}">
+        <p14:creationId xmlns:p14="http://schemas.microsoft.com/office/powerpoint/2010/main" val="2634944943"/>
+      </p:ext>
+    </p:extLst>
+  </p:cSld>
+  <p:clrMapOvr>
+    <a:masterClrMapping/>
+  </p:clrMapOvr>
+</p:notes>
+</file>
+
+<file path=ppt/notesSlides/notesSlide4.xml><?xml version="1.0" encoding="utf-8"?>
+<p:notes xmlns:a="http://schemas.openxmlformats.org/drawingml/2006/main" xmlns:r="http://schemas.openxmlformats.org/officeDocument/2006/relationships" xmlns:p="http://schemas.openxmlformats.org/presentationml/2006/main">
+  <p:cSld>
+    <p:spTree>
+      <p:nvGrpSpPr>
+        <p:cNvPr id="1" name=""/>
+        <p:cNvGrpSpPr/>
+        <p:nvPr/>
+      </p:nvGrpSpPr>
+      <p:grpSpPr>
+        <a:xfrm>
+          <a:off x="0" y="0"/>
+          <a:ext cx="0" cy="0"/>
+          <a:chOff x="0" y="0"/>
+          <a:chExt cx="0" cy="0"/>
+        </a:xfrm>
+      </p:grpSpPr>
+      <p:sp>
+        <p:nvSpPr>
+          <p:cNvPr id="2" name="Folienbildplatzhalter 1"/>
+          <p:cNvSpPr>
+            <a:spLocks noGrp="1" noRot="1" noChangeAspect="1"/>
+          </p:cNvSpPr>
+          <p:nvPr>
+            <p:ph type="sldImg"/>
+          </p:nvPr>
+        </p:nvSpPr>
+        <p:spPr/>
+      </p:sp>
+      <p:sp>
+        <p:nvSpPr>
+          <p:cNvPr id="3" name="Notizenplatzhalter 2"/>
+          <p:cNvSpPr>
+            <a:spLocks noGrp="1"/>
+          </p:cNvSpPr>
+          <p:nvPr>
+            <p:ph type="body" idx="1"/>
+          </p:nvPr>
+        </p:nvSpPr>
+        <p:spPr/>
+        <p:txBody>
+          <a:bodyPr/>
+          <a:lstStyle/>
+          <a:p>
+            <a:r>
+              <a:rPr lang="de-CH" baseline="0" dirty="0" err="1" smtClean="0"/>
+              <a:t>during</a:t>
+            </a:r>
+            <a:r>
+              <a:rPr lang="de-CH" baseline="0" dirty="0" smtClean="0"/>
+              <a:t> </a:t>
+            </a:r>
+            <a:r>
+              <a:rPr lang="de-CH" baseline="0" dirty="0" err="1" smtClean="0"/>
+              <a:t>our</a:t>
+            </a:r>
+            <a:r>
+              <a:rPr lang="de-CH" baseline="0" dirty="0" smtClean="0"/>
+              <a:t> </a:t>
+            </a:r>
+            <a:r>
+              <a:rPr lang="de-CH" baseline="0" dirty="0" err="1" smtClean="0"/>
+              <a:t>simulation</a:t>
+            </a:r>
+            <a:r>
+              <a:rPr lang="de-CH" baseline="0" dirty="0" smtClean="0"/>
+              <a:t> </a:t>
+            </a:r>
+            <a:r>
+              <a:rPr lang="de-CH" baseline="0" dirty="0" err="1" smtClean="0"/>
+              <a:t>we</a:t>
+            </a:r>
+            <a:r>
+              <a:rPr lang="de-CH" baseline="0" dirty="0" smtClean="0"/>
+              <a:t> </a:t>
+            </a:r>
+            <a:r>
+              <a:rPr lang="de-CH" baseline="0" dirty="0" err="1" smtClean="0"/>
+              <a:t>realized</a:t>
+            </a:r>
+            <a:r>
+              <a:rPr lang="de-CH" baseline="0" dirty="0" smtClean="0"/>
+              <a:t> </a:t>
+            </a:r>
+            <a:r>
+              <a:rPr lang="de-CH" baseline="0" dirty="0" err="1" smtClean="0"/>
+              <a:t>that</a:t>
+            </a:r>
+            <a:r>
+              <a:rPr lang="de-CH" baseline="0" dirty="0" smtClean="0"/>
+              <a:t> </a:t>
+            </a:r>
+            <a:r>
+              <a:rPr lang="de-CH" baseline="0" dirty="0" err="1" smtClean="0"/>
+              <a:t>we</a:t>
+            </a:r>
+            <a:r>
+              <a:rPr lang="de-CH" baseline="0" dirty="0" smtClean="0"/>
+              <a:t> </a:t>
+            </a:r>
+            <a:r>
+              <a:rPr lang="de-CH" baseline="0" dirty="0" err="1" smtClean="0"/>
+              <a:t>have</a:t>
+            </a:r>
+            <a:r>
+              <a:rPr lang="de-CH" baseline="0" dirty="0" smtClean="0"/>
+              <a:t> </a:t>
+            </a:r>
+            <a:r>
+              <a:rPr lang="de-CH" baseline="0" dirty="0" err="1" smtClean="0"/>
+              <a:t>far</a:t>
+            </a:r>
+            <a:r>
+              <a:rPr lang="de-CH" baseline="0" dirty="0" smtClean="0"/>
+              <a:t> </a:t>
+            </a:r>
+            <a:r>
+              <a:rPr lang="de-CH" baseline="0" dirty="0" err="1" smtClean="0"/>
+              <a:t>more</a:t>
+            </a:r>
+            <a:r>
+              <a:rPr lang="de-CH" baseline="0" dirty="0" smtClean="0"/>
+              <a:t> </a:t>
+            </a:r>
+            <a:r>
+              <a:rPr lang="de-CH" baseline="0" dirty="0" err="1" smtClean="0"/>
+              <a:t>problems</a:t>
+            </a:r>
+            <a:r>
+              <a:rPr lang="de-CH" baseline="0" dirty="0" smtClean="0"/>
+              <a:t> </a:t>
+            </a:r>
+            <a:r>
+              <a:rPr lang="de-CH" baseline="0" dirty="0" err="1" smtClean="0"/>
+              <a:t>with</a:t>
+            </a:r>
+            <a:r>
+              <a:rPr lang="de-CH" baseline="0" dirty="0" smtClean="0"/>
+              <a:t> </a:t>
+            </a:r>
+            <a:r>
+              <a:rPr lang="de-CH" baseline="0" dirty="0" err="1" smtClean="0"/>
+              <a:t>clogging</a:t>
+            </a:r>
+            <a:r>
+              <a:rPr lang="de-CH" baseline="0" dirty="0" smtClean="0"/>
+              <a:t> </a:t>
+            </a:r>
+            <a:r>
+              <a:rPr lang="de-CH" baseline="0" dirty="0" err="1" smtClean="0"/>
+              <a:t>agents</a:t>
+            </a:r>
+            <a:r>
+              <a:rPr lang="de-CH" baseline="0" dirty="0" smtClean="0"/>
+              <a:t> </a:t>
+            </a:r>
+            <a:r>
+              <a:rPr lang="de-CH" baseline="0" dirty="0" err="1" smtClean="0"/>
+              <a:t>as</a:t>
+            </a:r>
+            <a:r>
+              <a:rPr lang="de-CH" baseline="0" dirty="0" smtClean="0"/>
+              <a:t> </a:t>
+            </a:r>
+            <a:r>
+              <a:rPr lang="de-CH" baseline="0" dirty="0" err="1" smtClean="0"/>
+              <a:t>the</a:t>
+            </a:r>
+            <a:r>
+              <a:rPr lang="de-CH" baseline="0" dirty="0" smtClean="0"/>
+              <a:t> </a:t>
+            </a:r>
+            <a:r>
+              <a:rPr lang="de-CH" baseline="0" dirty="0" err="1" smtClean="0"/>
+              <a:t>group</a:t>
+            </a:r>
+            <a:r>
+              <a:rPr lang="de-CH" baseline="0" dirty="0" smtClean="0"/>
+              <a:t> </a:t>
+            </a:r>
+            <a:r>
+              <a:rPr lang="de-CH" baseline="0" dirty="0" err="1" smtClean="0"/>
+              <a:t>we</a:t>
+            </a:r>
+            <a:r>
+              <a:rPr lang="de-CH" baseline="0" dirty="0" smtClean="0"/>
+              <a:t> </a:t>
+            </a:r>
+            <a:r>
+              <a:rPr lang="de-CH" baseline="0" dirty="0" err="1" smtClean="0"/>
+              <a:t>based</a:t>
+            </a:r>
+            <a:r>
+              <a:rPr lang="de-CH" baseline="0" dirty="0" smtClean="0"/>
+              <a:t> </a:t>
+            </a:r>
+            <a:r>
+              <a:rPr lang="de-CH" baseline="0" dirty="0" err="1" smtClean="0"/>
+              <a:t>our</a:t>
+            </a:r>
+            <a:r>
+              <a:rPr lang="de-CH" baseline="0" dirty="0" smtClean="0"/>
+              <a:t> </a:t>
+            </a:r>
+            <a:r>
+              <a:rPr lang="de-CH" baseline="0" dirty="0" err="1" smtClean="0"/>
+              <a:t>work</a:t>
+            </a:r>
+            <a:r>
+              <a:rPr lang="de-CH" baseline="0" dirty="0" smtClean="0"/>
+              <a:t> on </a:t>
+            </a:r>
+            <a:r>
+              <a:rPr lang="de-CH" baseline="0" dirty="0" err="1" smtClean="0"/>
+              <a:t>had</a:t>
+            </a:r>
+            <a:r>
+              <a:rPr lang="de-CH" baseline="0" dirty="0" smtClean="0"/>
+              <a:t>. </a:t>
+            </a:r>
+          </a:p>
+          <a:p>
+            <a:r>
+              <a:rPr lang="de-CH" baseline="0" dirty="0" smtClean="0"/>
+              <a:t>This </a:t>
+            </a:r>
+            <a:r>
+              <a:rPr lang="de-CH" baseline="0" dirty="0" err="1" smtClean="0"/>
+              <a:t>is</a:t>
+            </a:r>
+            <a:r>
+              <a:rPr lang="de-CH" baseline="0" dirty="0" smtClean="0"/>
+              <a:t> </a:t>
+            </a:r>
+            <a:r>
+              <a:rPr lang="de-CH" baseline="0" dirty="0" err="1" smtClean="0"/>
+              <a:t>probably</a:t>
+            </a:r>
+            <a:r>
+              <a:rPr lang="de-CH" baseline="0" dirty="0" smtClean="0"/>
+              <a:t> due </a:t>
+            </a:r>
+            <a:r>
+              <a:rPr lang="de-CH" baseline="0" dirty="0" err="1" smtClean="0"/>
+              <a:t>to</a:t>
+            </a:r>
+            <a:r>
+              <a:rPr lang="de-CH" baseline="0" dirty="0" smtClean="0"/>
+              <a:t> </a:t>
+            </a:r>
+            <a:r>
+              <a:rPr lang="de-CH" baseline="0" dirty="0" err="1" smtClean="0"/>
+              <a:t>the</a:t>
+            </a:r>
+            <a:r>
+              <a:rPr lang="de-CH" baseline="0" dirty="0" smtClean="0"/>
+              <a:t> </a:t>
+            </a:r>
+            <a:r>
+              <a:rPr lang="de-CH" baseline="0" dirty="0" err="1" smtClean="0"/>
+              <a:t>dimensions</a:t>
+            </a:r>
+            <a:r>
+              <a:rPr lang="de-CH" baseline="0" dirty="0" smtClean="0"/>
+              <a:t> </a:t>
+            </a:r>
+            <a:r>
+              <a:rPr lang="de-CH" baseline="0" dirty="0" err="1" smtClean="0"/>
+              <a:t>of</a:t>
+            </a:r>
+            <a:r>
+              <a:rPr lang="de-CH" baseline="0" dirty="0" smtClean="0"/>
+              <a:t> </a:t>
+            </a:r>
+            <a:r>
+              <a:rPr lang="de-CH" baseline="0" dirty="0" err="1" smtClean="0"/>
+              <a:t>our</a:t>
+            </a:r>
+            <a:r>
+              <a:rPr lang="de-CH" baseline="0" dirty="0" smtClean="0"/>
+              <a:t> </a:t>
+            </a:r>
+            <a:r>
+              <a:rPr lang="de-CH" baseline="0" dirty="0" err="1" smtClean="0"/>
+              <a:t>simluation</a:t>
+            </a:r>
+            <a:r>
+              <a:rPr lang="de-CH" baseline="0" dirty="0" smtClean="0"/>
+              <a:t>. </a:t>
+            </a:r>
+            <a:r>
+              <a:rPr lang="de-CH" baseline="0" dirty="0" err="1" smtClean="0"/>
+              <a:t>We</a:t>
+            </a:r>
+            <a:r>
+              <a:rPr lang="de-CH" baseline="0" dirty="0" smtClean="0"/>
+              <a:t> </a:t>
+            </a:r>
+            <a:r>
+              <a:rPr lang="de-CH" baseline="0" dirty="0" err="1" smtClean="0"/>
+              <a:t>have</a:t>
+            </a:r>
+            <a:r>
+              <a:rPr lang="de-CH" baseline="0" dirty="0" smtClean="0"/>
+              <a:t> </a:t>
+            </a:r>
+            <a:r>
+              <a:rPr lang="de-CH" baseline="0" dirty="0" err="1" smtClean="0"/>
+              <a:t>around</a:t>
+            </a:r>
+            <a:r>
+              <a:rPr lang="de-CH" baseline="0" dirty="0" smtClean="0"/>
+              <a:t> 4000 </a:t>
+            </a:r>
+            <a:r>
+              <a:rPr lang="de-CH" baseline="0" dirty="0" err="1" smtClean="0"/>
+              <a:t>agents</a:t>
+            </a:r>
+            <a:r>
+              <a:rPr lang="de-CH" baseline="0" dirty="0" smtClean="0"/>
+              <a:t> on 11 </a:t>
+            </a:r>
+            <a:r>
+              <a:rPr lang="de-CH" baseline="0" dirty="0" err="1" smtClean="0"/>
+              <a:t>floors</a:t>
+            </a:r>
+            <a:r>
+              <a:rPr lang="de-CH" baseline="0" dirty="0" smtClean="0"/>
+              <a:t>, </a:t>
+            </a:r>
+            <a:r>
+              <a:rPr lang="de-CH" baseline="0" dirty="0" err="1" smtClean="0"/>
+              <a:t>while</a:t>
+            </a:r>
+            <a:r>
+              <a:rPr lang="de-CH" baseline="0" dirty="0" smtClean="0"/>
+              <a:t> </a:t>
+            </a:r>
+            <a:r>
+              <a:rPr lang="de-CH" baseline="0" dirty="0" err="1" smtClean="0"/>
+              <a:t>they</a:t>
+            </a:r>
+            <a:r>
+              <a:rPr lang="de-CH" baseline="0" dirty="0" smtClean="0"/>
+              <a:t> </a:t>
+            </a:r>
+            <a:r>
+              <a:rPr lang="de-CH" baseline="0" dirty="0" err="1" smtClean="0"/>
+              <a:t>had</a:t>
+            </a:r>
+            <a:r>
+              <a:rPr lang="de-CH" baseline="0" dirty="0" smtClean="0"/>
+              <a:t> </a:t>
+            </a:r>
+            <a:r>
+              <a:rPr lang="de-CH" baseline="0" dirty="0" err="1" smtClean="0"/>
+              <a:t>about</a:t>
+            </a:r>
+            <a:r>
+              <a:rPr lang="de-CH" baseline="0" dirty="0" smtClean="0"/>
+              <a:t> 300 </a:t>
+            </a:r>
+            <a:r>
+              <a:rPr lang="de-CH" baseline="0" dirty="0" err="1" smtClean="0"/>
+              <a:t>agents</a:t>
+            </a:r>
+            <a:r>
+              <a:rPr lang="de-CH" baseline="0" dirty="0" smtClean="0"/>
+              <a:t> on 3 </a:t>
+            </a:r>
+            <a:r>
+              <a:rPr lang="de-CH" baseline="0" dirty="0" err="1" smtClean="0"/>
+              <a:t>floors</a:t>
+            </a:r>
+            <a:r>
+              <a:rPr lang="de-CH" baseline="0" dirty="0" smtClean="0"/>
+              <a:t>.</a:t>
+            </a:r>
+          </a:p>
+          <a:p>
+            <a:endParaRPr lang="de-CH" baseline="0" dirty="0" smtClean="0"/>
+          </a:p>
+          <a:p>
+            <a:r>
+              <a:rPr lang="de-CH" baseline="0" dirty="0" err="1" smtClean="0"/>
+              <a:t>the</a:t>
+            </a:r>
+            <a:r>
+              <a:rPr lang="de-CH" baseline="0" dirty="0" smtClean="0"/>
+              <a:t> </a:t>
+            </a:r>
+            <a:r>
+              <a:rPr lang="de-CH" baseline="0" dirty="0" err="1" smtClean="0"/>
+              <a:t>biggest</a:t>
+            </a:r>
+            <a:r>
+              <a:rPr lang="de-CH" baseline="0" dirty="0" smtClean="0"/>
+              <a:t> </a:t>
+            </a:r>
+            <a:r>
+              <a:rPr lang="de-CH" baseline="0" dirty="0" err="1" smtClean="0"/>
+              <a:t>problems</a:t>
+            </a:r>
+            <a:r>
+              <a:rPr lang="de-CH" baseline="0" dirty="0" smtClean="0"/>
+              <a:t> </a:t>
+            </a:r>
+            <a:r>
+              <a:rPr lang="de-CH" baseline="0" dirty="0" err="1" smtClean="0"/>
+              <a:t>appear</a:t>
+            </a:r>
+            <a:r>
+              <a:rPr lang="de-CH" baseline="0" dirty="0" smtClean="0"/>
+              <a:t> </a:t>
+            </a:r>
+            <a:r>
+              <a:rPr lang="de-CH" baseline="0" dirty="0" err="1" smtClean="0"/>
+              <a:t>at</a:t>
+            </a:r>
+            <a:r>
+              <a:rPr lang="de-CH" baseline="0" dirty="0" smtClean="0"/>
+              <a:t> </a:t>
+            </a:r>
+            <a:r>
+              <a:rPr lang="de-CH" baseline="0" dirty="0" err="1" smtClean="0"/>
+              <a:t>the</a:t>
+            </a:r>
+            <a:r>
+              <a:rPr lang="de-CH" baseline="0" dirty="0" smtClean="0"/>
+              <a:t> </a:t>
+            </a:r>
+            <a:r>
+              <a:rPr lang="de-CH" baseline="0" dirty="0" err="1" smtClean="0"/>
+              <a:t>areas</a:t>
+            </a:r>
+            <a:r>
+              <a:rPr lang="de-CH" baseline="0" dirty="0" smtClean="0"/>
+              <a:t> </a:t>
+            </a:r>
+            <a:r>
+              <a:rPr lang="de-CH" baseline="0" dirty="0" err="1" smtClean="0"/>
+              <a:t>around</a:t>
+            </a:r>
+            <a:r>
+              <a:rPr lang="de-CH" baseline="0" dirty="0" smtClean="0"/>
+              <a:t> </a:t>
+            </a:r>
+            <a:r>
+              <a:rPr lang="de-CH" baseline="0" dirty="0" err="1" smtClean="0"/>
+              <a:t>the</a:t>
+            </a:r>
+            <a:r>
+              <a:rPr lang="de-CH" baseline="0" dirty="0" smtClean="0"/>
+              <a:t> </a:t>
+            </a:r>
+            <a:r>
+              <a:rPr lang="de-CH" baseline="0" dirty="0" err="1" smtClean="0"/>
+              <a:t>stairs</a:t>
+            </a:r>
+            <a:r>
+              <a:rPr lang="de-CH" baseline="0" dirty="0" smtClean="0"/>
+              <a:t>. </a:t>
+            </a:r>
+          </a:p>
+          <a:p>
+            <a:r>
+              <a:rPr lang="de-CH" baseline="0" dirty="0" smtClean="0"/>
+              <a:t>The </a:t>
+            </a:r>
+            <a:r>
+              <a:rPr lang="de-CH" baseline="0" dirty="0" err="1" smtClean="0"/>
+              <a:t>density</a:t>
+            </a:r>
+            <a:r>
+              <a:rPr lang="de-CH" baseline="0" dirty="0" smtClean="0"/>
+              <a:t> </a:t>
+            </a:r>
+            <a:r>
+              <a:rPr lang="de-CH" baseline="0" dirty="0" err="1" smtClean="0"/>
+              <a:t>of</a:t>
+            </a:r>
+            <a:r>
+              <a:rPr lang="de-CH" baseline="0" dirty="0" smtClean="0"/>
+              <a:t> </a:t>
+            </a:r>
+            <a:r>
+              <a:rPr lang="de-CH" baseline="0" dirty="0" err="1" smtClean="0"/>
+              <a:t>agents</a:t>
+            </a:r>
+            <a:r>
+              <a:rPr lang="de-CH" baseline="0" dirty="0" smtClean="0"/>
+              <a:t> </a:t>
+            </a:r>
+            <a:r>
+              <a:rPr lang="de-CH" baseline="0" dirty="0" err="1" smtClean="0"/>
+              <a:t>is</a:t>
+            </a:r>
+            <a:r>
+              <a:rPr lang="de-CH" baseline="0" dirty="0" smtClean="0"/>
+              <a:t> </a:t>
+            </a:r>
+            <a:r>
+              <a:rPr lang="de-CH" baseline="0" dirty="0" err="1" smtClean="0"/>
+              <a:t>very</a:t>
+            </a:r>
+            <a:r>
+              <a:rPr lang="de-CH" baseline="0" dirty="0" smtClean="0"/>
+              <a:t> high, so </a:t>
+            </a:r>
+            <a:r>
+              <a:rPr lang="de-CH" baseline="0" dirty="0" err="1" smtClean="0"/>
+              <a:t>there</a:t>
+            </a:r>
+            <a:r>
+              <a:rPr lang="de-CH" baseline="0" dirty="0" smtClean="0"/>
+              <a:t> </a:t>
+            </a:r>
+            <a:r>
+              <a:rPr lang="de-CH" baseline="0" dirty="0" err="1" smtClean="0"/>
+              <a:t>are</a:t>
+            </a:r>
+            <a:r>
+              <a:rPr lang="de-CH" baseline="0" dirty="0" smtClean="0"/>
+              <a:t> </a:t>
+            </a:r>
+            <a:r>
+              <a:rPr lang="de-CH" baseline="0" dirty="0" err="1" smtClean="0"/>
+              <a:t>agents</a:t>
+            </a:r>
+            <a:r>
+              <a:rPr lang="de-CH" baseline="0" dirty="0" smtClean="0"/>
+              <a:t> </a:t>
+            </a:r>
+            <a:r>
+              <a:rPr lang="de-CH" baseline="0" dirty="0" err="1" smtClean="0"/>
+              <a:t>that</a:t>
+            </a:r>
+            <a:r>
+              <a:rPr lang="de-CH" baseline="0" dirty="0" smtClean="0"/>
+              <a:t> </a:t>
+            </a:r>
+            <a:r>
+              <a:rPr lang="de-CH" baseline="0" dirty="0" err="1" smtClean="0"/>
+              <a:t>get</a:t>
+            </a:r>
+            <a:r>
+              <a:rPr lang="de-CH" baseline="0" dirty="0" smtClean="0"/>
+              <a:t> </a:t>
+            </a:r>
+            <a:r>
+              <a:rPr lang="de-CH" baseline="0" dirty="0" err="1" smtClean="0"/>
+              <a:t>pushed</a:t>
+            </a:r>
+            <a:r>
+              <a:rPr lang="de-CH" baseline="0" dirty="0" smtClean="0"/>
+              <a:t> </a:t>
+            </a:r>
+            <a:r>
+              <a:rPr lang="de-CH" baseline="0" dirty="0" err="1" smtClean="0"/>
+              <a:t>into</a:t>
+            </a:r>
+            <a:r>
+              <a:rPr lang="de-CH" baseline="0" dirty="0" smtClean="0"/>
+              <a:t> </a:t>
+            </a:r>
+            <a:r>
+              <a:rPr lang="de-CH" baseline="0" dirty="0" err="1" smtClean="0"/>
+              <a:t>walls</a:t>
+            </a:r>
+            <a:r>
+              <a:rPr lang="de-CH" baseline="0" dirty="0" smtClean="0"/>
+              <a:t> in </a:t>
+            </a:r>
+            <a:r>
+              <a:rPr lang="de-CH" baseline="0" dirty="0" err="1" smtClean="0"/>
+              <a:t>which</a:t>
+            </a:r>
+            <a:r>
+              <a:rPr lang="de-CH" baseline="0" dirty="0" smtClean="0"/>
+              <a:t> </a:t>
+            </a:r>
+            <a:r>
+              <a:rPr lang="de-CH" baseline="0" dirty="0" err="1" smtClean="0"/>
+              <a:t>they</a:t>
+            </a:r>
+            <a:r>
+              <a:rPr lang="de-CH" baseline="0" dirty="0" smtClean="0"/>
+              <a:t> </a:t>
+            </a:r>
+            <a:r>
+              <a:rPr lang="de-CH" baseline="0" dirty="0" err="1" smtClean="0"/>
+              <a:t>are</a:t>
+            </a:r>
+            <a:r>
+              <a:rPr lang="de-CH" baseline="0" dirty="0" smtClean="0"/>
+              <a:t> </a:t>
+            </a:r>
+            <a:r>
+              <a:rPr lang="de-CH" baseline="0" dirty="0" err="1" smtClean="0"/>
+              <a:t>trapped</a:t>
+            </a:r>
+            <a:r>
+              <a:rPr lang="de-CH" baseline="0" dirty="0" smtClean="0"/>
+              <a:t>.  This </a:t>
+            </a:r>
+            <a:r>
+              <a:rPr lang="de-CH" baseline="0" dirty="0" err="1" smtClean="0"/>
+              <a:t>makes</a:t>
+            </a:r>
+            <a:r>
+              <a:rPr lang="de-CH" baseline="0" dirty="0" smtClean="0"/>
+              <a:t> </a:t>
+            </a:r>
+            <a:r>
+              <a:rPr lang="de-CH" baseline="0" dirty="0" err="1" smtClean="0"/>
+              <a:t>the</a:t>
+            </a:r>
+            <a:r>
+              <a:rPr lang="de-CH" baseline="0" dirty="0" smtClean="0"/>
+              <a:t> </a:t>
+            </a:r>
+            <a:r>
+              <a:rPr lang="de-CH" baseline="0" dirty="0" err="1" smtClean="0"/>
+              <a:t>problem</a:t>
+            </a:r>
+            <a:r>
+              <a:rPr lang="de-CH" baseline="0" dirty="0" smtClean="0"/>
+              <a:t> </a:t>
+            </a:r>
+            <a:r>
+              <a:rPr lang="de-CH" baseline="0" dirty="0" err="1" smtClean="0"/>
+              <a:t>even</a:t>
+            </a:r>
+            <a:r>
+              <a:rPr lang="de-CH" baseline="0" dirty="0" smtClean="0"/>
+              <a:t> </a:t>
+            </a:r>
+            <a:r>
+              <a:rPr lang="de-CH" baseline="0" dirty="0" err="1" smtClean="0"/>
+              <a:t>worse</a:t>
+            </a:r>
+            <a:r>
+              <a:rPr lang="de-CH" baseline="0" dirty="0" smtClean="0"/>
+              <a:t>, </a:t>
+            </a:r>
+            <a:r>
+              <a:rPr lang="de-CH" baseline="0" dirty="0" err="1" smtClean="0"/>
+              <a:t>because</a:t>
+            </a:r>
+            <a:r>
+              <a:rPr lang="de-CH" baseline="0" dirty="0" smtClean="0"/>
+              <a:t> </a:t>
+            </a:r>
+            <a:r>
+              <a:rPr lang="de-CH" baseline="0" dirty="0" err="1" smtClean="0"/>
+              <a:t>those</a:t>
+            </a:r>
+            <a:r>
+              <a:rPr lang="de-CH" baseline="0" dirty="0" smtClean="0"/>
+              <a:t> </a:t>
+            </a:r>
+            <a:r>
+              <a:rPr lang="de-CH" baseline="0" dirty="0" err="1" smtClean="0"/>
+              <a:t>agents</a:t>
+            </a:r>
+            <a:r>
+              <a:rPr lang="de-CH" baseline="0" dirty="0" smtClean="0"/>
+              <a:t> block </a:t>
+            </a:r>
+            <a:r>
+              <a:rPr lang="de-CH" baseline="0" dirty="0" err="1" smtClean="0"/>
+              <a:t>the</a:t>
+            </a:r>
+            <a:r>
+              <a:rPr lang="de-CH" baseline="0" dirty="0" smtClean="0"/>
+              <a:t> </a:t>
+            </a:r>
+            <a:r>
+              <a:rPr lang="de-CH" baseline="0" dirty="0" err="1" smtClean="0"/>
+              <a:t>way</a:t>
+            </a:r>
+            <a:r>
+              <a:rPr lang="de-CH" baseline="0" dirty="0" smtClean="0"/>
+              <a:t> </a:t>
+            </a:r>
+            <a:r>
+              <a:rPr lang="de-CH" baseline="0" dirty="0" err="1" smtClean="0"/>
+              <a:t>even</a:t>
+            </a:r>
+            <a:r>
+              <a:rPr lang="de-CH" baseline="0" dirty="0" smtClean="0"/>
+              <a:t> </a:t>
+            </a:r>
+            <a:r>
+              <a:rPr lang="de-CH" baseline="0" dirty="0" err="1" smtClean="0"/>
+              <a:t>more</a:t>
+            </a:r>
+            <a:r>
+              <a:rPr lang="de-CH" baseline="0" dirty="0" smtClean="0"/>
+              <a:t>!</a:t>
+            </a:r>
+          </a:p>
+          <a:p>
+            <a:endParaRPr lang="de-CH" baseline="0" dirty="0" smtClean="0"/>
+          </a:p>
+          <a:p>
+            <a:r>
+              <a:rPr lang="de-CH" baseline="0" dirty="0" err="1" smtClean="0"/>
+              <a:t>to</a:t>
+            </a:r>
+            <a:r>
+              <a:rPr lang="de-CH" baseline="0" dirty="0" smtClean="0"/>
+              <a:t> </a:t>
+            </a:r>
+            <a:r>
+              <a:rPr lang="de-CH" baseline="0" dirty="0" err="1" smtClean="0"/>
+              <a:t>solve</a:t>
+            </a:r>
+            <a:r>
+              <a:rPr lang="de-CH" baseline="0" dirty="0" smtClean="0"/>
+              <a:t> </a:t>
+            </a:r>
+            <a:r>
+              <a:rPr lang="de-CH" baseline="0" dirty="0" err="1" smtClean="0"/>
+              <a:t>this</a:t>
+            </a:r>
+            <a:r>
+              <a:rPr lang="de-CH" baseline="0" dirty="0" smtClean="0"/>
+              <a:t> </a:t>
+            </a:r>
+            <a:r>
+              <a:rPr lang="de-CH" baseline="0" dirty="0" err="1" smtClean="0"/>
+              <a:t>problem</a:t>
+            </a:r>
+            <a:r>
+              <a:rPr lang="de-CH" baseline="0" dirty="0" smtClean="0"/>
+              <a:t>, </a:t>
+            </a:r>
+            <a:r>
+              <a:rPr lang="de-CH" baseline="0" dirty="0" err="1" smtClean="0"/>
+              <a:t>we</a:t>
+            </a:r>
+            <a:r>
+              <a:rPr lang="de-CH" baseline="0" dirty="0" smtClean="0"/>
+              <a:t> </a:t>
+            </a:r>
+            <a:r>
+              <a:rPr lang="de-CH" baseline="0" dirty="0" err="1" smtClean="0"/>
+              <a:t>wrote</a:t>
+            </a:r>
+            <a:r>
+              <a:rPr lang="de-CH" baseline="0" dirty="0" smtClean="0"/>
+              <a:t> a </a:t>
+            </a:r>
+            <a:r>
+              <a:rPr lang="de-CH" baseline="0" dirty="0" err="1" smtClean="0"/>
+              <a:t>piece</a:t>
+            </a:r>
+            <a:r>
+              <a:rPr lang="de-CH" baseline="0" dirty="0" smtClean="0"/>
+              <a:t> </a:t>
+            </a:r>
+            <a:r>
+              <a:rPr lang="de-CH" baseline="0" dirty="0" err="1" smtClean="0"/>
+              <a:t>of</a:t>
+            </a:r>
+            <a:r>
+              <a:rPr lang="de-CH" baseline="0" dirty="0" smtClean="0"/>
+              <a:t> </a:t>
+            </a:r>
+            <a:r>
+              <a:rPr lang="de-CH" baseline="0" dirty="0" err="1" smtClean="0"/>
+              <a:t>code</a:t>
+            </a:r>
+            <a:r>
+              <a:rPr lang="de-CH" baseline="0" dirty="0" smtClean="0"/>
+              <a:t>, </a:t>
+            </a:r>
+            <a:r>
+              <a:rPr lang="de-CH" baseline="0" dirty="0" err="1" smtClean="0"/>
+              <a:t>that</a:t>
+            </a:r>
+            <a:r>
+              <a:rPr lang="de-CH" baseline="0" dirty="0" smtClean="0"/>
+              <a:t> </a:t>
+            </a:r>
+            <a:r>
+              <a:rPr lang="de-CH" baseline="0" dirty="0" err="1" smtClean="0"/>
+              <a:t>tries</a:t>
+            </a:r>
+            <a:r>
+              <a:rPr lang="de-CH" baseline="0" dirty="0" smtClean="0"/>
+              <a:t> </a:t>
+            </a:r>
+            <a:r>
+              <a:rPr lang="de-CH" baseline="0" dirty="0" err="1" smtClean="0"/>
+              <a:t>to</a:t>
+            </a:r>
+            <a:r>
+              <a:rPr lang="de-CH" baseline="0" dirty="0" smtClean="0"/>
+              <a:t> </a:t>
+            </a:r>
+            <a:r>
+              <a:rPr lang="de-CH" baseline="0" dirty="0" err="1" smtClean="0"/>
+              <a:t>get</a:t>
+            </a:r>
+            <a:r>
+              <a:rPr lang="de-CH" baseline="0" dirty="0" smtClean="0"/>
+              <a:t> </a:t>
+            </a:r>
+            <a:r>
+              <a:rPr lang="de-CH" baseline="0" dirty="0" err="1" smtClean="0"/>
+              <a:t>the</a:t>
+            </a:r>
+            <a:r>
+              <a:rPr lang="de-CH" baseline="0" dirty="0" smtClean="0"/>
+              <a:t> </a:t>
+            </a:r>
+            <a:r>
+              <a:rPr lang="de-CH" baseline="0" dirty="0" err="1" smtClean="0"/>
+              <a:t>agents</a:t>
+            </a:r>
+            <a:r>
+              <a:rPr lang="de-CH" baseline="0" dirty="0" smtClean="0"/>
+              <a:t> out </a:t>
+            </a:r>
+            <a:r>
+              <a:rPr lang="de-CH" baseline="0" dirty="0" err="1" smtClean="0"/>
+              <a:t>of</a:t>
+            </a:r>
+            <a:r>
+              <a:rPr lang="de-CH" baseline="0" dirty="0" smtClean="0"/>
+              <a:t> </a:t>
+            </a:r>
+            <a:r>
+              <a:rPr lang="de-CH" baseline="0" dirty="0" err="1" smtClean="0"/>
+              <a:t>the</a:t>
+            </a:r>
+            <a:r>
+              <a:rPr lang="de-CH" baseline="0" dirty="0" smtClean="0"/>
+              <a:t> wall </a:t>
+            </a:r>
+            <a:r>
+              <a:rPr lang="de-CH" baseline="0" dirty="0" err="1" smtClean="0"/>
+              <a:t>by</a:t>
+            </a:r>
+            <a:r>
+              <a:rPr lang="de-CH" baseline="0" dirty="0" smtClean="0"/>
+              <a:t> </a:t>
+            </a:r>
+            <a:r>
+              <a:rPr lang="de-CH" baseline="0" dirty="0" err="1" smtClean="0"/>
+              <a:t>giving</a:t>
+            </a:r>
+            <a:r>
+              <a:rPr lang="de-CH" baseline="0" dirty="0" smtClean="0"/>
+              <a:t> </a:t>
+            </a:r>
+            <a:r>
+              <a:rPr lang="de-CH" baseline="0" dirty="0" err="1" smtClean="0"/>
+              <a:t>them</a:t>
+            </a:r>
+            <a:r>
+              <a:rPr lang="de-CH" baseline="0" dirty="0" smtClean="0"/>
+              <a:t> a </a:t>
+            </a:r>
+            <a:r>
+              <a:rPr lang="de-CH" baseline="0" dirty="0" err="1" smtClean="0"/>
+              <a:t>random</a:t>
+            </a:r>
+            <a:r>
+              <a:rPr lang="de-CH" baseline="0" dirty="0" smtClean="0"/>
+              <a:t> </a:t>
+            </a:r>
+            <a:r>
+              <a:rPr lang="de-CH" baseline="0" dirty="0" err="1" smtClean="0"/>
+              <a:t>velocity</a:t>
+            </a:r>
+            <a:r>
+              <a:rPr lang="de-CH" baseline="0" dirty="0" smtClean="0"/>
+              <a:t>. </a:t>
+            </a:r>
+          </a:p>
+          <a:p>
+            <a:endParaRPr lang="de-CH" baseline="0" dirty="0" smtClean="0"/>
+          </a:p>
+          <a:p>
+            <a:r>
+              <a:rPr lang="de-CH" baseline="0" dirty="0" smtClean="0"/>
+              <a:t>The </a:t>
+            </a:r>
+            <a:r>
+              <a:rPr lang="de-CH" baseline="0" dirty="0" err="1" smtClean="0"/>
+              <a:t>problem</a:t>
+            </a:r>
+            <a:r>
+              <a:rPr lang="de-CH" baseline="0" dirty="0" smtClean="0"/>
+              <a:t> </a:t>
+            </a:r>
+            <a:r>
+              <a:rPr lang="de-CH" baseline="0" dirty="0" err="1" smtClean="0"/>
+              <a:t>with</a:t>
+            </a:r>
+            <a:r>
+              <a:rPr lang="de-CH" baseline="0" dirty="0" smtClean="0"/>
+              <a:t> </a:t>
+            </a:r>
+            <a:r>
+              <a:rPr lang="de-CH" baseline="0" dirty="0" err="1" smtClean="0"/>
+              <a:t>that</a:t>
+            </a:r>
+            <a:r>
+              <a:rPr lang="de-CH" baseline="0" dirty="0" smtClean="0"/>
+              <a:t> was </a:t>
+            </a:r>
+            <a:r>
+              <a:rPr lang="de-CH" baseline="0" dirty="0" err="1" smtClean="0"/>
+              <a:t>that</a:t>
+            </a:r>
+            <a:r>
+              <a:rPr lang="de-CH" baseline="0" dirty="0" smtClean="0"/>
+              <a:t> </a:t>
+            </a:r>
+            <a:r>
+              <a:rPr lang="de-CH" baseline="0" dirty="0" err="1" smtClean="0"/>
+              <a:t>the</a:t>
+            </a:r>
+            <a:r>
+              <a:rPr lang="de-CH" baseline="0" dirty="0" smtClean="0"/>
+              <a:t> </a:t>
+            </a:r>
+            <a:r>
+              <a:rPr lang="de-CH" baseline="0" dirty="0" err="1" smtClean="0"/>
+              <a:t>agents</a:t>
+            </a:r>
+            <a:r>
+              <a:rPr lang="de-CH" baseline="0" dirty="0" smtClean="0"/>
+              <a:t> </a:t>
+            </a:r>
+            <a:r>
+              <a:rPr lang="de-CH" baseline="0" dirty="0" err="1" smtClean="0"/>
+              <a:t>could</a:t>
+            </a:r>
+            <a:r>
+              <a:rPr lang="de-CH" baseline="0" dirty="0" smtClean="0"/>
+              <a:t> </a:t>
+            </a:r>
+            <a:r>
+              <a:rPr lang="de-CH" baseline="0" dirty="0" err="1" smtClean="0"/>
+              <a:t>exit</a:t>
+            </a:r>
+            <a:r>
+              <a:rPr lang="de-CH" baseline="0" dirty="0" smtClean="0"/>
+              <a:t> </a:t>
+            </a:r>
+            <a:r>
+              <a:rPr lang="de-CH" baseline="0" dirty="0" err="1" smtClean="0"/>
+              <a:t>the</a:t>
+            </a:r>
+            <a:r>
+              <a:rPr lang="de-CH" baseline="0" dirty="0" smtClean="0"/>
+              <a:t>  wall on </a:t>
+            </a:r>
+            <a:r>
+              <a:rPr lang="de-CH" baseline="0" dirty="0" err="1" smtClean="0"/>
+              <a:t>any</a:t>
+            </a:r>
+            <a:r>
+              <a:rPr lang="de-CH" baseline="0" dirty="0" smtClean="0"/>
+              <a:t> </a:t>
+            </a:r>
+            <a:r>
+              <a:rPr lang="de-CH" baseline="0" dirty="0" err="1" smtClean="0"/>
+              <a:t>side</a:t>
+            </a:r>
+            <a:r>
+              <a:rPr lang="de-CH" baseline="0" dirty="0" smtClean="0"/>
+              <a:t>. So </a:t>
+            </a:r>
+            <a:r>
+              <a:rPr lang="de-CH" baseline="0" dirty="0" err="1" smtClean="0"/>
+              <a:t>we</a:t>
+            </a:r>
+            <a:r>
+              <a:rPr lang="de-CH" baseline="0" dirty="0" smtClean="0"/>
+              <a:t> </a:t>
+            </a:r>
+            <a:r>
+              <a:rPr lang="de-CH" baseline="0" dirty="0" err="1" smtClean="0"/>
+              <a:t>suddendly</a:t>
+            </a:r>
+            <a:r>
+              <a:rPr lang="de-CH" baseline="0" dirty="0" smtClean="0"/>
+              <a:t> </a:t>
+            </a:r>
+            <a:r>
+              <a:rPr lang="de-CH" baseline="0" dirty="0" err="1" smtClean="0"/>
+              <a:t>had</a:t>
+            </a:r>
+            <a:r>
+              <a:rPr lang="de-CH" baseline="0" dirty="0" smtClean="0"/>
+              <a:t> </a:t>
+            </a:r>
+            <a:r>
+              <a:rPr lang="de-CH" baseline="0" dirty="0" err="1" smtClean="0"/>
+              <a:t>agents</a:t>
+            </a:r>
+            <a:r>
+              <a:rPr lang="de-CH" baseline="0" dirty="0" smtClean="0"/>
+              <a:t> stuck in </a:t>
+            </a:r>
+            <a:r>
+              <a:rPr lang="de-CH" baseline="0" dirty="0" err="1" smtClean="0"/>
+              <a:t>closed</a:t>
+            </a:r>
+            <a:r>
+              <a:rPr lang="de-CH" baseline="0" dirty="0" smtClean="0"/>
+              <a:t> </a:t>
+            </a:r>
+            <a:r>
+              <a:rPr lang="de-CH" baseline="0" dirty="0" err="1" smtClean="0"/>
+              <a:t>rooms</a:t>
+            </a:r>
+            <a:r>
+              <a:rPr lang="de-CH" baseline="0" dirty="0" smtClean="0"/>
+              <a:t>. </a:t>
+            </a:r>
+          </a:p>
+          <a:p>
+            <a:r>
+              <a:rPr lang="de-CH" baseline="0" dirty="0" smtClean="0"/>
+              <a:t>Due </a:t>
+            </a:r>
+            <a:r>
+              <a:rPr lang="de-CH" baseline="0" dirty="0" err="1" smtClean="0"/>
+              <a:t>to</a:t>
+            </a:r>
+            <a:r>
+              <a:rPr lang="de-CH" baseline="0" dirty="0" smtClean="0"/>
+              <a:t> time </a:t>
+            </a:r>
+            <a:r>
+              <a:rPr lang="de-CH" baseline="0" dirty="0" err="1" smtClean="0"/>
+              <a:t>pressure</a:t>
+            </a:r>
+            <a:r>
+              <a:rPr lang="de-CH" baseline="0" dirty="0" smtClean="0"/>
+              <a:t> </a:t>
+            </a:r>
+            <a:r>
+              <a:rPr lang="de-CH" baseline="0" dirty="0" err="1" smtClean="0"/>
+              <a:t>we</a:t>
+            </a:r>
+            <a:r>
+              <a:rPr lang="de-CH" baseline="0" dirty="0" smtClean="0"/>
+              <a:t> </a:t>
+            </a:r>
+            <a:r>
+              <a:rPr lang="de-CH" baseline="0" dirty="0" err="1" smtClean="0"/>
+              <a:t>couldn’t</a:t>
+            </a:r>
+            <a:r>
+              <a:rPr lang="de-CH" baseline="0" dirty="0" smtClean="0"/>
+              <a:t> </a:t>
+            </a:r>
+            <a:r>
+              <a:rPr lang="de-CH" baseline="0" dirty="0" err="1" smtClean="0"/>
+              <a:t>figure</a:t>
+            </a:r>
+            <a:r>
+              <a:rPr lang="de-CH" baseline="0" dirty="0" smtClean="0"/>
+              <a:t> out a smarter </a:t>
+            </a:r>
+            <a:r>
+              <a:rPr lang="de-CH" baseline="0" dirty="0" err="1" smtClean="0"/>
+              <a:t>way</a:t>
+            </a:r>
+            <a:r>
+              <a:rPr lang="de-CH" baseline="0" dirty="0" smtClean="0"/>
+              <a:t> </a:t>
+            </a:r>
+            <a:r>
+              <a:rPr lang="de-CH" baseline="0" dirty="0" err="1" smtClean="0"/>
+              <a:t>to</a:t>
+            </a:r>
+            <a:r>
+              <a:rPr lang="de-CH" baseline="0" dirty="0" smtClean="0"/>
+              <a:t> </a:t>
+            </a:r>
+            <a:r>
+              <a:rPr lang="de-CH" baseline="0" dirty="0" err="1" smtClean="0"/>
+              <a:t>solve</a:t>
+            </a:r>
+            <a:r>
+              <a:rPr lang="de-CH" baseline="0" dirty="0" smtClean="0"/>
+              <a:t> </a:t>
+            </a:r>
+            <a:r>
+              <a:rPr lang="de-CH" baseline="0" dirty="0" err="1" smtClean="0"/>
+              <a:t>the</a:t>
+            </a:r>
+            <a:r>
+              <a:rPr lang="de-CH" baseline="0" dirty="0" smtClean="0"/>
+              <a:t> </a:t>
+            </a:r>
+            <a:r>
+              <a:rPr lang="de-CH" baseline="0" dirty="0" err="1" smtClean="0"/>
+              <a:t>problem</a:t>
+            </a:r>
+            <a:r>
+              <a:rPr lang="de-CH" baseline="0" dirty="0" smtClean="0"/>
+              <a:t> so </a:t>
+            </a:r>
+            <a:r>
+              <a:rPr lang="de-CH" baseline="0" dirty="0" err="1" smtClean="0"/>
+              <a:t>we</a:t>
+            </a:r>
+            <a:r>
+              <a:rPr lang="de-CH" baseline="0" dirty="0" smtClean="0"/>
+              <a:t> just </a:t>
+            </a:r>
+            <a:r>
+              <a:rPr lang="de-CH" baseline="0" dirty="0" err="1" smtClean="0"/>
+              <a:t>opened</a:t>
+            </a:r>
+            <a:r>
+              <a:rPr lang="de-CH" baseline="0" dirty="0" smtClean="0"/>
+              <a:t> </a:t>
+            </a:r>
+            <a:r>
+              <a:rPr lang="de-CH" baseline="0" dirty="0" err="1" smtClean="0"/>
+              <a:t>those</a:t>
+            </a:r>
+            <a:r>
+              <a:rPr lang="de-CH" baseline="0" dirty="0" smtClean="0"/>
+              <a:t> </a:t>
+            </a:r>
+            <a:r>
+              <a:rPr lang="de-CH" baseline="0" dirty="0" err="1" smtClean="0"/>
+              <a:t>closed</a:t>
+            </a:r>
+            <a:r>
+              <a:rPr lang="de-CH" baseline="0" dirty="0" smtClean="0"/>
+              <a:t> </a:t>
+            </a:r>
+            <a:r>
+              <a:rPr lang="de-CH" baseline="0" dirty="0" err="1" smtClean="0"/>
+              <a:t>rooms</a:t>
+            </a:r>
+            <a:r>
+              <a:rPr lang="de-CH" baseline="0" dirty="0" smtClean="0"/>
+              <a:t>, so </a:t>
+            </a:r>
+            <a:r>
+              <a:rPr lang="de-CH" baseline="0" dirty="0" err="1" smtClean="0"/>
+              <a:t>the</a:t>
+            </a:r>
+            <a:r>
+              <a:rPr lang="de-CH" baseline="0" dirty="0" smtClean="0"/>
+              <a:t> </a:t>
+            </a:r>
+            <a:r>
+              <a:rPr lang="de-CH" baseline="0" dirty="0" err="1" smtClean="0"/>
+              <a:t>agents</a:t>
+            </a:r>
+            <a:r>
+              <a:rPr lang="de-CH" baseline="0" dirty="0" smtClean="0"/>
+              <a:t> </a:t>
+            </a:r>
+            <a:r>
+              <a:rPr lang="de-CH" baseline="0" dirty="0" err="1" smtClean="0"/>
+              <a:t>can</a:t>
+            </a:r>
+            <a:r>
+              <a:rPr lang="de-CH" baseline="0" dirty="0" smtClean="0"/>
+              <a:t> </a:t>
+            </a:r>
+            <a:r>
+              <a:rPr lang="de-CH" baseline="0" dirty="0" err="1" smtClean="0"/>
+              <a:t>exit</a:t>
+            </a:r>
+            <a:r>
+              <a:rPr lang="de-CH" baseline="0" dirty="0" smtClean="0"/>
+              <a:t>.</a:t>
+            </a:r>
+          </a:p>
+          <a:p>
+            <a:endParaRPr lang="de-CH" baseline="0" dirty="0" smtClean="0"/>
+          </a:p>
+          <a:p>
+            <a:r>
+              <a:rPr lang="de-CH" baseline="0" dirty="0" err="1" smtClean="0"/>
+              <a:t>another</a:t>
+            </a:r>
+            <a:r>
+              <a:rPr lang="de-CH" baseline="0" dirty="0" smtClean="0"/>
+              <a:t> </a:t>
+            </a:r>
+            <a:r>
+              <a:rPr lang="de-CH" baseline="0" dirty="0" err="1" smtClean="0"/>
+              <a:t>point</a:t>
+            </a:r>
+            <a:r>
+              <a:rPr lang="de-CH" baseline="0" dirty="0" smtClean="0"/>
+              <a:t> </a:t>
+            </a:r>
+            <a:r>
+              <a:rPr lang="de-CH" baseline="0" dirty="0" err="1" smtClean="0"/>
+              <a:t>we</a:t>
+            </a:r>
+            <a:r>
+              <a:rPr lang="de-CH" baseline="0" dirty="0" smtClean="0"/>
+              <a:t> </a:t>
+            </a:r>
+            <a:r>
+              <a:rPr lang="de-CH" baseline="0" dirty="0" err="1" smtClean="0"/>
+              <a:t>would</a:t>
+            </a:r>
+            <a:r>
+              <a:rPr lang="de-CH" baseline="0" dirty="0" smtClean="0"/>
+              <a:t> </a:t>
+            </a:r>
+            <a:r>
+              <a:rPr lang="de-CH" baseline="0" dirty="0" err="1" smtClean="0"/>
+              <a:t>have</a:t>
+            </a:r>
+            <a:r>
+              <a:rPr lang="de-CH" baseline="0" dirty="0" smtClean="0"/>
+              <a:t> </a:t>
+            </a:r>
+            <a:r>
+              <a:rPr lang="de-CH" baseline="0" dirty="0" err="1" smtClean="0"/>
+              <a:t>liked</a:t>
+            </a:r>
+            <a:r>
+              <a:rPr lang="de-CH" baseline="0" dirty="0" smtClean="0"/>
+              <a:t> </a:t>
+            </a:r>
+            <a:r>
+              <a:rPr lang="de-CH" baseline="0" dirty="0" err="1" smtClean="0"/>
+              <a:t>to</a:t>
+            </a:r>
+            <a:r>
+              <a:rPr lang="de-CH" baseline="0" dirty="0" smtClean="0"/>
+              <a:t> </a:t>
+            </a:r>
+            <a:r>
+              <a:rPr lang="de-CH" baseline="0" dirty="0" err="1" smtClean="0"/>
+              <a:t>improve</a:t>
+            </a:r>
+            <a:r>
+              <a:rPr lang="de-CH" baseline="0" dirty="0" smtClean="0"/>
+              <a:t> was </a:t>
+            </a:r>
+            <a:r>
+              <a:rPr lang="de-CH" baseline="0" dirty="0" err="1" smtClean="0"/>
+              <a:t>that</a:t>
+            </a:r>
+            <a:r>
+              <a:rPr lang="de-CH" baseline="0" dirty="0" smtClean="0"/>
+              <a:t> </a:t>
+            </a:r>
+            <a:r>
+              <a:rPr lang="de-CH" baseline="0" dirty="0" err="1" smtClean="0"/>
+              <a:t>if</a:t>
+            </a:r>
+            <a:r>
+              <a:rPr lang="de-CH" baseline="0" dirty="0" smtClean="0"/>
+              <a:t> a </a:t>
+            </a:r>
+            <a:r>
+              <a:rPr lang="de-CH" baseline="0" dirty="0" err="1" smtClean="0"/>
+              <a:t>agents</a:t>
+            </a:r>
+            <a:r>
+              <a:rPr lang="de-CH" baseline="0" dirty="0" smtClean="0"/>
+              <a:t> </a:t>
+            </a:r>
+            <a:r>
+              <a:rPr lang="de-CH" baseline="0" dirty="0" err="1" smtClean="0"/>
+              <a:t>reaches</a:t>
+            </a:r>
+            <a:r>
+              <a:rPr lang="de-CH" baseline="0" dirty="0" smtClean="0"/>
+              <a:t> a </a:t>
+            </a:r>
+            <a:r>
+              <a:rPr lang="de-CH" baseline="0" dirty="0" err="1" smtClean="0"/>
+              <a:t>staircase</a:t>
+            </a:r>
+            <a:r>
+              <a:rPr lang="de-CH" baseline="0" dirty="0" smtClean="0"/>
+              <a:t> </a:t>
+            </a:r>
+            <a:r>
+              <a:rPr lang="de-CH" baseline="0" dirty="0" err="1" smtClean="0"/>
+              <a:t>and</a:t>
+            </a:r>
+            <a:r>
+              <a:rPr lang="de-CH" baseline="0" dirty="0" smtClean="0"/>
+              <a:t> </a:t>
+            </a:r>
+            <a:r>
+              <a:rPr lang="de-CH" baseline="0" dirty="0" err="1" smtClean="0"/>
+              <a:t>wants</a:t>
+            </a:r>
+            <a:r>
+              <a:rPr lang="de-CH" baseline="0" dirty="0" smtClean="0"/>
+              <a:t> </a:t>
+            </a:r>
+            <a:r>
+              <a:rPr lang="de-CH" baseline="0" dirty="0" err="1" smtClean="0"/>
+              <a:t>to</a:t>
+            </a:r>
+            <a:r>
+              <a:rPr lang="de-CH" baseline="0" dirty="0" smtClean="0"/>
+              <a:t> </a:t>
+            </a:r>
+            <a:r>
+              <a:rPr lang="de-CH" baseline="0" dirty="0" err="1" smtClean="0"/>
+              <a:t>chagne</a:t>
+            </a:r>
+            <a:r>
+              <a:rPr lang="de-CH" baseline="0" dirty="0" smtClean="0"/>
+              <a:t> </a:t>
+            </a:r>
+            <a:r>
+              <a:rPr lang="de-CH" baseline="0" dirty="0" err="1" smtClean="0"/>
+              <a:t>the</a:t>
+            </a:r>
+            <a:r>
+              <a:rPr lang="de-CH" baseline="0" dirty="0" smtClean="0"/>
+              <a:t> </a:t>
+            </a:r>
+            <a:r>
+              <a:rPr lang="de-CH" baseline="0" dirty="0" err="1" smtClean="0"/>
+              <a:t>floor</a:t>
+            </a:r>
+            <a:r>
+              <a:rPr lang="de-CH" baseline="0" dirty="0" smtClean="0"/>
+              <a:t>, </a:t>
+            </a:r>
+            <a:r>
+              <a:rPr lang="de-CH" baseline="0" dirty="0" err="1" smtClean="0"/>
+              <a:t>the</a:t>
+            </a:r>
+            <a:r>
+              <a:rPr lang="de-CH" baseline="0" dirty="0" smtClean="0"/>
+              <a:t> </a:t>
+            </a:r>
+            <a:r>
+              <a:rPr lang="de-CH" baseline="0" dirty="0" err="1" smtClean="0"/>
+              <a:t>code</a:t>
+            </a:r>
+            <a:r>
+              <a:rPr lang="de-CH" baseline="0" dirty="0" smtClean="0"/>
+              <a:t> </a:t>
+            </a:r>
+            <a:r>
+              <a:rPr lang="de-CH" baseline="0" dirty="0" err="1" smtClean="0"/>
+              <a:t>would</a:t>
+            </a:r>
+            <a:r>
+              <a:rPr lang="de-CH" baseline="0" dirty="0" smtClean="0"/>
+              <a:t> </a:t>
+            </a:r>
+            <a:r>
+              <a:rPr lang="de-CH" baseline="0" dirty="0" err="1" smtClean="0"/>
+              <a:t>fist</a:t>
+            </a:r>
+            <a:r>
+              <a:rPr lang="de-CH" baseline="0" dirty="0" smtClean="0"/>
+              <a:t> </a:t>
+            </a:r>
+            <a:r>
+              <a:rPr lang="de-CH" baseline="0" dirty="0" err="1" smtClean="0"/>
+              <a:t>chek</a:t>
+            </a:r>
+            <a:r>
+              <a:rPr lang="de-CH" baseline="0" dirty="0" smtClean="0"/>
+              <a:t> </a:t>
+            </a:r>
+            <a:r>
+              <a:rPr lang="de-CH" baseline="0" dirty="0" err="1" smtClean="0"/>
+              <a:t>if</a:t>
+            </a:r>
+            <a:r>
+              <a:rPr lang="de-CH" baseline="0" dirty="0" smtClean="0"/>
+              <a:t> </a:t>
+            </a:r>
+            <a:r>
+              <a:rPr lang="de-CH" baseline="0" dirty="0" err="1" smtClean="0"/>
+              <a:t>the</a:t>
+            </a:r>
+            <a:r>
+              <a:rPr lang="de-CH" baseline="0" dirty="0" smtClean="0"/>
+              <a:t> </a:t>
+            </a:r>
+            <a:r>
+              <a:rPr lang="de-CH" baseline="0" dirty="0" err="1" smtClean="0"/>
+              <a:t>space</a:t>
+            </a:r>
+            <a:r>
+              <a:rPr lang="de-CH" baseline="0" dirty="0" smtClean="0"/>
+              <a:t> </a:t>
+            </a:r>
+            <a:r>
+              <a:rPr lang="de-CH" baseline="0" dirty="0" err="1" smtClean="0"/>
+              <a:t>is</a:t>
+            </a:r>
+            <a:r>
+              <a:rPr lang="de-CH" baseline="0" dirty="0" smtClean="0"/>
+              <a:t> </a:t>
+            </a:r>
+            <a:r>
+              <a:rPr lang="de-CH" baseline="0" dirty="0" err="1" smtClean="0"/>
+              <a:t>free</a:t>
+            </a:r>
+            <a:r>
+              <a:rPr lang="de-CH" baseline="0" dirty="0" smtClean="0"/>
+              <a:t> </a:t>
+            </a:r>
+            <a:r>
+              <a:rPr lang="de-CH" baseline="0" dirty="0" err="1" smtClean="0"/>
+              <a:t>or</a:t>
+            </a:r>
+            <a:r>
+              <a:rPr lang="de-CH" baseline="0" smtClean="0"/>
+              <a:t> not.</a:t>
+            </a:r>
+            <a:endParaRPr lang="de-CH" baseline="0" dirty="0" smtClean="0"/>
+          </a:p>
+        </p:txBody>
+      </p:sp>
+      <p:sp>
+        <p:nvSpPr>
+          <p:cNvPr id="4" name="Foliennummernplatzhalter 3"/>
+          <p:cNvSpPr>
+            <a:spLocks noGrp="1"/>
+          </p:cNvSpPr>
+          <p:nvPr>
+            <p:ph type="sldNum" sz="quarter" idx="10"/>
+          </p:nvPr>
+        </p:nvSpPr>
+        <p:spPr/>
+        <p:txBody>
+          <a:bodyPr/>
+          <a:lstStyle/>
+          <a:p>
+            <a:fld id="{A8D55AEB-4C5B-4848-860D-E778DA222F2E}" type="slidenum">
+              <a:rPr lang="en-GB" smtClean="0"/>
+              <a:t>4</a:t>
+            </a:fld>
+            <a:endParaRPr lang="en-GB"/>
+          </a:p>
+        </p:txBody>
+      </p:sp>
+    </p:spTree>
+    <p:extLst>
+      <p:ext uri="{BB962C8B-B14F-4D97-AF65-F5344CB8AC3E}">
+        <p14:creationId xmlns:p14="http://schemas.microsoft.com/office/powerpoint/2010/main" val="2665985661"/>
       </p:ext>
     </p:extLst>
   </p:cSld>
@@ -5422,7 +10701,7 @@
         </p:nvSpPr>
         <p:spPr>
           <a:xfrm>
-            <a:off x="6012160" y="2824520"/>
+            <a:off x="6012160" y="2838138"/>
             <a:ext cx="857380" cy="369332"/>
           </a:xfrm>
           <a:prstGeom prst="rect">
@@ -5820,225 +11099,6 @@
           </a:p>
         </p:txBody>
       </p:sp>
-      <p:pic>
-        <p:nvPicPr>
-          <p:cNvPr id="1029" name="Picture 5"/>
-          <p:cNvPicPr>
-            <a:picLocks noChangeAspect="1" noChangeArrowheads="1"/>
-          </p:cNvPicPr>
-          <p:nvPr/>
-        </p:nvPicPr>
-        <p:blipFill>
-          <a:blip r:embed="rId6">
-            <a:extLst>
-              <a:ext uri="{BEBA8EAE-BF5A-486C-A8C5-ECC9F3942E4B}">
-                <a14:imgProps xmlns:a14="http://schemas.microsoft.com/office/drawing/2010/main">
-                  <a14:imgLayer r:embed="rId7">
-                    <a14:imgEffect>
-                      <a14:sharpenSoften amount="50000"/>
-                    </a14:imgEffect>
-                  </a14:imgLayer>
-                </a14:imgProps>
-              </a:ext>
-              <a:ext uri="{28A0092B-C50C-407E-A947-70E740481C1C}">
-                <a14:useLocalDpi xmlns:a14="http://schemas.microsoft.com/office/drawing/2010/main" val="0"/>
-              </a:ext>
-            </a:extLst>
-          </a:blip>
-          <a:srcRect/>
-          <a:stretch>
-            <a:fillRect/>
-          </a:stretch>
-        </p:blipFill>
-        <p:spPr bwMode="auto">
-          <a:xfrm>
-            <a:off x="373931" y="2438391"/>
-            <a:ext cx="2712570" cy="799494"/>
-          </a:xfrm>
-          <a:prstGeom prst="rect">
-            <a:avLst/>
-          </a:prstGeom>
-          <a:noFill/>
-          <a:ln>
-            <a:noFill/>
-          </a:ln>
-          <a:effectLst/>
-          <a:extLst>
-            <a:ext uri="{909E8E84-426E-40DD-AFC4-6F175D3DCCD1}">
-              <a14:hiddenFill xmlns:a14="http://schemas.microsoft.com/office/drawing/2010/main">
-                <a:solidFill>
-                  <a:schemeClr val="accent1"/>
-                </a:solidFill>
-              </a14:hiddenFill>
-            </a:ext>
-            <a:ext uri="{91240B29-F687-4F45-9708-019B960494DF}">
-              <a14:hiddenLine xmlns:a14="http://schemas.microsoft.com/office/drawing/2010/main" w="9525">
-                <a:solidFill>
-                  <a:schemeClr val="tx1"/>
-                </a:solidFill>
-                <a:miter lim="800000"/>
-                <a:headEnd/>
-                <a:tailEnd/>
-              </a14:hiddenLine>
-            </a:ext>
-            <a:ext uri="{AF507438-7753-43E0-B8FC-AC1667EBCBE1}">
-              <a14:hiddenEffects xmlns:a14="http://schemas.microsoft.com/office/drawing/2010/main">
-                <a:effectLst>
-                  <a:outerShdw dist="35921" dir="2700000" algn="ctr" rotWithShape="0">
-                    <a:schemeClr val="bg2"/>
-                  </a:outerShdw>
-                </a:effectLst>
-              </a14:hiddenEffects>
-            </a:ext>
-          </a:extLst>
-        </p:spPr>
-      </p:pic>
-      <p:pic>
-        <p:nvPicPr>
-          <p:cNvPr id="1030" name="Picture 6"/>
-          <p:cNvPicPr>
-            <a:picLocks noChangeAspect="1" noChangeArrowheads="1"/>
-          </p:cNvPicPr>
-          <p:nvPr/>
-        </p:nvPicPr>
-        <p:blipFill>
-          <a:blip r:embed="rId8">
-            <a:extLst>
-              <a:ext uri="{BEBA8EAE-BF5A-486C-A8C5-ECC9F3942E4B}">
-                <a14:imgProps xmlns:a14="http://schemas.microsoft.com/office/drawing/2010/main">
-                  <a14:imgLayer r:embed="rId9">
-                    <a14:imgEffect>
-                      <a14:sharpenSoften amount="50000"/>
-                    </a14:imgEffect>
-                  </a14:imgLayer>
-                </a14:imgProps>
-              </a:ext>
-              <a:ext uri="{28A0092B-C50C-407E-A947-70E740481C1C}">
-                <a14:useLocalDpi xmlns:a14="http://schemas.microsoft.com/office/drawing/2010/main" val="0"/>
-              </a:ext>
-            </a:extLst>
-          </a:blip>
-          <a:srcRect/>
-          <a:stretch>
-            <a:fillRect/>
-          </a:stretch>
-        </p:blipFill>
-        <p:spPr bwMode="auto">
-          <a:xfrm>
-            <a:off x="336658" y="4005064"/>
-            <a:ext cx="7721600" cy="508000"/>
-          </a:xfrm>
-          <a:prstGeom prst="rect">
-            <a:avLst/>
-          </a:prstGeom>
-          <a:noFill/>
-          <a:ln>
-            <a:noFill/>
-          </a:ln>
-          <a:effectLst/>
-          <a:extLst>
-            <a:ext uri="{909E8E84-426E-40DD-AFC4-6F175D3DCCD1}">
-              <a14:hiddenFill xmlns:a14="http://schemas.microsoft.com/office/drawing/2010/main">
-                <a:solidFill>
-                  <a:schemeClr val="accent1"/>
-                </a:solidFill>
-              </a14:hiddenFill>
-            </a:ext>
-            <a:ext uri="{91240B29-F687-4F45-9708-019B960494DF}">
-              <a14:hiddenLine xmlns:a14="http://schemas.microsoft.com/office/drawing/2010/main" w="9525">
-                <a:solidFill>
-                  <a:schemeClr val="tx1"/>
-                </a:solidFill>
-                <a:miter lim="800000"/>
-                <a:headEnd/>
-                <a:tailEnd/>
-              </a14:hiddenLine>
-            </a:ext>
-            <a:ext uri="{AF507438-7753-43E0-B8FC-AC1667EBCBE1}">
-              <a14:hiddenEffects xmlns:a14="http://schemas.microsoft.com/office/drawing/2010/main">
-                <a:effectLst>
-                  <a:outerShdw dist="35921" dir="2700000" algn="ctr" rotWithShape="0">
-                    <a:schemeClr val="bg2"/>
-                  </a:outerShdw>
-                </a:effectLst>
-              </a14:hiddenEffects>
-            </a:ext>
-          </a:extLst>
-        </p:spPr>
-      </p:pic>
-      <p:pic>
-        <p:nvPicPr>
-          <p:cNvPr id="1031" name="Picture 7"/>
-          <p:cNvPicPr>
-            <a:picLocks noChangeAspect="1" noChangeArrowheads="1"/>
-          </p:cNvPicPr>
-          <p:nvPr/>
-        </p:nvPicPr>
-        <p:blipFill>
-          <a:blip r:embed="rId10">
-            <a:extLst>
-              <a:ext uri="{BEBA8EAE-BF5A-486C-A8C5-ECC9F3942E4B}">
-                <a14:imgProps xmlns:a14="http://schemas.microsoft.com/office/drawing/2010/main">
-                  <a14:imgLayer r:embed="rId11">
-                    <a14:imgEffect>
-                      <a14:sharpenSoften amount="50000"/>
-                    </a14:imgEffect>
-                  </a14:imgLayer>
-                </a14:imgProps>
-              </a:ext>
-              <a:ext uri="{28A0092B-C50C-407E-A947-70E740481C1C}">
-                <a14:useLocalDpi xmlns:a14="http://schemas.microsoft.com/office/drawing/2010/main" val="0"/>
-              </a:ext>
-            </a:extLst>
-          </a:blip>
-          <a:srcRect/>
-          <a:stretch>
-            <a:fillRect/>
-          </a:stretch>
-        </p:blipFill>
-        <p:spPr bwMode="auto">
-          <a:xfrm>
-            <a:off x="421182" y="4946078"/>
-            <a:ext cx="6620410" cy="588481"/>
-          </a:xfrm>
-          <a:prstGeom prst="rect">
-            <a:avLst/>
-          </a:prstGeom>
-          <a:noFill/>
-          <a:ln>
-            <a:noFill/>
-          </a:ln>
-          <a:effectLst/>
-          <a:extLst>
-            <a:ext uri="{909E8E84-426E-40DD-AFC4-6F175D3DCCD1}">
-              <a14:hiddenFill xmlns:a14="http://schemas.microsoft.com/office/drawing/2010/main">
-                <a:solidFill>
-                  <a:schemeClr val="accent1"/>
-                </a:solidFill>
-              </a14:hiddenFill>
-            </a:ext>
-            <a:ext uri="{91240B29-F687-4F45-9708-019B960494DF}">
-              <a14:hiddenLine xmlns:a14="http://schemas.microsoft.com/office/drawing/2010/main" w="9525">
-                <a:solidFill>
-                  <a:schemeClr val="tx1"/>
-                </a:solidFill>
-                <a:miter lim="800000"/>
-                <a:headEnd/>
-                <a:tailEnd/>
-              </a14:hiddenLine>
-            </a:ext>
-            <a:ext uri="{AF507438-7753-43E0-B8FC-AC1667EBCBE1}">
-              <a14:hiddenEffects xmlns:a14="http://schemas.microsoft.com/office/drawing/2010/main">
-                <a:effectLst>
-                  <a:outerShdw dist="35921" dir="2700000" algn="ctr" rotWithShape="0">
-                    <a:schemeClr val="bg2"/>
-                  </a:outerShdw>
-                </a:effectLst>
-              </a14:hiddenEffects>
-            </a:ext>
-          </a:extLst>
-        </p:spPr>
-      </p:pic>
       <p:sp>
         <p:nvSpPr>
           <p:cNvPr id="39" name="Rechteck 38"/>
@@ -6047,7 +11107,7 @@
         </p:nvSpPr>
         <p:spPr>
           <a:xfrm>
-            <a:off x="3864530" y="1401311"/>
+            <a:off x="3904358" y="1401311"/>
             <a:ext cx="441495" cy="918253"/>
           </a:xfrm>
           <a:prstGeom prst="rect">
@@ -6096,11 +11156,11 @@
           <p:nvPr/>
         </p:nvPicPr>
         <p:blipFill>
-          <a:blip r:embed="rId12">
+          <a:blip r:embed="rId6">
             <a:extLst>
               <a:ext uri="{BEBA8EAE-BF5A-486C-A8C5-ECC9F3942E4B}">
                 <a14:imgProps xmlns:a14="http://schemas.microsoft.com/office/drawing/2010/main">
-                  <a14:imgLayer r:embed="rId13">
+                  <a14:imgLayer r:embed="rId7">
                     <a14:imgEffect>
                       <a14:sharpenSoften amount="50000"/>
                     </a14:imgEffect>
@@ -6119,7 +11179,7 @@
         </p:blipFill>
         <p:spPr bwMode="auto">
           <a:xfrm>
-            <a:off x="134958" y="1338060"/>
+            <a:off x="86492" y="3193852"/>
             <a:ext cx="4272806" cy="931253"/>
           </a:xfrm>
           <a:prstGeom prst="rect">
@@ -6160,6 +11220,323 @@
           </a:extLst>
         </p:spPr>
       </p:pic>
+      <p:sp>
+        <p:nvSpPr>
+          <p:cNvPr id="2" name="Ellipse 1"/>
+          <p:cNvSpPr/>
+          <p:nvPr/>
+        </p:nvSpPr>
+        <p:spPr>
+          <a:xfrm>
+            <a:off x="4562327" y="1502766"/>
+            <a:ext cx="1947728" cy="1936024"/>
+          </a:xfrm>
+          <a:prstGeom prst="ellipse">
+            <a:avLst/>
+          </a:prstGeom>
+          <a:noFill/>
+          <a:ln w="28575"/>
+        </p:spPr>
+        <p:style>
+          <a:lnRef idx="2">
+            <a:schemeClr val="accent1">
+              <a:shade val="50000"/>
+            </a:schemeClr>
+          </a:lnRef>
+          <a:fillRef idx="1">
+            <a:schemeClr val="accent1"/>
+          </a:fillRef>
+          <a:effectRef idx="0">
+            <a:schemeClr val="accent1"/>
+          </a:effectRef>
+          <a:fontRef idx="minor">
+            <a:schemeClr val="lt1"/>
+          </a:fontRef>
+        </p:style>
+        <p:txBody>
+          <a:bodyPr rtlCol="0" anchor="ctr"/>
+          <a:lstStyle/>
+          <a:p>
+            <a:pPr algn="ctr"/>
+            <a:endParaRPr lang="en-GB" dirty="0"/>
+          </a:p>
+        </p:txBody>
+      </p:sp>
+      <p:sp>
+        <p:nvSpPr>
+          <p:cNvPr id="7" name="Textfeld 6"/>
+          <p:cNvSpPr txBox="1"/>
+          <p:nvPr/>
+        </p:nvSpPr>
+        <p:spPr>
+          <a:xfrm>
+            <a:off x="5552897" y="3356712"/>
+            <a:ext cx="1296144" cy="369332"/>
+          </a:xfrm>
+          <a:prstGeom prst="rect">
+            <a:avLst/>
+          </a:prstGeom>
+          <a:noFill/>
+        </p:spPr>
+        <p:txBody>
+          <a:bodyPr wrap="square" rtlCol="0">
+            <a:spAutoFit/>
+          </a:bodyPr>
+          <a:lstStyle/>
+          <a:p>
+            <a:r>
+              <a:rPr lang="de-CH" dirty="0" err="1" smtClean="0">
+                <a:solidFill>
+                  <a:schemeClr val="accent1">
+                    <a:lumMod val="75000"/>
+                  </a:schemeClr>
+                </a:solidFill>
+              </a:rPr>
+              <a:t>cutoff</a:t>
+            </a:r>
+            <a:endParaRPr lang="en-GB" dirty="0">
+              <a:solidFill>
+                <a:schemeClr val="accent1">
+                  <a:lumMod val="75000"/>
+                </a:schemeClr>
+              </a:solidFill>
+            </a:endParaRPr>
+          </a:p>
+        </p:txBody>
+      </p:sp>
+      <p:sp>
+        <p:nvSpPr>
+          <p:cNvPr id="29" name="Inhaltsplatzhalter 1"/>
+          <p:cNvSpPr>
+            <a:spLocks noGrp="1"/>
+          </p:cNvSpPr>
+          <p:nvPr>
+            <p:ph idx="1"/>
+          </p:nvPr>
+        </p:nvSpPr>
+        <p:spPr>
+          <a:xfrm>
+            <a:off x="457200" y="1481328"/>
+            <a:ext cx="3848825" cy="5188032"/>
+          </a:xfrm>
+        </p:spPr>
+        <p:txBody>
+          <a:bodyPr/>
+          <a:lstStyle/>
+          <a:p>
+            <a:r>
+              <a:rPr lang="de-CH" dirty="0" err="1" smtClean="0"/>
+              <a:t>continuous</a:t>
+            </a:r>
+            <a:r>
+              <a:rPr lang="de-CH" dirty="0" smtClean="0"/>
+              <a:t> </a:t>
+            </a:r>
+            <a:r>
+              <a:rPr lang="de-CH" dirty="0" err="1" smtClean="0"/>
+              <a:t>model</a:t>
+            </a:r>
+            <a:endParaRPr lang="de-CH" dirty="0" smtClean="0"/>
+          </a:p>
+          <a:p>
+            <a:pPr marL="109728" indent="0">
+              <a:buNone/>
+            </a:pPr>
+            <a:endParaRPr lang="de-CH" dirty="0" smtClean="0"/>
+          </a:p>
+          <a:p>
+            <a:r>
+              <a:rPr lang="de-CH" dirty="0" err="1" smtClean="0"/>
+              <a:t>newton’s</a:t>
+            </a:r>
+            <a:r>
+              <a:rPr lang="de-CH" dirty="0" smtClean="0"/>
+              <a:t> </a:t>
+            </a:r>
+            <a:r>
+              <a:rPr lang="de-CH" dirty="0" err="1" smtClean="0"/>
+              <a:t>law</a:t>
+            </a:r>
+            <a:endParaRPr lang="de-CH" dirty="0" smtClean="0"/>
+          </a:p>
+          <a:p>
+            <a:endParaRPr lang="de-CH" dirty="0"/>
+          </a:p>
+          <a:p>
+            <a:endParaRPr lang="de-CH" dirty="0" smtClean="0"/>
+          </a:p>
+          <a:p>
+            <a:endParaRPr lang="de-CH" dirty="0"/>
+          </a:p>
+          <a:p>
+            <a:endParaRPr lang="en-GB" dirty="0"/>
+          </a:p>
+        </p:txBody>
+      </p:sp>
+      <p:sp>
+        <p:nvSpPr>
+          <p:cNvPr id="30" name="Ellipse 29"/>
+          <p:cNvSpPr/>
+          <p:nvPr/>
+        </p:nvSpPr>
+        <p:spPr>
+          <a:xfrm>
+            <a:off x="7596336" y="2150663"/>
+            <a:ext cx="360040" cy="360040"/>
+          </a:xfrm>
+          <a:prstGeom prst="ellipse">
+            <a:avLst/>
+          </a:prstGeom>
+          <a:solidFill>
+            <a:srgbClr val="00B050"/>
+          </a:solidFill>
+          <a:ln>
+            <a:solidFill>
+              <a:srgbClr val="00B050"/>
+            </a:solidFill>
+          </a:ln>
+        </p:spPr>
+        <p:style>
+          <a:lnRef idx="2">
+            <a:schemeClr val="dk1">
+              <a:shade val="50000"/>
+            </a:schemeClr>
+          </a:lnRef>
+          <a:fillRef idx="1">
+            <a:schemeClr val="dk1"/>
+          </a:fillRef>
+          <a:effectRef idx="0">
+            <a:schemeClr val="dk1"/>
+          </a:effectRef>
+          <a:fontRef idx="minor">
+            <a:schemeClr val="lt1"/>
+          </a:fontRef>
+        </p:style>
+        <p:txBody>
+          <a:bodyPr rtlCol="0" anchor="ctr"/>
+          <a:lstStyle/>
+          <a:p>
+            <a:pPr algn="ctr"/>
+            <a:endParaRPr lang="en-GB"/>
+          </a:p>
+        </p:txBody>
+      </p:sp>
+      <p:sp>
+        <p:nvSpPr>
+          <p:cNvPr id="31" name="Ellipse 30"/>
+          <p:cNvSpPr/>
+          <p:nvPr/>
+        </p:nvSpPr>
+        <p:spPr>
+          <a:xfrm>
+            <a:off x="7236296" y="3398742"/>
+            <a:ext cx="360040" cy="360040"/>
+          </a:xfrm>
+          <a:prstGeom prst="ellipse">
+            <a:avLst/>
+          </a:prstGeom>
+          <a:solidFill>
+            <a:srgbClr val="00B050"/>
+          </a:solidFill>
+          <a:ln>
+            <a:solidFill>
+              <a:srgbClr val="00B050"/>
+            </a:solidFill>
+          </a:ln>
+        </p:spPr>
+        <p:style>
+          <a:lnRef idx="2">
+            <a:schemeClr val="dk1">
+              <a:shade val="50000"/>
+            </a:schemeClr>
+          </a:lnRef>
+          <a:fillRef idx="1">
+            <a:schemeClr val="dk1"/>
+          </a:fillRef>
+          <a:effectRef idx="0">
+            <a:schemeClr val="dk1"/>
+          </a:effectRef>
+          <a:fontRef idx="minor">
+            <a:schemeClr val="lt1"/>
+          </a:fontRef>
+        </p:style>
+        <p:txBody>
+          <a:bodyPr rtlCol="0" anchor="ctr"/>
+          <a:lstStyle/>
+          <a:p>
+            <a:pPr algn="ctr"/>
+            <a:endParaRPr lang="en-GB"/>
+          </a:p>
+        </p:txBody>
+      </p:sp>
+      <p:sp>
+        <p:nvSpPr>
+          <p:cNvPr id="32" name="Textfeld 31"/>
+          <p:cNvSpPr txBox="1"/>
+          <p:nvPr/>
+        </p:nvSpPr>
+        <p:spPr>
+          <a:xfrm>
+            <a:off x="7232879" y="3389450"/>
+            <a:ext cx="857380" cy="369332"/>
+          </a:xfrm>
+          <a:prstGeom prst="rect">
+            <a:avLst/>
+          </a:prstGeom>
+          <a:noFill/>
+        </p:spPr>
+        <p:txBody>
+          <a:bodyPr wrap="square" rtlCol="0">
+            <a:spAutoFit/>
+          </a:bodyPr>
+          <a:lstStyle/>
+          <a:p>
+            <a:r>
+              <a:rPr lang="de-CH" dirty="0" smtClean="0"/>
+              <a:t>m  </a:t>
+            </a:r>
+            <a:endParaRPr lang="en-GB" dirty="0">
+              <a:solidFill>
+                <a:srgbClr val="00B050"/>
+              </a:solidFill>
+            </a:endParaRPr>
+          </a:p>
+        </p:txBody>
+      </p:sp>
+      <p:sp>
+        <p:nvSpPr>
+          <p:cNvPr id="33" name="Textfeld 32"/>
+          <p:cNvSpPr txBox="1"/>
+          <p:nvPr/>
+        </p:nvSpPr>
+        <p:spPr>
+          <a:xfrm>
+            <a:off x="7596336" y="2141371"/>
+            <a:ext cx="857380" cy="369332"/>
+          </a:xfrm>
+          <a:prstGeom prst="rect">
+            <a:avLst/>
+          </a:prstGeom>
+          <a:noFill/>
+        </p:spPr>
+        <p:txBody>
+          <a:bodyPr wrap="square" rtlCol="0">
+            <a:spAutoFit/>
+          </a:bodyPr>
+          <a:lstStyle/>
+          <a:p>
+            <a:r>
+              <a:rPr lang="de-CH" dirty="0" smtClean="0"/>
+              <a:t>m  </a:t>
+            </a:r>
+            <a:endParaRPr lang="en-GB" dirty="0">
+              <a:solidFill>
+                <a:srgbClr val="00B050"/>
+              </a:solidFill>
+            </a:endParaRPr>
+          </a:p>
+        </p:txBody>
+      </p:sp>
     </p:spTree>
     <p:extLst>
       <p:ext uri="{BB962C8B-B14F-4D97-AF65-F5344CB8AC3E}">
@@ -6191,7 +11568,7 @@
                             </p:stCondLst>
                             <p:childTnLst>
                               <p:par>
-                                <p:cTn id="5" presetID="1" presetClass="entr" presetSubtype="0" fill="hold" nodeType="clickEffect">
+                                <p:cTn id="5" presetID="1" presetClass="entr" presetSubtype="0" fill="hold" grpId="0" nodeType="clickEffect">
                                   <p:stCondLst>
                                     <p:cond delay="0"/>
                                   </p:stCondLst>
@@ -6204,7 +11581,150 @@
                                           </p:stCondLst>
                                         </p:cTn>
                                         <p:tgtEl>
-                                          <p:spTgt spid="1029"/>
+                                          <p:spTgt spid="29">
+                                            <p:txEl>
+                                              <p:pRg st="0" end="0"/>
+                                            </p:txEl>
+                                          </p:spTgt>
+                                        </p:tgtEl>
+                                        <p:attrNameLst>
+                                          <p:attrName>style.visibility</p:attrName>
+                                        </p:attrNameLst>
+                                      </p:cBhvr>
+                                      <p:to>
+                                        <p:strVal val="visible"/>
+                                      </p:to>
+                                    </p:set>
+                                  </p:childTnLst>
+                                </p:cTn>
+                              </p:par>
+                            </p:childTnLst>
+                          </p:cTn>
+                        </p:par>
+                      </p:childTnLst>
+                    </p:cTn>
+                  </p:par>
+                  <p:par>
+                    <p:cTn id="7" fill="hold">
+                      <p:stCondLst>
+                        <p:cond delay="indefinite"/>
+                      </p:stCondLst>
+                      <p:childTnLst>
+                        <p:par>
+                          <p:cTn id="8" fill="hold">
+                            <p:stCondLst>
+                              <p:cond delay="0"/>
+                            </p:stCondLst>
+                            <p:childTnLst>
+                              <p:par>
+                                <p:cTn id="9" presetID="1" presetClass="entr" presetSubtype="0" fill="hold" grpId="0" nodeType="clickEffect">
+                                  <p:stCondLst>
+                                    <p:cond delay="0"/>
+                                  </p:stCondLst>
+                                  <p:childTnLst>
+                                    <p:set>
+                                      <p:cBhvr>
+                                        <p:cTn id="10" dur="1" fill="hold">
+                                          <p:stCondLst>
+                                            <p:cond delay="0"/>
+                                          </p:stCondLst>
+                                        </p:cTn>
+                                        <p:tgtEl>
+                                          <p:spTgt spid="29">
+                                            <p:txEl>
+                                              <p:pRg st="2" end="2"/>
+                                            </p:txEl>
+                                          </p:spTgt>
+                                        </p:tgtEl>
+                                        <p:attrNameLst>
+                                          <p:attrName>style.visibility</p:attrName>
+                                        </p:attrNameLst>
+                                      </p:cBhvr>
+                                      <p:to>
+                                        <p:strVal val="visible"/>
+                                      </p:to>
+                                    </p:set>
+                                  </p:childTnLst>
+                                </p:cTn>
+                              </p:par>
+                            </p:childTnLst>
+                          </p:cTn>
+                        </p:par>
+                      </p:childTnLst>
+                    </p:cTn>
+                  </p:par>
+                  <p:par>
+                    <p:cTn id="11" fill="hold">
+                      <p:stCondLst>
+                        <p:cond delay="indefinite"/>
+                      </p:stCondLst>
+                      <p:childTnLst>
+                        <p:par>
+                          <p:cTn id="12" fill="hold">
+                            <p:stCondLst>
+                              <p:cond delay="0"/>
+                            </p:stCondLst>
+                            <p:childTnLst>
+                              <p:par>
+                                <p:cTn id="13" presetID="1" presetClass="entr" presetSubtype="0" fill="hold" nodeType="clickEffect">
+                                  <p:stCondLst>
+                                    <p:cond delay="0"/>
+                                  </p:stCondLst>
+                                  <p:childTnLst>
+                                    <p:set>
+                                      <p:cBhvr>
+                                        <p:cTn id="14" dur="1" fill="hold">
+                                          <p:stCondLst>
+                                            <p:cond delay="0"/>
+                                          </p:stCondLst>
+                                        </p:cTn>
+                                        <p:tgtEl>
+                                          <p:spTgt spid="1027"/>
+                                        </p:tgtEl>
+                                        <p:attrNameLst>
+                                          <p:attrName>style.visibility</p:attrName>
+                                        </p:attrNameLst>
+                                      </p:cBhvr>
+                                      <p:to>
+                                        <p:strVal val="visible"/>
+                                      </p:to>
+                                    </p:set>
+                                  </p:childTnLst>
+                                </p:cTn>
+                              </p:par>
+                            </p:childTnLst>
+                          </p:cTn>
+                        </p:par>
+                      </p:childTnLst>
+                    </p:cTn>
+                  </p:par>
+                  <p:par>
+                    <p:cTn id="15" fill="hold">
+                      <p:stCondLst>
+                        <p:cond delay="indefinite"/>
+                      </p:stCondLst>
+                      <p:childTnLst>
+                        <p:par>
+                          <p:cTn id="16" fill="hold">
+                            <p:stCondLst>
+                              <p:cond delay="0"/>
+                            </p:stCondLst>
+                            <p:childTnLst>
+                              <p:par>
+                                <p:cTn id="17" presetID="1" presetClass="entr" presetSubtype="0" fill="hold" nodeType="clickEffect">
+                                  <p:stCondLst>
+                                    <p:cond delay="0"/>
+                                  </p:stCondLst>
+                                  <p:childTnLst>
+                                    <p:set>
+                                      <p:cBhvr>
+                                        <p:cTn id="18" dur="1" fill="hold">
+                                          <p:stCondLst>
+                                            <p:cond delay="0"/>
+                                          </p:stCondLst>
+                                        </p:cTn>
+                                        <p:tgtEl>
+                                          <p:spTgt spid="1028"/>
                                         </p:tgtEl>
                                         <p:attrNameLst>
                                           <p:attrName>style.visibility</p:attrName>
@@ -6218,14 +11738,14 @@
                                 </p:cTn>
                               </p:par>
                               <p:par>
-                                <p:cTn id="7" presetID="1" presetClass="entr" presetSubtype="0" fill="hold" grpId="0" nodeType="withEffect">
+                                <p:cTn id="19" presetID="1" presetClass="entr" presetSubtype="0" fill="hold" grpId="0" nodeType="withEffect">
                                   <p:stCondLst>
                                     <p:cond delay="0"/>
                                   </p:stCondLst>
                                   <p:childTnLst>
                                     <p:set>
                                       <p:cBhvr>
-                                        <p:cTn id="8" dur="1" fill="hold">
+                                        <p:cTn id="20" dur="1" fill="hold">
                                           <p:stCondLst>
                                             <p:cond delay="0"/>
                                           </p:stCondLst>
@@ -6245,47 +11765,20 @@
                                 </p:cTn>
                               </p:par>
                               <p:par>
-                                <p:cTn id="9" presetID="1" presetClass="entr" presetSubtype="0" fill="hold" nodeType="withEffect">
+                                <p:cTn id="21" presetID="1" presetClass="entr" presetSubtype="0" fill="hold" nodeType="withEffect">
                                   <p:stCondLst>
                                     <p:cond delay="0"/>
                                   </p:stCondLst>
                                   <p:childTnLst>
                                     <p:set>
                                       <p:cBhvr>
-                                        <p:cTn id="10" dur="1" fill="hold">
+                                        <p:cTn id="22" dur="1" fill="hold">
                                           <p:stCondLst>
                                             <p:cond delay="0"/>
                                           </p:stCondLst>
                                         </p:cTn>
                                         <p:tgtEl>
                                           <p:spTgt spid="24"/>
-                                        </p:tgtEl>
-                                        <p:attrNameLst>
-                                          <p:attrName>style.visibility</p:attrName>
-                                        </p:attrNameLst>
-                                      </p:cBhvr>
-                                      <p:to>
-                                        <p:strVal val="visible"/>
-                                      </p:to>
-                                    </p:set>
-                                  </p:childTnLst>
-                                </p:cTn>
-                              </p:par>
-                              <p:par>
-                                <p:cTn id="11" presetID="1" presetClass="entr" presetSubtype="0" fill="hold" nodeType="withEffect">
-                                  <p:stCondLst>
-                                    <p:cond delay="0"/>
-                                  </p:stCondLst>
-                                  <p:childTnLst>
-                                    <p:set>
-                                      <p:cBhvr>
-                                        <p:cTn id="12" dur="1" fill="hold">
-                                          <p:stCondLst>
-                                            <p:cond delay="0"/>
-                                          </p:stCondLst>
-                                        </p:cTn>
-                                        <p:tgtEl>
-                                          <p:spTgt spid="1028"/>
                                         </p:tgtEl>
                                         <p:attrNameLst>
                                           <p:attrName>style.visibility</p:attrName>
@@ -6305,32 +11798,77 @@
                     </p:cTn>
                   </p:par>
                   <p:par>
-                    <p:cTn id="13" fill="hold">
+                    <p:cTn id="23" fill="hold">
                       <p:stCondLst>
                         <p:cond delay="indefinite"/>
                       </p:stCondLst>
                       <p:childTnLst>
                         <p:par>
-                          <p:cTn id="14" fill="hold">
+                          <p:cTn id="24" fill="hold">
                             <p:stCondLst>
                               <p:cond delay="0"/>
                             </p:stCondLst>
                             <p:childTnLst>
                               <p:par>
-                                <p:cTn id="15" presetID="1" presetClass="entr" presetSubtype="0" fill="hold" nodeType="clickEffect">
+                                <p:cTn id="25" presetID="1" presetClass="entr" presetSubtype="0" fill="hold" grpId="0" nodeType="clickEffect">
                                   <p:stCondLst>
                                     <p:cond delay="0"/>
                                   </p:stCondLst>
                                   <p:childTnLst>
                                     <p:set>
                                       <p:cBhvr>
-                                        <p:cTn id="16" dur="1" fill="hold">
+                                        <p:cTn id="26" dur="1" fill="hold">
                                           <p:stCondLst>
                                             <p:cond delay="0"/>
                                           </p:stCondLst>
                                         </p:cTn>
                                         <p:tgtEl>
-                                          <p:spTgt spid="1030"/>
+                                          <p:spTgt spid="2"/>
+                                        </p:tgtEl>
+                                        <p:attrNameLst>
+                                          <p:attrName>style.visibility</p:attrName>
+                                        </p:attrNameLst>
+                                      </p:cBhvr>
+                                      <p:to>
+                                        <p:strVal val="visible"/>
+                                      </p:to>
+                                    </p:set>
+                                  </p:childTnLst>
+                                </p:cTn>
+                              </p:par>
+                            </p:childTnLst>
+                          </p:cTn>
+                        </p:par>
+                      </p:childTnLst>
+                    </p:cTn>
+                  </p:par>
+                  <p:par>
+                    <p:cTn id="27" fill="hold">
+                      <p:stCondLst>
+                        <p:cond delay="indefinite"/>
+                      </p:stCondLst>
+                      <p:childTnLst>
+                        <p:par>
+                          <p:cTn id="28" fill="hold">
+                            <p:stCondLst>
+                              <p:cond delay="0"/>
+                            </p:stCondLst>
+                            <p:childTnLst>
+                              <p:par>
+                                <p:cTn id="29" presetID="1" presetClass="entr" presetSubtype="0" fill="hold" grpId="0" nodeType="clickEffect">
+                                  <p:stCondLst>
+                                    <p:cond delay="0"/>
+                                  </p:stCondLst>
+                                  <p:childTnLst>
+                                    <p:set>
+                                      <p:cBhvr>
+                                        <p:cTn id="30" dur="1" fill="hold">
+                                          <p:stCondLst>
+                                            <p:cond delay="0"/>
+                                          </p:stCondLst>
+                                        </p:cTn>
+                                        <p:tgtEl>
+                                          <p:spTgt spid="7"/>
                                         </p:tgtEl>
                                         <p:attrNameLst>
                                           <p:attrName>style.visibility</p:attrName>
@@ -6344,14 +11882,14 @@
                                 </p:cTn>
                               </p:par>
                               <p:par>
-                                <p:cTn id="17" presetID="1" presetClass="entr" presetSubtype="0" fill="hold" grpId="0" nodeType="withEffect">
+                                <p:cTn id="31" presetID="1" presetClass="entr" presetSubtype="0" fill="hold" grpId="0" nodeType="withEffect">
                                   <p:stCondLst>
                                     <p:cond delay="0"/>
                                   </p:stCondLst>
                                   <p:childTnLst>
                                     <p:set>
                                       <p:cBhvr>
-                                        <p:cTn id="18" dur="1" fill="hold">
+                                        <p:cTn id="32" dur="1" fill="hold">
                                           <p:stCondLst>
                                             <p:cond delay="0"/>
                                           </p:stCondLst>
@@ -6371,14 +11909,14 @@
                                 </p:cTn>
                               </p:par>
                               <p:par>
-                                <p:cTn id="19" presetID="1" presetClass="entr" presetSubtype="0" fill="hold" nodeType="withEffect">
+                                <p:cTn id="33" presetID="1" presetClass="entr" presetSubtype="0" fill="hold" nodeType="withEffect">
                                   <p:stCondLst>
                                     <p:cond delay="0"/>
                                   </p:stCondLst>
                                   <p:childTnLst>
                                     <p:set>
                                       <p:cBhvr>
-                                        <p:cTn id="20" dur="1" fill="hold">
+                                        <p:cTn id="34" dur="1" fill="hold">
                                           <p:stCondLst>
                                             <p:cond delay="0"/>
                                           </p:stCondLst>
@@ -6404,53 +11942,26 @@
                     </p:cTn>
                   </p:par>
                   <p:par>
-                    <p:cTn id="21" fill="hold">
+                    <p:cTn id="35" fill="hold">
                       <p:stCondLst>
                         <p:cond delay="indefinite"/>
                       </p:stCondLst>
                       <p:childTnLst>
                         <p:par>
-                          <p:cTn id="22" fill="hold">
+                          <p:cTn id="36" fill="hold">
                             <p:stCondLst>
                               <p:cond delay="0"/>
                             </p:stCondLst>
                             <p:childTnLst>
                               <p:par>
-                                <p:cTn id="23" presetID="1" presetClass="entr" presetSubtype="0" fill="hold" nodeType="clickEffect">
+                                <p:cTn id="37" presetID="1" presetClass="entr" presetSubtype="0" fill="hold" nodeType="clickEffect">
                                   <p:stCondLst>
                                     <p:cond delay="0"/>
                                   </p:stCondLst>
                                   <p:childTnLst>
                                     <p:set>
                                       <p:cBhvr>
-                                        <p:cTn id="24" dur="1" fill="hold">
-                                          <p:stCondLst>
-                                            <p:cond delay="0"/>
-                                          </p:stCondLst>
-                                        </p:cTn>
-                                        <p:tgtEl>
-                                          <p:spTgt spid="1031"/>
-                                        </p:tgtEl>
-                                        <p:attrNameLst>
-                                          <p:attrName>style.visibility</p:attrName>
-                                        </p:attrNameLst>
-                                      </p:cBhvr>
-                                      <p:to>
-                                        <p:strVal val="visible"/>
-                                      </p:to>
-                                    </p:set>
-                                  </p:childTnLst>
-                                </p:cTn>
-                              </p:par>
-                              <p:par>
-                                <p:cTn id="25" presetID="1" presetClass="entr" presetSubtype="0" fill="hold" nodeType="withEffect">
-                                  <p:stCondLst>
-                                    <p:cond delay="0"/>
-                                  </p:stCondLst>
-                                  <p:childTnLst>
-                                    <p:set>
-                                      <p:cBhvr>
-                                        <p:cTn id="26" dur="1" fill="hold">
+                                        <p:cTn id="38" dur="1" fill="hold">
                                           <p:stCondLst>
                                             <p:cond delay="0"/>
                                           </p:stCondLst>
@@ -6470,14 +11981,14 @@
                                 </p:cTn>
                               </p:par>
                               <p:par>
-                                <p:cTn id="27" presetID="1" presetClass="entr" presetSubtype="0" fill="hold" grpId="0" nodeType="withEffect">
+                                <p:cTn id="39" presetID="1" presetClass="entr" presetSubtype="0" fill="hold" grpId="0" nodeType="withEffect">
                                   <p:stCondLst>
                                     <p:cond delay="0"/>
                                   </p:stCondLst>
                                   <p:childTnLst>
                                     <p:set>
                                       <p:cBhvr>
-                                        <p:cTn id="28" dur="1" fill="hold">
+                                        <p:cTn id="40" dur="1" fill="hold">
                                           <p:stCondLst>
                                             <p:cond delay="0"/>
                                           </p:stCondLst>
@@ -6527,6 +12038,9 @@
       <p:bldP spid="12" grpId="0"/>
       <p:bldP spid="17" grpId="0"/>
       <p:bldP spid="27" grpId="0"/>
+      <p:bldP spid="2" grpId="0" animBg="1"/>
+      <p:bldP spid="7" grpId="0"/>
+      <p:bldP spid="29" grpId="0" uiExpand="1" build="p"/>
     </p:bldLst>
   </p:timing>
 </p:sld>
@@ -6559,28 +12073,18 @@
             <p:ph idx="1"/>
           </p:nvPr>
         </p:nvSpPr>
-        <p:spPr/>
+        <p:spPr>
+          <a:xfrm>
+            <a:off x="457200" y="1481328"/>
+            <a:ext cx="5338936" cy="4539960"/>
+          </a:xfrm>
+        </p:spPr>
         <p:txBody>
           <a:bodyPr/>
           <a:lstStyle/>
           <a:p>
             <a:r>
               <a:rPr lang="de-CH" dirty="0" err="1" smtClean="0"/>
-              <a:t>clogging</a:t>
-            </a:r>
-            <a:r>
-              <a:rPr lang="de-CH" dirty="0" smtClean="0"/>
-              <a:t> </a:t>
-            </a:r>
-            <a:r>
-              <a:rPr lang="de-CH" dirty="0" err="1" smtClean="0"/>
-              <a:t>agents</a:t>
-            </a:r>
-            <a:endParaRPr lang="de-CH" dirty="0" smtClean="0"/>
-          </a:p>
-          <a:p>
-            <a:r>
-              <a:rPr lang="de-CH" dirty="0" err="1" smtClean="0"/>
               <a:t>general</a:t>
             </a:r>
             <a:r>
@@ -6598,6 +12102,13 @@
             <a:r>
               <a:rPr lang="de-CH" dirty="0" err="1" smtClean="0"/>
               <a:t>adjustments</a:t>
+            </a:r>
+            <a:endParaRPr lang="de-CH" dirty="0" smtClean="0"/>
+          </a:p>
+          <a:p>
+            <a:r>
+              <a:rPr lang="de-CH" dirty="0" err="1" smtClean="0"/>
+              <a:t>difficulties</a:t>
             </a:r>
             <a:endParaRPr lang="de-CH" dirty="0" smtClean="0"/>
           </a:p>
@@ -6644,11 +12155,11 @@
           <p:nvPr/>
         </p:nvPicPr>
         <p:blipFill>
-          <a:blip r:embed="rId2">
+          <a:blip r:embed="rId3">
             <a:extLst>
               <a:ext uri="{BEBA8EAE-BF5A-486C-A8C5-ECC9F3942E4B}">
                 <a14:imgProps xmlns:a14="http://schemas.microsoft.com/office/drawing/2010/main">
-                  <a14:imgLayer r:embed="rId3">
+                  <a14:imgLayer r:embed="rId4">
                     <a14:imgEffect>
                       <a14:backgroundRemoval t="14019" b="89720" l="0" r="100000">
                         <a14:backgroundMark x1="15486" y1="6542" x2="15486" y2="6542"/>
@@ -6730,9 +12241,1486 @@
   <p:timing>
     <p:tnLst>
       <p:par>
-        <p:cTn id="1" dur="indefinite" restart="never" nodeType="tmRoot"/>
+        <p:cTn id="1" dur="indefinite" restart="never" nodeType="tmRoot">
+          <p:childTnLst>
+            <p:seq concurrent="1" nextAc="seek">
+              <p:cTn id="2" dur="indefinite" nodeType="mainSeq">
+                <p:childTnLst>
+                  <p:par>
+                    <p:cTn id="3" fill="hold">
+                      <p:stCondLst>
+                        <p:cond delay="indefinite"/>
+                      </p:stCondLst>
+                      <p:childTnLst>
+                        <p:par>
+                          <p:cTn id="4" fill="hold">
+                            <p:stCondLst>
+                              <p:cond delay="0"/>
+                            </p:stCondLst>
+                            <p:childTnLst>
+                              <p:par>
+                                <p:cTn id="5" presetID="1" presetClass="entr" presetSubtype="0" fill="hold" nodeType="clickEffect">
+                                  <p:stCondLst>
+                                    <p:cond delay="0"/>
+                                  </p:stCondLst>
+                                  <p:childTnLst>
+                                    <p:set>
+                                      <p:cBhvr>
+                                        <p:cTn id="6" dur="1" fill="hold">
+                                          <p:stCondLst>
+                                            <p:cond delay="0"/>
+                                          </p:stCondLst>
+                                        </p:cTn>
+                                        <p:tgtEl>
+                                          <p:spTgt spid="2">
+                                            <p:txEl>
+                                              <p:pRg st="0" end="0"/>
+                                            </p:txEl>
+                                          </p:spTgt>
+                                        </p:tgtEl>
+                                        <p:attrNameLst>
+                                          <p:attrName>style.visibility</p:attrName>
+                                        </p:attrNameLst>
+                                      </p:cBhvr>
+                                      <p:to>
+                                        <p:strVal val="visible"/>
+                                      </p:to>
+                                    </p:set>
+                                  </p:childTnLst>
+                                </p:cTn>
+                              </p:par>
+                            </p:childTnLst>
+                          </p:cTn>
+                        </p:par>
+                      </p:childTnLst>
+                    </p:cTn>
+                  </p:par>
+                  <p:par>
+                    <p:cTn id="7" fill="hold">
+                      <p:stCondLst>
+                        <p:cond delay="indefinite"/>
+                      </p:stCondLst>
+                      <p:childTnLst>
+                        <p:par>
+                          <p:cTn id="8" fill="hold">
+                            <p:stCondLst>
+                              <p:cond delay="0"/>
+                            </p:stCondLst>
+                            <p:childTnLst>
+                              <p:par>
+                                <p:cTn id="9" presetID="1" presetClass="entr" presetSubtype="0" fill="hold" nodeType="clickEffect">
+                                  <p:stCondLst>
+                                    <p:cond delay="0"/>
+                                  </p:stCondLst>
+                                  <p:childTnLst>
+                                    <p:set>
+                                      <p:cBhvr>
+                                        <p:cTn id="10" dur="1" fill="hold">
+                                          <p:stCondLst>
+                                            <p:cond delay="0"/>
+                                          </p:stCondLst>
+                                        </p:cTn>
+                                        <p:tgtEl>
+                                          <p:spTgt spid="2">
+                                            <p:txEl>
+                                              <p:pRg st="1" end="1"/>
+                                            </p:txEl>
+                                          </p:spTgt>
+                                        </p:tgtEl>
+                                        <p:attrNameLst>
+                                          <p:attrName>style.visibility</p:attrName>
+                                        </p:attrNameLst>
+                                      </p:cBhvr>
+                                      <p:to>
+                                        <p:strVal val="visible"/>
+                                      </p:to>
+                                    </p:set>
+                                  </p:childTnLst>
+                                </p:cTn>
+                              </p:par>
+                            </p:childTnLst>
+                          </p:cTn>
+                        </p:par>
+                      </p:childTnLst>
+                    </p:cTn>
+                  </p:par>
+                </p:childTnLst>
+              </p:cTn>
+              <p:prevCondLst>
+                <p:cond evt="onPrev" delay="0">
+                  <p:tgtEl>
+                    <p:sldTgt/>
+                  </p:tgtEl>
+                </p:cond>
+              </p:prevCondLst>
+              <p:nextCondLst>
+                <p:cond evt="onNext" delay="0">
+                  <p:tgtEl>
+                    <p:sldTgt/>
+                  </p:tgtEl>
+                </p:cond>
+              </p:nextCondLst>
+            </p:seq>
+          </p:childTnLst>
+        </p:cTn>
       </p:par>
     </p:tnLst>
+  </p:timing>
+</p:sld>
+</file>
+
+<file path=ppt/slides/slide3.xml><?xml version="1.0" encoding="utf-8"?>
+<p:sld xmlns:a="http://schemas.openxmlformats.org/drawingml/2006/main" xmlns:r="http://schemas.openxmlformats.org/officeDocument/2006/relationships" xmlns:p="http://schemas.openxmlformats.org/presentationml/2006/main">
+  <p:cSld>
+    <p:spTree>
+      <p:nvGrpSpPr>
+        <p:cNvPr id="1" name=""/>
+        <p:cNvGrpSpPr/>
+        <p:nvPr/>
+      </p:nvGrpSpPr>
+      <p:grpSpPr>
+        <a:xfrm>
+          <a:off x="0" y="0"/>
+          <a:ext cx="0" cy="0"/>
+          <a:chOff x="0" y="0"/>
+          <a:chExt cx="0" cy="0"/>
+        </a:xfrm>
+      </p:grpSpPr>
+      <p:sp>
+        <p:nvSpPr>
+          <p:cNvPr id="2" name="Inhaltsplatzhalter 1"/>
+          <p:cNvSpPr>
+            <a:spLocks noGrp="1"/>
+          </p:cNvSpPr>
+          <p:nvPr>
+            <p:ph idx="1"/>
+          </p:nvPr>
+        </p:nvSpPr>
+        <p:spPr>
+          <a:xfrm>
+            <a:off x="323528" y="1484784"/>
+            <a:ext cx="8496944" cy="5040560"/>
+          </a:xfrm>
+        </p:spPr>
+        <p:txBody>
+          <a:bodyPr/>
+          <a:lstStyle/>
+          <a:p>
+            <a:r>
+              <a:rPr lang="de-CH" dirty="0" err="1" smtClean="0"/>
+              <a:t>exit-floor</a:t>
+            </a:r>
+            <a:endParaRPr lang="en-GB" dirty="0" smtClean="0"/>
+          </a:p>
+          <a:p>
+            <a:r>
+              <a:rPr lang="de-CH" dirty="0" err="1" smtClean="0"/>
+              <a:t>differ</a:t>
+            </a:r>
+            <a:r>
+              <a:rPr lang="de-CH" dirty="0" smtClean="0"/>
+              <a:t> </a:t>
+            </a:r>
+            <a:r>
+              <a:rPr lang="de-CH" dirty="0" err="1" smtClean="0"/>
+              <a:t>exits</a:t>
+            </a:r>
+            <a:r>
+              <a:rPr lang="de-CH" dirty="0" smtClean="0"/>
+              <a:t> </a:t>
+            </a:r>
+            <a:r>
+              <a:rPr lang="de-CH" dirty="0" err="1" smtClean="0"/>
+              <a:t>by</a:t>
+            </a:r>
+            <a:r>
+              <a:rPr lang="de-CH" dirty="0" smtClean="0"/>
+              <a:t> </a:t>
+            </a:r>
+            <a:r>
+              <a:rPr lang="de-CH" dirty="0" err="1" smtClean="0"/>
+              <a:t>number</a:t>
+            </a:r>
+            <a:endParaRPr lang="de-CH" dirty="0" smtClean="0"/>
+          </a:p>
+          <a:p>
+            <a:r>
+              <a:rPr lang="de-CH" dirty="0" err="1" smtClean="0"/>
+              <a:t>close</a:t>
+            </a:r>
+            <a:r>
+              <a:rPr lang="de-CH" dirty="0" smtClean="0"/>
+              <a:t> </a:t>
+            </a:r>
+            <a:r>
+              <a:rPr lang="de-CH" dirty="0" err="1" smtClean="0"/>
+              <a:t>exits</a:t>
+            </a:r>
+            <a:r>
+              <a:rPr lang="de-CH" dirty="0" smtClean="0"/>
+              <a:t> </a:t>
+            </a:r>
+            <a:r>
+              <a:rPr lang="de-CH" dirty="0" err="1" smtClean="0"/>
+              <a:t>during</a:t>
+            </a:r>
+            <a:r>
+              <a:rPr lang="de-CH" dirty="0" smtClean="0"/>
+              <a:t> </a:t>
+            </a:r>
+            <a:r>
+              <a:rPr lang="de-CH" dirty="0" err="1" smtClean="0"/>
+              <a:t>simulation</a:t>
+            </a:r>
+            <a:endParaRPr lang="de-CH" dirty="0" smtClean="0"/>
+          </a:p>
+          <a:p>
+            <a:r>
+              <a:rPr lang="de-CH" dirty="0" smtClean="0"/>
+              <a:t>limited </a:t>
+            </a:r>
+            <a:r>
+              <a:rPr lang="de-CH" dirty="0" err="1" smtClean="0"/>
+              <a:t>number</a:t>
+            </a:r>
+            <a:r>
+              <a:rPr lang="de-CH" dirty="0" smtClean="0"/>
+              <a:t> </a:t>
+            </a:r>
+            <a:r>
+              <a:rPr lang="de-CH" dirty="0" err="1" smtClean="0"/>
+              <a:t>of</a:t>
+            </a:r>
+            <a:r>
+              <a:rPr lang="de-CH" dirty="0" smtClean="0"/>
+              <a:t> </a:t>
+            </a:r>
+            <a:r>
+              <a:rPr lang="de-CH" dirty="0" err="1" smtClean="0"/>
+              <a:t>agents</a:t>
+            </a:r>
+            <a:r>
+              <a:rPr lang="de-CH" dirty="0" smtClean="0"/>
+              <a:t> </a:t>
+            </a:r>
+            <a:r>
+              <a:rPr lang="de-CH" dirty="0" err="1" smtClean="0"/>
+              <a:t>can</a:t>
+            </a:r>
+            <a:r>
+              <a:rPr lang="de-CH" dirty="0" smtClean="0"/>
+              <a:t> </a:t>
+            </a:r>
+            <a:r>
+              <a:rPr lang="de-CH" dirty="0" err="1" smtClean="0"/>
+              <a:t>exit</a:t>
+            </a:r>
+            <a:endParaRPr lang="de-CH" dirty="0" smtClean="0"/>
+          </a:p>
+        </p:txBody>
+      </p:sp>
+      <p:sp>
+        <p:nvSpPr>
+          <p:cNvPr id="3" name="Titel 2"/>
+          <p:cNvSpPr>
+            <a:spLocks noGrp="1"/>
+          </p:cNvSpPr>
+          <p:nvPr>
+            <p:ph type="title"/>
+          </p:nvPr>
+        </p:nvSpPr>
+        <p:spPr/>
+        <p:txBody>
+          <a:bodyPr/>
+          <a:lstStyle/>
+          <a:p>
+            <a:r>
+              <a:rPr lang="de-CH" dirty="0" err="1" smtClean="0">
+                <a:solidFill>
+                  <a:schemeClr val="tx1"/>
+                </a:solidFill>
+              </a:rPr>
+              <a:t>code</a:t>
+            </a:r>
+            <a:r>
+              <a:rPr lang="de-CH" dirty="0" smtClean="0">
+                <a:solidFill>
+                  <a:schemeClr val="tx1"/>
+                </a:solidFill>
+              </a:rPr>
+              <a:t> </a:t>
+            </a:r>
+            <a:r>
+              <a:rPr lang="de-CH" dirty="0" err="1" smtClean="0">
+                <a:solidFill>
+                  <a:schemeClr val="tx1"/>
+                </a:solidFill>
+              </a:rPr>
+              <a:t>adjustment</a:t>
+            </a:r>
+            <a:r>
+              <a:rPr lang="de-CH" dirty="0" smtClean="0">
+                <a:solidFill>
+                  <a:schemeClr val="tx1"/>
+                </a:solidFill>
+              </a:rPr>
+              <a:t> - </a:t>
+            </a:r>
+            <a:r>
+              <a:rPr lang="de-CH" dirty="0" err="1" smtClean="0">
+                <a:solidFill>
+                  <a:schemeClr val="tx1"/>
+                </a:solidFill>
+              </a:rPr>
+              <a:t>exits</a:t>
+            </a:r>
+            <a:endParaRPr lang="en-GB" dirty="0">
+              <a:solidFill>
+                <a:schemeClr val="tx1"/>
+              </a:solidFill>
+            </a:endParaRPr>
+          </a:p>
+        </p:txBody>
+      </p:sp>
+      <p:pic>
+        <p:nvPicPr>
+          <p:cNvPr id="1026" name="Picture 2" descr="C:\Users\manuela\Documents\GitHub\ship-evacuation\presentation\images\shipdeck_4_with_numbers.png"/>
+          <p:cNvPicPr>
+            <a:picLocks noChangeAspect="1" noChangeArrowheads="1"/>
+          </p:cNvPicPr>
+          <p:nvPr/>
+        </p:nvPicPr>
+        <p:blipFill>
+          <a:blip r:embed="rId3">
+            <a:extLst>
+              <a:ext uri="{28A0092B-C50C-407E-A947-70E740481C1C}">
+                <a14:useLocalDpi xmlns:a14="http://schemas.microsoft.com/office/drawing/2010/main" val="0"/>
+              </a:ext>
+            </a:extLst>
+          </a:blip>
+          <a:srcRect/>
+          <a:stretch>
+            <a:fillRect/>
+          </a:stretch>
+        </p:blipFill>
+        <p:spPr bwMode="auto">
+          <a:xfrm>
+            <a:off x="72586" y="4149080"/>
+            <a:ext cx="9088438" cy="1262062"/>
+          </a:xfrm>
+          <a:prstGeom prst="rect">
+            <a:avLst/>
+          </a:prstGeom>
+          <a:noFill/>
+          <a:extLst>
+            <a:ext uri="{909E8E84-426E-40DD-AFC4-6F175D3DCCD1}">
+              <a14:hiddenFill xmlns:a14="http://schemas.microsoft.com/office/drawing/2010/main">
+                <a:solidFill>
+                  <a:srgbClr val="FFFFFF"/>
+                </a:solidFill>
+              </a14:hiddenFill>
+            </a:ext>
+          </a:extLst>
+        </p:spPr>
+      </p:pic>
+      <p:pic>
+        <p:nvPicPr>
+          <p:cNvPr id="5" name="Picture 2"/>
+          <p:cNvPicPr/>
+          <p:nvPr/>
+        </p:nvPicPr>
+        <p:blipFill>
+          <a:blip r:embed="rId4">
+            <a:extLst>
+              <a:ext uri="{BEBA8EAE-BF5A-486C-A8C5-ECC9F3942E4B}">
+                <a14:imgProps xmlns:a14="http://schemas.microsoft.com/office/drawing/2010/main">
+                  <a14:imgLayer r:embed="rId5">
+                    <a14:imgEffect>
+                      <a14:backgroundRemoval t="14019" b="89720" l="0" r="100000">
+                        <a14:backgroundMark x1="15486" y1="6542" x2="15486" y2="6542"/>
+                        <a14:backgroundMark x1="12336" y1="40187" x2="12336" y2="40187"/>
+                      </a14:backgroundRemoval>
+                    </a14:imgEffect>
+                    <a14:imgEffect>
+                      <a14:sharpenSoften amount="-50000"/>
+                    </a14:imgEffect>
+                    <a14:imgEffect>
+                      <a14:brightnessContrast bright="-40000" contrast="40000"/>
+                    </a14:imgEffect>
+                  </a14:imgLayer>
+                </a14:imgProps>
+              </a:ext>
+              <a:ext uri="{28A0092B-C50C-407E-A947-70E740481C1C}">
+                <a14:useLocalDpi xmlns:a14="http://schemas.microsoft.com/office/drawing/2010/main" val="0"/>
+              </a:ext>
+            </a:extLst>
+          </a:blip>
+          <a:srcRect/>
+          <a:stretch>
+            <a:fillRect/>
+          </a:stretch>
+        </p:blipFill>
+        <p:spPr bwMode="auto">
+          <a:xfrm>
+            <a:off x="31777" y="6245696"/>
+            <a:ext cx="2191118" cy="612304"/>
+          </a:xfrm>
+          <a:prstGeom prst="rect">
+            <a:avLst/>
+          </a:prstGeom>
+          <a:noFill/>
+          <a:ln>
+            <a:noFill/>
+          </a:ln>
+          <a:effectLst/>
+          <a:extLst>
+            <a:ext uri="{909E8E84-426E-40DD-AFC4-6F175D3DCCD1}">
+              <a14:hiddenFill xmlns:a14="http://schemas.microsoft.com/office/drawing/2010/main">
+                <a:solidFill>
+                  <a:schemeClr val="accent1"/>
+                </a:solidFill>
+              </a14:hiddenFill>
+            </a:ext>
+            <a:ext uri="{91240B29-F687-4F45-9708-019B960494DF}">
+              <a14:hiddenLine xmlns:a14="http://schemas.microsoft.com/office/drawing/2010/main" w="9525">
+                <a:solidFill>
+                  <a:schemeClr val="tx1"/>
+                </a:solidFill>
+                <a:miter lim="800000"/>
+                <a:headEnd/>
+                <a:tailEnd/>
+              </a14:hiddenLine>
+            </a:ext>
+            <a:ext uri="{AF507438-7753-43E0-B8FC-AC1667EBCBE1}">
+              <a14:hiddenEffects xmlns:a14="http://schemas.microsoft.com/office/drawing/2010/main">
+                <a:effectLst>
+                  <a:outerShdw dist="35921" dir="2700000" algn="ctr" rotWithShape="0">
+                    <a:schemeClr val="bg2"/>
+                  </a:outerShdw>
+                </a:effectLst>
+              </a14:hiddenEffects>
+            </a:ext>
+          </a:extLst>
+        </p:spPr>
+      </p:pic>
+    </p:spTree>
+    <p:extLst>
+      <p:ext uri="{BB962C8B-B14F-4D97-AF65-F5344CB8AC3E}">
+        <p14:creationId xmlns:p14="http://schemas.microsoft.com/office/powerpoint/2010/main" val="3061754686"/>
+      </p:ext>
+    </p:extLst>
+  </p:cSld>
+  <p:clrMapOvr>
+    <a:masterClrMapping/>
+  </p:clrMapOvr>
+  <p:timing>
+    <p:tnLst>
+      <p:par>
+        <p:cTn id="1" dur="indefinite" restart="never" nodeType="tmRoot">
+          <p:childTnLst>
+            <p:seq concurrent="1" nextAc="seek">
+              <p:cTn id="2" dur="indefinite" nodeType="mainSeq">
+                <p:childTnLst>
+                  <p:par>
+                    <p:cTn id="3" fill="hold">
+                      <p:stCondLst>
+                        <p:cond delay="indefinite"/>
+                      </p:stCondLst>
+                      <p:childTnLst>
+                        <p:par>
+                          <p:cTn id="4" fill="hold">
+                            <p:stCondLst>
+                              <p:cond delay="0"/>
+                            </p:stCondLst>
+                            <p:childTnLst>
+                              <p:par>
+                                <p:cTn id="5" presetID="1" presetClass="entr" presetSubtype="0" fill="hold" nodeType="clickEffect">
+                                  <p:stCondLst>
+                                    <p:cond delay="0"/>
+                                  </p:stCondLst>
+                                  <p:childTnLst>
+                                    <p:set>
+                                      <p:cBhvr>
+                                        <p:cTn id="6" dur="1" fill="hold">
+                                          <p:stCondLst>
+                                            <p:cond delay="0"/>
+                                          </p:stCondLst>
+                                        </p:cTn>
+                                        <p:tgtEl>
+                                          <p:spTgt spid="2">
+                                            <p:txEl>
+                                              <p:pRg st="0" end="0"/>
+                                            </p:txEl>
+                                          </p:spTgt>
+                                        </p:tgtEl>
+                                        <p:attrNameLst>
+                                          <p:attrName>style.visibility</p:attrName>
+                                        </p:attrNameLst>
+                                      </p:cBhvr>
+                                      <p:to>
+                                        <p:strVal val="visible"/>
+                                      </p:to>
+                                    </p:set>
+                                  </p:childTnLst>
+                                </p:cTn>
+                              </p:par>
+                            </p:childTnLst>
+                          </p:cTn>
+                        </p:par>
+                      </p:childTnLst>
+                    </p:cTn>
+                  </p:par>
+                  <p:par>
+                    <p:cTn id="7" fill="hold">
+                      <p:stCondLst>
+                        <p:cond delay="indefinite"/>
+                      </p:stCondLst>
+                      <p:childTnLst>
+                        <p:par>
+                          <p:cTn id="8" fill="hold">
+                            <p:stCondLst>
+                              <p:cond delay="0"/>
+                            </p:stCondLst>
+                            <p:childTnLst>
+                              <p:par>
+                                <p:cTn id="9" presetID="1" presetClass="entr" presetSubtype="0" fill="hold" nodeType="clickEffect">
+                                  <p:stCondLst>
+                                    <p:cond delay="0"/>
+                                  </p:stCondLst>
+                                  <p:childTnLst>
+                                    <p:set>
+                                      <p:cBhvr>
+                                        <p:cTn id="10" dur="1" fill="hold">
+                                          <p:stCondLst>
+                                            <p:cond delay="0"/>
+                                          </p:stCondLst>
+                                        </p:cTn>
+                                        <p:tgtEl>
+                                          <p:spTgt spid="2">
+                                            <p:txEl>
+                                              <p:pRg st="1" end="1"/>
+                                            </p:txEl>
+                                          </p:spTgt>
+                                        </p:tgtEl>
+                                        <p:attrNameLst>
+                                          <p:attrName>style.visibility</p:attrName>
+                                        </p:attrNameLst>
+                                      </p:cBhvr>
+                                      <p:to>
+                                        <p:strVal val="visible"/>
+                                      </p:to>
+                                    </p:set>
+                                  </p:childTnLst>
+                                </p:cTn>
+                              </p:par>
+                            </p:childTnLst>
+                          </p:cTn>
+                        </p:par>
+                      </p:childTnLst>
+                    </p:cTn>
+                  </p:par>
+                  <p:par>
+                    <p:cTn id="11" fill="hold">
+                      <p:stCondLst>
+                        <p:cond delay="indefinite"/>
+                      </p:stCondLst>
+                      <p:childTnLst>
+                        <p:par>
+                          <p:cTn id="12" fill="hold">
+                            <p:stCondLst>
+                              <p:cond delay="0"/>
+                            </p:stCondLst>
+                            <p:childTnLst>
+                              <p:par>
+                                <p:cTn id="13" presetID="1" presetClass="entr" presetSubtype="0" fill="hold" nodeType="clickEffect">
+                                  <p:stCondLst>
+                                    <p:cond delay="0"/>
+                                  </p:stCondLst>
+                                  <p:childTnLst>
+                                    <p:set>
+                                      <p:cBhvr>
+                                        <p:cTn id="14" dur="1" fill="hold">
+                                          <p:stCondLst>
+                                            <p:cond delay="0"/>
+                                          </p:stCondLst>
+                                        </p:cTn>
+                                        <p:tgtEl>
+                                          <p:spTgt spid="2">
+                                            <p:txEl>
+                                              <p:pRg st="2" end="2"/>
+                                            </p:txEl>
+                                          </p:spTgt>
+                                        </p:tgtEl>
+                                        <p:attrNameLst>
+                                          <p:attrName>style.visibility</p:attrName>
+                                        </p:attrNameLst>
+                                      </p:cBhvr>
+                                      <p:to>
+                                        <p:strVal val="visible"/>
+                                      </p:to>
+                                    </p:set>
+                                  </p:childTnLst>
+                                </p:cTn>
+                              </p:par>
+                            </p:childTnLst>
+                          </p:cTn>
+                        </p:par>
+                      </p:childTnLst>
+                    </p:cTn>
+                  </p:par>
+                  <p:par>
+                    <p:cTn id="15" fill="hold">
+                      <p:stCondLst>
+                        <p:cond delay="indefinite"/>
+                      </p:stCondLst>
+                      <p:childTnLst>
+                        <p:par>
+                          <p:cTn id="16" fill="hold">
+                            <p:stCondLst>
+                              <p:cond delay="0"/>
+                            </p:stCondLst>
+                            <p:childTnLst>
+                              <p:par>
+                                <p:cTn id="17" presetID="1" presetClass="entr" presetSubtype="0" fill="hold" nodeType="clickEffect">
+                                  <p:stCondLst>
+                                    <p:cond delay="0"/>
+                                  </p:stCondLst>
+                                  <p:childTnLst>
+                                    <p:set>
+                                      <p:cBhvr>
+                                        <p:cTn id="18" dur="1" fill="hold">
+                                          <p:stCondLst>
+                                            <p:cond delay="0"/>
+                                          </p:stCondLst>
+                                        </p:cTn>
+                                        <p:tgtEl>
+                                          <p:spTgt spid="2">
+                                            <p:txEl>
+                                              <p:pRg st="3" end="3"/>
+                                            </p:txEl>
+                                          </p:spTgt>
+                                        </p:tgtEl>
+                                        <p:attrNameLst>
+                                          <p:attrName>style.visibility</p:attrName>
+                                        </p:attrNameLst>
+                                      </p:cBhvr>
+                                      <p:to>
+                                        <p:strVal val="visible"/>
+                                      </p:to>
+                                    </p:set>
+                                  </p:childTnLst>
+                                </p:cTn>
+                              </p:par>
+                            </p:childTnLst>
+                          </p:cTn>
+                        </p:par>
+                      </p:childTnLst>
+                    </p:cTn>
+                  </p:par>
+                </p:childTnLst>
+              </p:cTn>
+              <p:prevCondLst>
+                <p:cond evt="onPrev" delay="0">
+                  <p:tgtEl>
+                    <p:sldTgt/>
+                  </p:tgtEl>
+                </p:cond>
+              </p:prevCondLst>
+              <p:nextCondLst>
+                <p:cond evt="onNext" delay="0">
+                  <p:tgtEl>
+                    <p:sldTgt/>
+                  </p:tgtEl>
+                </p:cond>
+              </p:nextCondLst>
+            </p:seq>
+          </p:childTnLst>
+        </p:cTn>
+      </p:par>
+    </p:tnLst>
+  </p:timing>
+</p:sld>
+</file>
+
+<file path=ppt/slides/slide4.xml><?xml version="1.0" encoding="utf-8"?>
+<p:sld xmlns:a="http://schemas.openxmlformats.org/drawingml/2006/main" xmlns:r="http://schemas.openxmlformats.org/officeDocument/2006/relationships" xmlns:p="http://schemas.openxmlformats.org/presentationml/2006/main">
+  <p:cSld>
+    <p:spTree>
+      <p:nvGrpSpPr>
+        <p:cNvPr id="1" name=""/>
+        <p:cNvGrpSpPr/>
+        <p:nvPr/>
+      </p:nvGrpSpPr>
+      <p:grpSpPr>
+        <a:xfrm>
+          <a:off x="0" y="0"/>
+          <a:ext cx="0" cy="0"/>
+          <a:chOff x="0" y="0"/>
+          <a:chExt cx="0" cy="0"/>
+        </a:xfrm>
+      </p:grpSpPr>
+      <p:sp>
+        <p:nvSpPr>
+          <p:cNvPr id="2" name="Inhaltsplatzhalter 1"/>
+          <p:cNvSpPr>
+            <a:spLocks noGrp="1"/>
+          </p:cNvSpPr>
+          <p:nvPr>
+            <p:ph idx="1"/>
+          </p:nvPr>
+        </p:nvSpPr>
+        <p:spPr>
+          <a:xfrm>
+            <a:off x="457200" y="1481328"/>
+            <a:ext cx="4883373" cy="4764368"/>
+          </a:xfrm>
+        </p:spPr>
+        <p:txBody>
+          <a:bodyPr/>
+          <a:lstStyle/>
+          <a:p>
+            <a:r>
+              <a:rPr lang="de-CH" dirty="0" err="1" smtClean="0"/>
+              <a:t>stair</a:t>
+            </a:r>
+            <a:r>
+              <a:rPr lang="de-CH" dirty="0" smtClean="0"/>
+              <a:t> </a:t>
+            </a:r>
+            <a:r>
+              <a:rPr lang="de-CH" dirty="0" err="1" smtClean="0"/>
+              <a:t>area</a:t>
+            </a:r>
+            <a:endParaRPr lang="de-CH" dirty="0" smtClean="0"/>
+          </a:p>
+          <a:p>
+            <a:r>
+              <a:rPr lang="de-CH" dirty="0" smtClean="0"/>
+              <a:t>high </a:t>
+            </a:r>
+            <a:r>
+              <a:rPr lang="de-CH" dirty="0" err="1" smtClean="0"/>
+              <a:t>density</a:t>
+            </a:r>
+            <a:r>
+              <a:rPr lang="de-CH" dirty="0" smtClean="0"/>
+              <a:t> </a:t>
+            </a:r>
+            <a:r>
+              <a:rPr lang="de-CH" dirty="0" err="1" smtClean="0"/>
+              <a:t>of</a:t>
+            </a:r>
+            <a:r>
+              <a:rPr lang="de-CH" dirty="0" smtClean="0"/>
+              <a:t>  </a:t>
+            </a:r>
+            <a:r>
+              <a:rPr lang="de-CH" dirty="0" err="1" smtClean="0"/>
+              <a:t>agents</a:t>
+            </a:r>
+            <a:endParaRPr lang="de-CH" dirty="0" smtClean="0"/>
+          </a:p>
+          <a:p>
+            <a:r>
+              <a:rPr lang="de-CH" dirty="0" err="1" smtClean="0"/>
+              <a:t>agents</a:t>
+            </a:r>
+            <a:r>
+              <a:rPr lang="de-CH" dirty="0" smtClean="0"/>
+              <a:t> </a:t>
+            </a:r>
+            <a:r>
+              <a:rPr lang="de-CH" dirty="0" err="1" smtClean="0"/>
+              <a:t>are</a:t>
+            </a:r>
+            <a:r>
+              <a:rPr lang="de-CH" dirty="0" smtClean="0"/>
+              <a:t> stuck in wall</a:t>
+            </a:r>
+          </a:p>
+          <a:p>
+            <a:endParaRPr lang="de-CH" dirty="0" smtClean="0"/>
+          </a:p>
+          <a:p>
+            <a:pPr marL="109728" indent="0">
+              <a:buNone/>
+            </a:pPr>
+            <a:endParaRPr lang="de-CH" dirty="0" smtClean="0"/>
+          </a:p>
+          <a:p>
+            <a:r>
+              <a:rPr lang="de-CH" dirty="0" err="1" smtClean="0"/>
+              <a:t>random</a:t>
+            </a:r>
+            <a:r>
+              <a:rPr lang="de-CH" dirty="0" smtClean="0"/>
+              <a:t> </a:t>
+            </a:r>
+            <a:r>
+              <a:rPr lang="de-CH" dirty="0" err="1" smtClean="0"/>
+              <a:t>velocity</a:t>
+            </a:r>
+            <a:r>
+              <a:rPr lang="de-CH" dirty="0" smtClean="0"/>
+              <a:t> </a:t>
+            </a:r>
+            <a:r>
+              <a:rPr lang="de-CH" dirty="0" err="1" smtClean="0"/>
+              <a:t>to</a:t>
+            </a:r>
+            <a:r>
+              <a:rPr lang="de-CH" dirty="0" smtClean="0"/>
+              <a:t> </a:t>
+            </a:r>
+            <a:r>
+              <a:rPr lang="de-CH" dirty="0" err="1" smtClean="0"/>
+              <a:t>get</a:t>
+            </a:r>
+            <a:r>
+              <a:rPr lang="de-CH" dirty="0" smtClean="0"/>
+              <a:t> out </a:t>
+            </a:r>
+            <a:r>
+              <a:rPr lang="de-CH" dirty="0" err="1" smtClean="0"/>
+              <a:t>of</a:t>
+            </a:r>
+            <a:r>
+              <a:rPr lang="de-CH" dirty="0" smtClean="0"/>
+              <a:t> wall</a:t>
+            </a:r>
+          </a:p>
+        </p:txBody>
+      </p:sp>
+      <p:sp>
+        <p:nvSpPr>
+          <p:cNvPr id="3" name="Titel 2"/>
+          <p:cNvSpPr>
+            <a:spLocks noGrp="1"/>
+          </p:cNvSpPr>
+          <p:nvPr>
+            <p:ph type="title"/>
+          </p:nvPr>
+        </p:nvSpPr>
+        <p:spPr/>
+        <p:txBody>
+          <a:bodyPr/>
+          <a:lstStyle/>
+          <a:p>
+            <a:r>
+              <a:rPr lang="de-CH" dirty="0" err="1" smtClean="0">
+                <a:solidFill>
+                  <a:schemeClr val="tx1"/>
+                </a:solidFill>
+              </a:rPr>
+              <a:t>difficulty</a:t>
+            </a:r>
+            <a:r>
+              <a:rPr lang="de-CH" dirty="0" smtClean="0">
+                <a:solidFill>
+                  <a:schemeClr val="tx1"/>
+                </a:solidFill>
+              </a:rPr>
+              <a:t> - </a:t>
+            </a:r>
+            <a:r>
+              <a:rPr lang="de-CH" dirty="0" err="1" smtClean="0">
+                <a:solidFill>
+                  <a:schemeClr val="tx1"/>
+                </a:solidFill>
+              </a:rPr>
+              <a:t>clogging</a:t>
+            </a:r>
+            <a:r>
+              <a:rPr lang="de-CH" dirty="0" smtClean="0">
+                <a:solidFill>
+                  <a:schemeClr val="tx1"/>
+                </a:solidFill>
+              </a:rPr>
+              <a:t> </a:t>
+            </a:r>
+            <a:r>
+              <a:rPr lang="de-CH" dirty="0" err="1" smtClean="0">
+                <a:solidFill>
+                  <a:schemeClr val="tx1"/>
+                </a:solidFill>
+              </a:rPr>
+              <a:t>agents</a:t>
+            </a:r>
+            <a:endParaRPr lang="en-GB" dirty="0">
+              <a:solidFill>
+                <a:schemeClr val="tx1"/>
+              </a:solidFill>
+            </a:endParaRPr>
+          </a:p>
+        </p:txBody>
+      </p:sp>
+      <p:pic>
+        <p:nvPicPr>
+          <p:cNvPr id="5" name="Picture 2"/>
+          <p:cNvPicPr/>
+          <p:nvPr/>
+        </p:nvPicPr>
+        <p:blipFill>
+          <a:blip r:embed="rId3">
+            <a:extLst>
+              <a:ext uri="{BEBA8EAE-BF5A-486C-A8C5-ECC9F3942E4B}">
+                <a14:imgProps xmlns:a14="http://schemas.microsoft.com/office/drawing/2010/main">
+                  <a14:imgLayer r:embed="rId4">
+                    <a14:imgEffect>
+                      <a14:backgroundRemoval t="14019" b="89720" l="0" r="100000">
+                        <a14:backgroundMark x1="15486" y1="6542" x2="15486" y2="6542"/>
+                        <a14:backgroundMark x1="12336" y1="40187" x2="12336" y2="40187"/>
+                      </a14:backgroundRemoval>
+                    </a14:imgEffect>
+                    <a14:imgEffect>
+                      <a14:sharpenSoften amount="-50000"/>
+                    </a14:imgEffect>
+                    <a14:imgEffect>
+                      <a14:brightnessContrast bright="-40000" contrast="40000"/>
+                    </a14:imgEffect>
+                  </a14:imgLayer>
+                </a14:imgProps>
+              </a:ext>
+              <a:ext uri="{28A0092B-C50C-407E-A947-70E740481C1C}">
+                <a14:useLocalDpi xmlns:a14="http://schemas.microsoft.com/office/drawing/2010/main" val="0"/>
+              </a:ext>
+            </a:extLst>
+          </a:blip>
+          <a:srcRect/>
+          <a:stretch>
+            <a:fillRect/>
+          </a:stretch>
+        </p:blipFill>
+        <p:spPr bwMode="auto">
+          <a:xfrm>
+            <a:off x="31777" y="6245696"/>
+            <a:ext cx="2191118" cy="612304"/>
+          </a:xfrm>
+          <a:prstGeom prst="rect">
+            <a:avLst/>
+          </a:prstGeom>
+          <a:noFill/>
+          <a:ln>
+            <a:noFill/>
+          </a:ln>
+          <a:effectLst/>
+          <a:extLst>
+            <a:ext uri="{909E8E84-426E-40DD-AFC4-6F175D3DCCD1}">
+              <a14:hiddenFill xmlns:a14="http://schemas.microsoft.com/office/drawing/2010/main">
+                <a:solidFill>
+                  <a:schemeClr val="accent1"/>
+                </a:solidFill>
+              </a14:hiddenFill>
+            </a:ext>
+            <a:ext uri="{91240B29-F687-4F45-9708-019B960494DF}">
+              <a14:hiddenLine xmlns:a14="http://schemas.microsoft.com/office/drawing/2010/main" w="9525">
+                <a:solidFill>
+                  <a:schemeClr val="tx1"/>
+                </a:solidFill>
+                <a:miter lim="800000"/>
+                <a:headEnd/>
+                <a:tailEnd/>
+              </a14:hiddenLine>
+            </a:ext>
+            <a:ext uri="{AF507438-7753-43E0-B8FC-AC1667EBCBE1}">
+              <a14:hiddenEffects xmlns:a14="http://schemas.microsoft.com/office/drawing/2010/main">
+                <a:effectLst>
+                  <a:outerShdw dist="35921" dir="2700000" algn="ctr" rotWithShape="0">
+                    <a:schemeClr val="bg2"/>
+                  </a:outerShdw>
+                </a:effectLst>
+              </a14:hiddenEffects>
+            </a:ext>
+          </a:extLst>
+        </p:spPr>
+      </p:pic>
+      <p:pic>
+        <p:nvPicPr>
+          <p:cNvPr id="2054" name="Picture 6" descr="C:\Users\manuela\Documents\GitHub\ship-evacuation\presentation\images\IMG-20121214-WA0002.jpg"/>
+          <p:cNvPicPr>
+            <a:picLocks noChangeAspect="1" noChangeArrowheads="1"/>
+          </p:cNvPicPr>
+          <p:nvPr/>
+        </p:nvPicPr>
+        <p:blipFill>
+          <a:blip r:embed="rId5">
+            <a:extLst>
+              <a:ext uri="{28A0092B-C50C-407E-A947-70E740481C1C}">
+                <a14:useLocalDpi xmlns:a14="http://schemas.microsoft.com/office/drawing/2010/main" val="0"/>
+              </a:ext>
+            </a:extLst>
+          </a:blip>
+          <a:srcRect/>
+          <a:stretch>
+            <a:fillRect/>
+          </a:stretch>
+        </p:blipFill>
+        <p:spPr bwMode="auto">
+          <a:xfrm>
+            <a:off x="5655450" y="1844996"/>
+            <a:ext cx="3086100" cy="3048000"/>
+          </a:xfrm>
+          <a:prstGeom prst="rect">
+            <a:avLst/>
+          </a:prstGeom>
+          <a:noFill/>
+          <a:extLst>
+            <a:ext uri="{909E8E84-426E-40DD-AFC4-6F175D3DCCD1}">
+              <a14:hiddenFill xmlns:a14="http://schemas.microsoft.com/office/drawing/2010/main">
+                <a:solidFill>
+                  <a:srgbClr val="FFFFFF"/>
+                </a:solidFill>
+              </a14:hiddenFill>
+            </a:ext>
+          </a:extLst>
+        </p:spPr>
+      </p:pic>
+      <p:sp>
+        <p:nvSpPr>
+          <p:cNvPr id="4" name="Pfeil nach unten 3"/>
+          <p:cNvSpPr/>
+          <p:nvPr/>
+        </p:nvSpPr>
+        <p:spPr>
+          <a:xfrm>
+            <a:off x="2222895" y="3044960"/>
+            <a:ext cx="548905" cy="648072"/>
+          </a:xfrm>
+          <a:prstGeom prst="downArrow">
+            <a:avLst/>
+          </a:prstGeom>
+          <a:solidFill>
+            <a:schemeClr val="tx1"/>
+          </a:solidFill>
+          <a:ln>
+            <a:solidFill>
+              <a:schemeClr val="tx1"/>
+            </a:solidFill>
+          </a:ln>
+        </p:spPr>
+        <p:style>
+          <a:lnRef idx="2">
+            <a:schemeClr val="accent1">
+              <a:shade val="50000"/>
+            </a:schemeClr>
+          </a:lnRef>
+          <a:fillRef idx="1">
+            <a:schemeClr val="accent1"/>
+          </a:fillRef>
+          <a:effectRef idx="0">
+            <a:schemeClr val="accent1"/>
+          </a:effectRef>
+          <a:fontRef idx="minor">
+            <a:schemeClr val="lt1"/>
+          </a:fontRef>
+        </p:style>
+        <p:txBody>
+          <a:bodyPr rtlCol="0" anchor="ctr"/>
+          <a:lstStyle/>
+          <a:p>
+            <a:pPr algn="ctr"/>
+            <a:endParaRPr lang="en-GB"/>
+          </a:p>
+        </p:txBody>
+      </p:sp>
+      <p:pic>
+        <p:nvPicPr>
+          <p:cNvPr id="2055" name="Picture 7" descr="C:\Users\manuela\Documents\GitHub\ship-evacuation\presentation\images\IMG-20121214-WA0001.jpg"/>
+          <p:cNvPicPr>
+            <a:picLocks noChangeAspect="1" noChangeArrowheads="1"/>
+          </p:cNvPicPr>
+          <p:nvPr/>
+        </p:nvPicPr>
+        <p:blipFill>
+          <a:blip r:embed="rId6">
+            <a:extLst>
+              <a:ext uri="{28A0092B-C50C-407E-A947-70E740481C1C}">
+                <a14:useLocalDpi xmlns:a14="http://schemas.microsoft.com/office/drawing/2010/main" val="0"/>
+              </a:ext>
+            </a:extLst>
+          </a:blip>
+          <a:srcRect/>
+          <a:stretch>
+            <a:fillRect/>
+          </a:stretch>
+        </p:blipFill>
+        <p:spPr bwMode="auto">
+          <a:xfrm>
+            <a:off x="5332473" y="1963265"/>
+            <a:ext cx="3649662" cy="2811462"/>
+          </a:xfrm>
+          <a:prstGeom prst="rect">
+            <a:avLst/>
+          </a:prstGeom>
+          <a:noFill/>
+          <a:extLst>
+            <a:ext uri="{909E8E84-426E-40DD-AFC4-6F175D3DCCD1}">
+              <a14:hiddenFill xmlns:a14="http://schemas.microsoft.com/office/drawing/2010/main">
+                <a:solidFill>
+                  <a:srgbClr val="FFFFFF"/>
+                </a:solidFill>
+              </a14:hiddenFill>
+            </a:ext>
+          </a:extLst>
+        </p:spPr>
+      </p:pic>
+    </p:spTree>
+    <p:extLst>
+      <p:ext uri="{BB962C8B-B14F-4D97-AF65-F5344CB8AC3E}">
+        <p14:creationId xmlns:p14="http://schemas.microsoft.com/office/powerpoint/2010/main" val="1556694962"/>
+      </p:ext>
+    </p:extLst>
+  </p:cSld>
+  <p:clrMapOvr>
+    <a:masterClrMapping/>
+  </p:clrMapOvr>
+  <p:timing>
+    <p:tnLst>
+      <p:par>
+        <p:cTn id="1" dur="indefinite" restart="never" nodeType="tmRoot">
+          <p:childTnLst>
+            <p:seq concurrent="1" nextAc="seek">
+              <p:cTn id="2" dur="indefinite" nodeType="mainSeq">
+                <p:childTnLst>
+                  <p:par>
+                    <p:cTn id="3" fill="hold">
+                      <p:stCondLst>
+                        <p:cond delay="indefinite"/>
+                      </p:stCondLst>
+                      <p:childTnLst>
+                        <p:par>
+                          <p:cTn id="4" fill="hold">
+                            <p:stCondLst>
+                              <p:cond delay="0"/>
+                            </p:stCondLst>
+                            <p:childTnLst>
+                              <p:par>
+                                <p:cTn id="5" presetID="1" presetClass="entr" presetSubtype="0" fill="hold" nodeType="clickEffect">
+                                  <p:stCondLst>
+                                    <p:cond delay="0"/>
+                                  </p:stCondLst>
+                                  <p:childTnLst>
+                                    <p:set>
+                                      <p:cBhvr>
+                                        <p:cTn id="6" dur="1" fill="hold">
+                                          <p:stCondLst>
+                                            <p:cond delay="0"/>
+                                          </p:stCondLst>
+                                        </p:cTn>
+                                        <p:tgtEl>
+                                          <p:spTgt spid="2">
+                                            <p:txEl>
+                                              <p:pRg st="0" end="0"/>
+                                            </p:txEl>
+                                          </p:spTgt>
+                                        </p:tgtEl>
+                                        <p:attrNameLst>
+                                          <p:attrName>style.visibility</p:attrName>
+                                        </p:attrNameLst>
+                                      </p:cBhvr>
+                                      <p:to>
+                                        <p:strVal val="visible"/>
+                                      </p:to>
+                                    </p:set>
+                                  </p:childTnLst>
+                                </p:cTn>
+                              </p:par>
+                              <p:par>
+                                <p:cTn id="7" presetID="1" presetClass="entr" presetSubtype="0" fill="hold" nodeType="withEffect">
+                                  <p:stCondLst>
+                                    <p:cond delay="0"/>
+                                  </p:stCondLst>
+                                  <p:childTnLst>
+                                    <p:set>
+                                      <p:cBhvr>
+                                        <p:cTn id="8" dur="1" fill="hold">
+                                          <p:stCondLst>
+                                            <p:cond delay="0"/>
+                                          </p:stCondLst>
+                                        </p:cTn>
+                                        <p:tgtEl>
+                                          <p:spTgt spid="2054"/>
+                                        </p:tgtEl>
+                                        <p:attrNameLst>
+                                          <p:attrName>style.visibility</p:attrName>
+                                        </p:attrNameLst>
+                                      </p:cBhvr>
+                                      <p:to>
+                                        <p:strVal val="visible"/>
+                                      </p:to>
+                                    </p:set>
+                                  </p:childTnLst>
+                                </p:cTn>
+                              </p:par>
+                              <p:par>
+                                <p:cTn id="9" presetID="1" presetClass="entr" presetSubtype="0" fill="hold" nodeType="withEffect">
+                                  <p:stCondLst>
+                                    <p:cond delay="0"/>
+                                  </p:stCondLst>
+                                  <p:childTnLst>
+                                    <p:set>
+                                      <p:cBhvr>
+                                        <p:cTn id="10" dur="1" fill="hold">
+                                          <p:stCondLst>
+                                            <p:cond delay="0"/>
+                                          </p:stCondLst>
+                                        </p:cTn>
+                                        <p:tgtEl>
+                                          <p:spTgt spid="2">
+                                            <p:txEl>
+                                              <p:pRg st="1" end="1"/>
+                                            </p:txEl>
+                                          </p:spTgt>
+                                        </p:tgtEl>
+                                        <p:attrNameLst>
+                                          <p:attrName>style.visibility</p:attrName>
+                                        </p:attrNameLst>
+                                      </p:cBhvr>
+                                      <p:to>
+                                        <p:strVal val="visible"/>
+                                      </p:to>
+                                    </p:set>
+                                  </p:childTnLst>
+                                </p:cTn>
+                              </p:par>
+                              <p:par>
+                                <p:cTn id="11" presetID="1" presetClass="entr" presetSubtype="0" fill="hold" nodeType="withEffect">
+                                  <p:stCondLst>
+                                    <p:cond delay="0"/>
+                                  </p:stCondLst>
+                                  <p:childTnLst>
+                                    <p:set>
+                                      <p:cBhvr>
+                                        <p:cTn id="12" dur="1" fill="hold">
+                                          <p:stCondLst>
+                                            <p:cond delay="0"/>
+                                          </p:stCondLst>
+                                        </p:cTn>
+                                        <p:tgtEl>
+                                          <p:spTgt spid="2">
+                                            <p:txEl>
+                                              <p:pRg st="2" end="2"/>
+                                            </p:txEl>
+                                          </p:spTgt>
+                                        </p:tgtEl>
+                                        <p:attrNameLst>
+                                          <p:attrName>style.visibility</p:attrName>
+                                        </p:attrNameLst>
+                                      </p:cBhvr>
+                                      <p:to>
+                                        <p:strVal val="visible"/>
+                                      </p:to>
+                                    </p:set>
+                                  </p:childTnLst>
+                                </p:cTn>
+                              </p:par>
+                            </p:childTnLst>
+                          </p:cTn>
+                        </p:par>
+                      </p:childTnLst>
+                    </p:cTn>
+                  </p:par>
+                  <p:par>
+                    <p:cTn id="13" fill="hold">
+                      <p:stCondLst>
+                        <p:cond delay="indefinite"/>
+                      </p:stCondLst>
+                      <p:childTnLst>
+                        <p:par>
+                          <p:cTn id="14" fill="hold">
+                            <p:stCondLst>
+                              <p:cond delay="0"/>
+                            </p:stCondLst>
+                            <p:childTnLst>
+                              <p:par>
+                                <p:cTn id="15" presetID="1" presetClass="entr" presetSubtype="0" fill="hold" nodeType="clickEffect">
+                                  <p:stCondLst>
+                                    <p:cond delay="0"/>
+                                  </p:stCondLst>
+                                  <p:childTnLst>
+                                    <p:set>
+                                      <p:cBhvr>
+                                        <p:cTn id="16" dur="1" fill="hold">
+                                          <p:stCondLst>
+                                            <p:cond delay="0"/>
+                                          </p:stCondLst>
+                                        </p:cTn>
+                                        <p:tgtEl>
+                                          <p:spTgt spid="2">
+                                            <p:txEl>
+                                              <p:pRg st="5" end="5"/>
+                                            </p:txEl>
+                                          </p:spTgt>
+                                        </p:tgtEl>
+                                        <p:attrNameLst>
+                                          <p:attrName>style.visibility</p:attrName>
+                                        </p:attrNameLst>
+                                      </p:cBhvr>
+                                      <p:to>
+                                        <p:strVal val="visible"/>
+                                      </p:to>
+                                    </p:set>
+                                  </p:childTnLst>
+                                </p:cTn>
+                              </p:par>
+                              <p:par>
+                                <p:cTn id="17" presetID="1" presetClass="entr" presetSubtype="0" fill="hold" grpId="0" nodeType="withEffect">
+                                  <p:stCondLst>
+                                    <p:cond delay="0"/>
+                                  </p:stCondLst>
+                                  <p:childTnLst>
+                                    <p:set>
+                                      <p:cBhvr>
+                                        <p:cTn id="18" dur="1" fill="hold">
+                                          <p:stCondLst>
+                                            <p:cond delay="0"/>
+                                          </p:stCondLst>
+                                        </p:cTn>
+                                        <p:tgtEl>
+                                          <p:spTgt spid="4"/>
+                                        </p:tgtEl>
+                                        <p:attrNameLst>
+                                          <p:attrName>style.visibility</p:attrName>
+                                        </p:attrNameLst>
+                                      </p:cBhvr>
+                                      <p:to>
+                                        <p:strVal val="visible"/>
+                                      </p:to>
+                                    </p:set>
+                                  </p:childTnLst>
+                                </p:cTn>
+                              </p:par>
+                              <p:par>
+                                <p:cTn id="19" presetID="1" presetClass="entr" presetSubtype="0" fill="hold" nodeType="withEffect">
+                                  <p:stCondLst>
+                                    <p:cond delay="0"/>
+                                  </p:stCondLst>
+                                  <p:childTnLst>
+                                    <p:set>
+                                      <p:cBhvr>
+                                        <p:cTn id="20" dur="1" fill="hold">
+                                          <p:stCondLst>
+                                            <p:cond delay="0"/>
+                                          </p:stCondLst>
+                                        </p:cTn>
+                                        <p:tgtEl>
+                                          <p:spTgt spid="2">
+                                            <p:txEl>
+                                              <p:pRg st="5" end="5"/>
+                                            </p:txEl>
+                                          </p:spTgt>
+                                        </p:tgtEl>
+                                        <p:attrNameLst>
+                                          <p:attrName>style.visibility</p:attrName>
+                                        </p:attrNameLst>
+                                      </p:cBhvr>
+                                      <p:to>
+                                        <p:strVal val="visible"/>
+                                      </p:to>
+                                    </p:set>
+                                  </p:childTnLst>
+                                </p:cTn>
+                              </p:par>
+                              <p:par>
+                                <p:cTn id="21" presetID="10" presetClass="exit" presetSubtype="0" fill="hold" nodeType="withEffect">
+                                  <p:stCondLst>
+                                    <p:cond delay="0"/>
+                                  </p:stCondLst>
+                                  <p:childTnLst>
+                                    <p:animEffect transition="out" filter="fade">
+                                      <p:cBhvr>
+                                        <p:cTn id="22" dur="500"/>
+                                        <p:tgtEl>
+                                          <p:spTgt spid="2054"/>
+                                        </p:tgtEl>
+                                      </p:cBhvr>
+                                    </p:animEffect>
+                                    <p:set>
+                                      <p:cBhvr>
+                                        <p:cTn id="23" dur="1" fill="hold">
+                                          <p:stCondLst>
+                                            <p:cond delay="499"/>
+                                          </p:stCondLst>
+                                        </p:cTn>
+                                        <p:tgtEl>
+                                          <p:spTgt spid="2054"/>
+                                        </p:tgtEl>
+                                        <p:attrNameLst>
+                                          <p:attrName>style.visibility</p:attrName>
+                                        </p:attrNameLst>
+                                      </p:cBhvr>
+                                      <p:to>
+                                        <p:strVal val="hidden"/>
+                                      </p:to>
+                                    </p:set>
+                                  </p:childTnLst>
+                                </p:cTn>
+                              </p:par>
+                              <p:par>
+                                <p:cTn id="24" presetID="10" presetClass="entr" presetSubtype="0" fill="hold" nodeType="withEffect">
+                                  <p:stCondLst>
+                                    <p:cond delay="0"/>
+                                  </p:stCondLst>
+                                  <p:childTnLst>
+                                    <p:set>
+                                      <p:cBhvr>
+                                        <p:cTn id="25" dur="1" fill="hold">
+                                          <p:stCondLst>
+                                            <p:cond delay="0"/>
+                                          </p:stCondLst>
+                                        </p:cTn>
+                                        <p:tgtEl>
+                                          <p:spTgt spid="2055"/>
+                                        </p:tgtEl>
+                                        <p:attrNameLst>
+                                          <p:attrName>style.visibility</p:attrName>
+                                        </p:attrNameLst>
+                                      </p:cBhvr>
+                                      <p:to>
+                                        <p:strVal val="visible"/>
+                                      </p:to>
+                                    </p:set>
+                                    <p:animEffect transition="in" filter="fade">
+                                      <p:cBhvr>
+                                        <p:cTn id="26" dur="500"/>
+                                        <p:tgtEl>
+                                          <p:spTgt spid="2055"/>
+                                        </p:tgtEl>
+                                      </p:cBhvr>
+                                    </p:animEffect>
+                                  </p:childTnLst>
+                                </p:cTn>
+                              </p:par>
+                            </p:childTnLst>
+                          </p:cTn>
+                        </p:par>
+                      </p:childTnLst>
+                    </p:cTn>
+                  </p:par>
+                </p:childTnLst>
+              </p:cTn>
+              <p:prevCondLst>
+                <p:cond evt="onPrev" delay="0">
+                  <p:tgtEl>
+                    <p:sldTgt/>
+                  </p:tgtEl>
+                </p:cond>
+              </p:prevCondLst>
+              <p:nextCondLst>
+                <p:cond evt="onNext" delay="0">
+                  <p:tgtEl>
+                    <p:sldTgt/>
+                  </p:tgtEl>
+                </p:cond>
+              </p:nextCondLst>
+            </p:seq>
+          </p:childTnLst>
+        </p:cTn>
+      </p:par>
+    </p:tnLst>
+    <p:bldLst>
+      <p:bldP spid="4" grpId="0" animBg="1"/>
+    </p:bldLst>
   </p:timing>
 </p:sld>
 </file>
